--- a/Presentation_JO2024.pptx
+++ b/Presentation_JO2024.pptx
@@ -16,22 +16,18 @@
     <p:sldId id="283" r:id="rId10"/>
     <p:sldId id="279" r:id="rId11"/>
     <p:sldId id="277" r:id="rId12"/>
-    <p:sldId id="260" r:id="rId13"/>
-    <p:sldId id="280" r:id="rId14"/>
-    <p:sldId id="285" r:id="rId15"/>
-    <p:sldId id="265" r:id="rId16"/>
-    <p:sldId id="264" r:id="rId17"/>
-    <p:sldId id="266" r:id="rId18"/>
-    <p:sldId id="261" r:id="rId19"/>
-    <p:sldId id="268" r:id="rId20"/>
-    <p:sldId id="272" r:id="rId21"/>
-    <p:sldId id="270" r:id="rId22"/>
-    <p:sldId id="271" r:id="rId23"/>
-    <p:sldId id="267" r:id="rId24"/>
-    <p:sldId id="269" r:id="rId25"/>
-    <p:sldId id="273" r:id="rId26"/>
-    <p:sldId id="281" r:id="rId27"/>
-    <p:sldId id="274" r:id="rId28"/>
+    <p:sldId id="286" r:id="rId13"/>
+    <p:sldId id="260" r:id="rId14"/>
+    <p:sldId id="280" r:id="rId15"/>
+    <p:sldId id="285" r:id="rId16"/>
+    <p:sldId id="265" r:id="rId17"/>
+    <p:sldId id="264" r:id="rId18"/>
+    <p:sldId id="266" r:id="rId19"/>
+    <p:sldId id="261" r:id="rId20"/>
+    <p:sldId id="268" r:id="rId21"/>
+    <p:sldId id="272" r:id="rId22"/>
+    <p:sldId id="270" r:id="rId23"/>
+    <p:sldId id="271" r:id="rId24"/>
   </p:sldIdLst>
   <p:sldSz cx="12192000" cy="6858000"/>
   <p:notesSz cx="6858000" cy="9144000"/>
@@ -4203,7 +4199,7 @@
           <a:p>
             <a:fld id="{A129CABC-D7AE-40EF-BB01-0B09EB9AB373}" type="datetimeFigureOut">
               <a:rPr lang="fr-FR" smtClean="0"/>
-              <a:t>17/04/2023</a:t>
+              <a:t>18/04/2023</a:t>
             </a:fld>
             <a:endParaRPr lang="fr-FR"/>
           </a:p>
@@ -4401,7 +4397,7 @@
           <a:p>
             <a:fld id="{A129CABC-D7AE-40EF-BB01-0B09EB9AB373}" type="datetimeFigureOut">
               <a:rPr lang="fr-FR" smtClean="0"/>
-              <a:t>17/04/2023</a:t>
+              <a:t>18/04/2023</a:t>
             </a:fld>
             <a:endParaRPr lang="fr-FR"/>
           </a:p>
@@ -4609,7 +4605,7 @@
           <a:p>
             <a:fld id="{A129CABC-D7AE-40EF-BB01-0B09EB9AB373}" type="datetimeFigureOut">
               <a:rPr lang="fr-FR" smtClean="0"/>
-              <a:t>17/04/2023</a:t>
+              <a:t>18/04/2023</a:t>
             </a:fld>
             <a:endParaRPr lang="fr-FR"/>
           </a:p>
@@ -4807,7 +4803,7 @@
           <a:p>
             <a:fld id="{A129CABC-D7AE-40EF-BB01-0B09EB9AB373}" type="datetimeFigureOut">
               <a:rPr lang="fr-FR" smtClean="0"/>
-              <a:t>17/04/2023</a:t>
+              <a:t>18/04/2023</a:t>
             </a:fld>
             <a:endParaRPr lang="fr-FR"/>
           </a:p>
@@ -5082,7 +5078,7 @@
           <a:p>
             <a:fld id="{A129CABC-D7AE-40EF-BB01-0B09EB9AB373}" type="datetimeFigureOut">
               <a:rPr lang="fr-FR" smtClean="0"/>
-              <a:t>17/04/2023</a:t>
+              <a:t>18/04/2023</a:t>
             </a:fld>
             <a:endParaRPr lang="fr-FR"/>
           </a:p>
@@ -5347,7 +5343,7 @@
           <a:p>
             <a:fld id="{A129CABC-D7AE-40EF-BB01-0B09EB9AB373}" type="datetimeFigureOut">
               <a:rPr lang="fr-FR" smtClean="0"/>
-              <a:t>17/04/2023</a:t>
+              <a:t>18/04/2023</a:t>
             </a:fld>
             <a:endParaRPr lang="fr-FR"/>
           </a:p>
@@ -5759,7 +5755,7 @@
           <a:p>
             <a:fld id="{A129CABC-D7AE-40EF-BB01-0B09EB9AB373}" type="datetimeFigureOut">
               <a:rPr lang="fr-FR" smtClean="0"/>
-              <a:t>17/04/2023</a:t>
+              <a:t>18/04/2023</a:t>
             </a:fld>
             <a:endParaRPr lang="fr-FR"/>
           </a:p>
@@ -5900,7 +5896,7 @@
           <a:p>
             <a:fld id="{A129CABC-D7AE-40EF-BB01-0B09EB9AB373}" type="datetimeFigureOut">
               <a:rPr lang="fr-FR" smtClean="0"/>
-              <a:t>17/04/2023</a:t>
+              <a:t>18/04/2023</a:t>
             </a:fld>
             <a:endParaRPr lang="fr-FR"/>
           </a:p>
@@ -6013,7 +6009,7 @@
           <a:p>
             <a:fld id="{A129CABC-D7AE-40EF-BB01-0B09EB9AB373}" type="datetimeFigureOut">
               <a:rPr lang="fr-FR" smtClean="0"/>
-              <a:t>17/04/2023</a:t>
+              <a:t>18/04/2023</a:t>
             </a:fld>
             <a:endParaRPr lang="fr-FR"/>
           </a:p>
@@ -6324,7 +6320,7 @@
           <a:p>
             <a:fld id="{A129CABC-D7AE-40EF-BB01-0B09EB9AB373}" type="datetimeFigureOut">
               <a:rPr lang="fr-FR" smtClean="0"/>
-              <a:t>17/04/2023</a:t>
+              <a:t>18/04/2023</a:t>
             </a:fld>
             <a:endParaRPr lang="fr-FR"/>
           </a:p>
@@ -6612,7 +6608,7 @@
           <a:p>
             <a:fld id="{A129CABC-D7AE-40EF-BB01-0B09EB9AB373}" type="datetimeFigureOut">
               <a:rPr lang="fr-FR" smtClean="0"/>
-              <a:t>17/04/2023</a:t>
+              <a:t>18/04/2023</a:t>
             </a:fld>
             <a:endParaRPr lang="fr-FR"/>
           </a:p>
@@ -6853,7 +6849,7 @@
           <a:p>
             <a:fld id="{A129CABC-D7AE-40EF-BB01-0B09EB9AB373}" type="datetimeFigureOut">
               <a:rPr lang="fr-FR" smtClean="0"/>
-              <a:t>17/04/2023</a:t>
+              <a:t>18/04/2023</a:t>
             </a:fld>
             <a:endParaRPr lang="fr-FR"/>
           </a:p>
@@ -12897,6 +12893,784 @@
         </p:nvGrpSpPr>
         <p:grpSpPr>
           <a:xfrm>
+            <a:off x="987245" y="177434"/>
+            <a:ext cx="6278555" cy="774274"/>
+            <a:chOff x="567691" y="386935"/>
+            <a:chExt cx="6278555" cy="774274"/>
+          </a:xfrm>
+        </p:grpSpPr>
+        <p:sp>
+          <p:nvSpPr>
+            <p:cNvPr id="6" name="Rectangle 5">
+              <a:extLst>
+                <a:ext uri="{FF2B5EF4-FFF2-40B4-BE49-F238E27FC236}">
+                  <a16:creationId xmlns:a16="http://schemas.microsoft.com/office/drawing/2014/main" id="{12C5A2F4-1A68-3EFC-7E6E-C845D6D66EB1}"/>
+                </a:ext>
+              </a:extLst>
+            </p:cNvPr>
+            <p:cNvSpPr/>
+            <p:nvPr/>
+          </p:nvSpPr>
+          <p:spPr>
+            <a:xfrm>
+              <a:off x="567691" y="386935"/>
+              <a:ext cx="6278555" cy="774274"/>
+            </a:xfrm>
+            <a:prstGeom prst="rect">
+              <a:avLst/>
+            </a:prstGeom>
+          </p:spPr>
+          <p:style>
+            <a:lnRef idx="2">
+              <a:schemeClr val="lt1">
+                <a:hueOff val="0"/>
+                <a:satOff val="0"/>
+                <a:lumOff val="0"/>
+                <a:alphaOff val="0"/>
+              </a:schemeClr>
+            </a:lnRef>
+            <a:fillRef idx="1">
+              <a:schemeClr val="accent1">
+                <a:hueOff val="0"/>
+                <a:satOff val="0"/>
+                <a:lumOff val="0"/>
+                <a:alphaOff val="0"/>
+              </a:schemeClr>
+            </a:fillRef>
+            <a:effectRef idx="0">
+              <a:schemeClr val="accent1">
+                <a:hueOff val="0"/>
+                <a:satOff val="0"/>
+                <a:lumOff val="0"/>
+                <a:alphaOff val="0"/>
+              </a:schemeClr>
+            </a:effectRef>
+            <a:fontRef idx="minor">
+              <a:schemeClr val="lt1"/>
+            </a:fontRef>
+          </p:style>
+        </p:sp>
+        <p:sp>
+          <p:nvSpPr>
+            <p:cNvPr id="7" name="ZoneTexte 6">
+              <a:extLst>
+                <a:ext uri="{FF2B5EF4-FFF2-40B4-BE49-F238E27FC236}">
+                  <a16:creationId xmlns:a16="http://schemas.microsoft.com/office/drawing/2014/main" id="{FF9E783A-14FF-F7EB-9CC5-4E4DE71E1DA3}"/>
+                </a:ext>
+              </a:extLst>
+            </p:cNvPr>
+            <p:cNvSpPr txBox="1"/>
+            <p:nvPr/>
+          </p:nvSpPr>
+          <p:spPr>
+            <a:xfrm>
+              <a:off x="567691" y="386935"/>
+              <a:ext cx="6278555" cy="774274"/>
+            </a:xfrm>
+            <a:prstGeom prst="rect">
+              <a:avLst/>
+            </a:prstGeom>
+          </p:spPr>
+          <p:style>
+            <a:lnRef idx="0">
+              <a:scrgbClr r="0" g="0" b="0"/>
+            </a:lnRef>
+            <a:fillRef idx="0">
+              <a:scrgbClr r="0" g="0" b="0"/>
+            </a:fillRef>
+            <a:effectRef idx="0">
+              <a:scrgbClr r="0" g="0" b="0"/>
+            </a:effectRef>
+            <a:fontRef idx="minor">
+              <a:schemeClr val="lt1"/>
+            </a:fontRef>
+          </p:style>
+          <p:txBody>
+            <a:bodyPr spcFirstLastPara="0" vert="horz" wrap="square" lIns="614580" tIns="71120" rIns="71120" bIns="71120" numCol="1" spcCol="1270" anchor="ctr" anchorCtr="0">
+              <a:noAutofit/>
+            </a:bodyPr>
+            <a:lstStyle/>
+            <a:p>
+              <a:pPr marL="0" lvl="0" indent="0" algn="l" defTabSz="1244600">
+                <a:lnSpc>
+                  <a:spcPct val="90000"/>
+                </a:lnSpc>
+                <a:spcBef>
+                  <a:spcPct val="0"/>
+                </a:spcBef>
+                <a:spcAft>
+                  <a:spcPct val="35000"/>
+                </a:spcAft>
+                <a:buNone/>
+              </a:pPr>
+              <a:r>
+                <a:rPr lang="fr-FR" sz="2800" kern="1200" dirty="0"/>
+                <a:t>Backend – Sécurité</a:t>
+              </a:r>
+            </a:p>
+          </p:txBody>
+        </p:sp>
+      </p:grpSp>
+      <p:sp>
+        <p:nvSpPr>
+          <p:cNvPr id="8" name="Ellipse 7">
+            <a:extLst>
+              <a:ext uri="{FF2B5EF4-FFF2-40B4-BE49-F238E27FC236}">
+                <a16:creationId xmlns:a16="http://schemas.microsoft.com/office/drawing/2014/main" id="{A97470D7-CABE-9601-7738-29139EB550C9}"/>
+              </a:ext>
+            </a:extLst>
+          </p:cNvPr>
+          <p:cNvSpPr/>
+          <p:nvPr/>
+        </p:nvSpPr>
+        <p:spPr>
+          <a:xfrm>
+            <a:off x="332880" y="80650"/>
+            <a:ext cx="967842" cy="967842"/>
+          </a:xfrm>
+          <a:prstGeom prst="ellipse">
+            <a:avLst/>
+          </a:prstGeom>
+        </p:spPr>
+        <p:style>
+          <a:lnRef idx="2">
+            <a:schemeClr val="accent1">
+              <a:hueOff val="0"/>
+              <a:satOff val="0"/>
+              <a:lumOff val="0"/>
+              <a:alphaOff val="0"/>
+            </a:schemeClr>
+          </a:lnRef>
+          <a:fillRef idx="1">
+            <a:schemeClr val="lt1">
+              <a:hueOff val="0"/>
+              <a:satOff val="0"/>
+              <a:lumOff val="0"/>
+              <a:alphaOff val="0"/>
+            </a:schemeClr>
+          </a:fillRef>
+          <a:effectRef idx="0">
+            <a:schemeClr val="lt1">
+              <a:hueOff val="0"/>
+              <a:satOff val="0"/>
+              <a:lumOff val="0"/>
+              <a:alphaOff val="0"/>
+            </a:schemeClr>
+          </a:effectRef>
+          <a:fontRef idx="minor">
+            <a:schemeClr val="dk1">
+              <a:hueOff val="0"/>
+              <a:satOff val="0"/>
+              <a:lumOff val="0"/>
+              <a:alphaOff val="0"/>
+            </a:schemeClr>
+          </a:fontRef>
+        </p:style>
+      </p:sp>
+      <p:pic>
+        <p:nvPicPr>
+          <p:cNvPr id="9" name="Picture 2">
+            <a:extLst>
+              <a:ext uri="{FF2B5EF4-FFF2-40B4-BE49-F238E27FC236}">
+                <a16:creationId xmlns:a16="http://schemas.microsoft.com/office/drawing/2014/main" id="{5FC67445-7410-F5FF-B004-2550DF1F8B45}"/>
+              </a:ext>
+            </a:extLst>
+          </p:cNvPr>
+          <p:cNvPicPr>
+            <a:picLocks noChangeAspect="1" noChangeArrowheads="1"/>
+          </p:cNvPicPr>
+          <p:nvPr/>
+        </p:nvPicPr>
+        <p:blipFill>
+          <a:blip r:embed="rId2">
+            <a:extLst>
+              <a:ext uri="{28A0092B-C50C-407E-A947-70E740481C1C}">
+                <a14:useLocalDpi xmlns:a14="http://schemas.microsoft.com/office/drawing/2010/main" val="0"/>
+              </a:ext>
+            </a:extLst>
+          </a:blip>
+          <a:srcRect/>
+          <a:stretch>
+            <a:fillRect/>
+          </a:stretch>
+        </p:blipFill>
+        <p:spPr bwMode="auto">
+          <a:xfrm>
+            <a:off x="11139855" y="138384"/>
+            <a:ext cx="927136" cy="1050756"/>
+          </a:xfrm>
+          <a:prstGeom prst="rect">
+            <a:avLst/>
+          </a:prstGeom>
+          <a:noFill/>
+          <a:ln>
+            <a:noFill/>
+          </a:ln>
+          <a:extLst>
+            <a:ext uri="{909E8E84-426E-40DD-AFC4-6F175D3DCCD1}">
+              <a14:hiddenFill xmlns:a14="http://schemas.microsoft.com/office/drawing/2010/main">
+                <a:solidFill>
+                  <a:srgbClr val="FFFFFF"/>
+                </a:solidFill>
+              </a14:hiddenFill>
+            </a:ext>
+            <a:ext uri="{91240B29-F687-4F45-9708-019B960494DF}">
+              <a14:hiddenLine xmlns:a14="http://schemas.microsoft.com/office/drawing/2010/main" w="9525">
+                <a:solidFill>
+                  <a:srgbClr val="000000"/>
+                </a:solidFill>
+                <a:miter lim="800000"/>
+                <a:headEnd/>
+                <a:tailEnd/>
+              </a14:hiddenLine>
+            </a:ext>
+          </a:extLst>
+        </p:spPr>
+      </p:pic>
+      <p:sp>
+        <p:nvSpPr>
+          <p:cNvPr id="2" name="Sous-titre 2">
+            <a:extLst>
+              <a:ext uri="{FF2B5EF4-FFF2-40B4-BE49-F238E27FC236}">
+                <a16:creationId xmlns:a16="http://schemas.microsoft.com/office/drawing/2014/main" id="{C4EC96CE-3631-BD8B-ADAE-14F9D7A4B447}"/>
+              </a:ext>
+            </a:extLst>
+          </p:cNvPr>
+          <p:cNvSpPr txBox="1">
+            <a:spLocks/>
+          </p:cNvSpPr>
+          <p:nvPr/>
+        </p:nvSpPr>
+        <p:spPr>
+          <a:xfrm>
+            <a:off x="1595437" y="1258042"/>
+            <a:ext cx="9001125" cy="4876058"/>
+          </a:xfrm>
+          <a:prstGeom prst="rect">
+            <a:avLst/>
+          </a:prstGeom>
+        </p:spPr>
+        <p:txBody>
+          <a:bodyPr>
+            <a:normAutofit/>
+          </a:bodyPr>
+          <a:lstStyle>
+            <a:lvl1pPr marL="228600" indent="-228600" algn="l" defTabSz="914400" rtl="0" eaLnBrk="1" latinLnBrk="0" hangingPunct="1">
+              <a:lnSpc>
+                <a:spcPct val="90000"/>
+              </a:lnSpc>
+              <a:spcBef>
+                <a:spcPts val="1000"/>
+              </a:spcBef>
+              <a:buFont typeface="Arial" panose="020B0604020202020204" pitchFamily="34" charset="0"/>
+              <a:buChar char="•"/>
+              <a:defRPr sz="2800" kern="1200">
+                <a:solidFill>
+                  <a:schemeClr val="tx1"/>
+                </a:solidFill>
+                <a:latin typeface="+mn-lt"/>
+                <a:ea typeface="+mn-ea"/>
+                <a:cs typeface="+mn-cs"/>
+              </a:defRPr>
+            </a:lvl1pPr>
+            <a:lvl2pPr marL="685800" indent="-228600" algn="l" defTabSz="914400" rtl="0" eaLnBrk="1" latinLnBrk="0" hangingPunct="1">
+              <a:lnSpc>
+                <a:spcPct val="90000"/>
+              </a:lnSpc>
+              <a:spcBef>
+                <a:spcPts val="500"/>
+              </a:spcBef>
+              <a:buFont typeface="Arial" panose="020B0604020202020204" pitchFamily="34" charset="0"/>
+              <a:buChar char="•"/>
+              <a:defRPr sz="2400" kern="1200">
+                <a:solidFill>
+                  <a:schemeClr val="tx1"/>
+                </a:solidFill>
+                <a:latin typeface="+mn-lt"/>
+                <a:ea typeface="+mn-ea"/>
+                <a:cs typeface="+mn-cs"/>
+              </a:defRPr>
+            </a:lvl2pPr>
+            <a:lvl3pPr marL="1143000" indent="-228600" algn="l" defTabSz="914400" rtl="0" eaLnBrk="1" latinLnBrk="0" hangingPunct="1">
+              <a:lnSpc>
+                <a:spcPct val="90000"/>
+              </a:lnSpc>
+              <a:spcBef>
+                <a:spcPts val="500"/>
+              </a:spcBef>
+              <a:buFont typeface="Arial" panose="020B0604020202020204" pitchFamily="34" charset="0"/>
+              <a:buChar char="•"/>
+              <a:defRPr sz="2000" kern="1200">
+                <a:solidFill>
+                  <a:schemeClr val="tx1"/>
+                </a:solidFill>
+                <a:latin typeface="+mn-lt"/>
+                <a:ea typeface="+mn-ea"/>
+                <a:cs typeface="+mn-cs"/>
+              </a:defRPr>
+            </a:lvl3pPr>
+            <a:lvl4pPr marL="1600200" indent="-228600" algn="l" defTabSz="914400" rtl="0" eaLnBrk="1" latinLnBrk="0" hangingPunct="1">
+              <a:lnSpc>
+                <a:spcPct val="90000"/>
+              </a:lnSpc>
+              <a:spcBef>
+                <a:spcPts val="500"/>
+              </a:spcBef>
+              <a:buFont typeface="Arial" panose="020B0604020202020204" pitchFamily="34" charset="0"/>
+              <a:buChar char="•"/>
+              <a:defRPr sz="1800" kern="1200">
+                <a:solidFill>
+                  <a:schemeClr val="tx1"/>
+                </a:solidFill>
+                <a:latin typeface="+mn-lt"/>
+                <a:ea typeface="+mn-ea"/>
+                <a:cs typeface="+mn-cs"/>
+              </a:defRPr>
+            </a:lvl4pPr>
+            <a:lvl5pPr marL="2057400" indent="-228600" algn="l" defTabSz="914400" rtl="0" eaLnBrk="1" latinLnBrk="0" hangingPunct="1">
+              <a:lnSpc>
+                <a:spcPct val="90000"/>
+              </a:lnSpc>
+              <a:spcBef>
+                <a:spcPts val="500"/>
+              </a:spcBef>
+              <a:buFont typeface="Arial" panose="020B0604020202020204" pitchFamily="34" charset="0"/>
+              <a:buChar char="•"/>
+              <a:defRPr sz="1800" kern="1200">
+                <a:solidFill>
+                  <a:schemeClr val="tx1"/>
+                </a:solidFill>
+                <a:latin typeface="+mn-lt"/>
+                <a:ea typeface="+mn-ea"/>
+                <a:cs typeface="+mn-cs"/>
+              </a:defRPr>
+            </a:lvl5pPr>
+            <a:lvl6pPr marL="2514600" indent="-228600" algn="l" defTabSz="914400" rtl="0" eaLnBrk="1" latinLnBrk="0" hangingPunct="1">
+              <a:lnSpc>
+                <a:spcPct val="90000"/>
+              </a:lnSpc>
+              <a:spcBef>
+                <a:spcPts val="500"/>
+              </a:spcBef>
+              <a:buFont typeface="Arial" panose="020B0604020202020204" pitchFamily="34" charset="0"/>
+              <a:buChar char="•"/>
+              <a:defRPr sz="1800" kern="1200">
+                <a:solidFill>
+                  <a:schemeClr val="tx1"/>
+                </a:solidFill>
+                <a:latin typeface="+mn-lt"/>
+                <a:ea typeface="+mn-ea"/>
+                <a:cs typeface="+mn-cs"/>
+              </a:defRPr>
+            </a:lvl6pPr>
+            <a:lvl7pPr marL="2971800" indent="-228600" algn="l" defTabSz="914400" rtl="0" eaLnBrk="1" latinLnBrk="0" hangingPunct="1">
+              <a:lnSpc>
+                <a:spcPct val="90000"/>
+              </a:lnSpc>
+              <a:spcBef>
+                <a:spcPts val="500"/>
+              </a:spcBef>
+              <a:buFont typeface="Arial" panose="020B0604020202020204" pitchFamily="34" charset="0"/>
+              <a:buChar char="•"/>
+              <a:defRPr sz="1800" kern="1200">
+                <a:solidFill>
+                  <a:schemeClr val="tx1"/>
+                </a:solidFill>
+                <a:latin typeface="+mn-lt"/>
+                <a:ea typeface="+mn-ea"/>
+                <a:cs typeface="+mn-cs"/>
+              </a:defRPr>
+            </a:lvl7pPr>
+            <a:lvl8pPr marL="3429000" indent="-228600" algn="l" defTabSz="914400" rtl="0" eaLnBrk="1" latinLnBrk="0" hangingPunct="1">
+              <a:lnSpc>
+                <a:spcPct val="90000"/>
+              </a:lnSpc>
+              <a:spcBef>
+                <a:spcPts val="500"/>
+              </a:spcBef>
+              <a:buFont typeface="Arial" panose="020B0604020202020204" pitchFamily="34" charset="0"/>
+              <a:buChar char="•"/>
+              <a:defRPr sz="1800" kern="1200">
+                <a:solidFill>
+                  <a:schemeClr val="tx1"/>
+                </a:solidFill>
+                <a:latin typeface="+mn-lt"/>
+                <a:ea typeface="+mn-ea"/>
+                <a:cs typeface="+mn-cs"/>
+              </a:defRPr>
+            </a:lvl8pPr>
+            <a:lvl9pPr marL="3886200" indent="-228600" algn="l" defTabSz="914400" rtl="0" eaLnBrk="1" latinLnBrk="0" hangingPunct="1">
+              <a:lnSpc>
+                <a:spcPct val="90000"/>
+              </a:lnSpc>
+              <a:spcBef>
+                <a:spcPts val="500"/>
+              </a:spcBef>
+              <a:buFont typeface="Arial" panose="020B0604020202020204" pitchFamily="34" charset="0"/>
+              <a:buChar char="•"/>
+              <a:defRPr sz="1800" kern="1200">
+                <a:solidFill>
+                  <a:schemeClr val="tx1"/>
+                </a:solidFill>
+                <a:latin typeface="+mn-lt"/>
+                <a:ea typeface="+mn-ea"/>
+                <a:cs typeface="+mn-cs"/>
+              </a:defRPr>
+            </a:lvl9pPr>
+          </a:lstStyle>
+          <a:p>
+            <a:pPr lvl="1"/>
+            <a:endParaRPr lang="fr-FR" sz="1600" dirty="0">
+              <a:latin typeface="Arial" panose="020B0604020202020204" pitchFamily="34" charset="0"/>
+              <a:cs typeface="Arial" panose="020B0604020202020204" pitchFamily="34" charset="0"/>
+            </a:endParaRPr>
+          </a:p>
+        </p:txBody>
+      </p:sp>
+      <p:sp>
+        <p:nvSpPr>
+          <p:cNvPr id="10" name="ZoneTexte 9">
+            <a:extLst>
+              <a:ext uri="{FF2B5EF4-FFF2-40B4-BE49-F238E27FC236}">
+                <a16:creationId xmlns:a16="http://schemas.microsoft.com/office/drawing/2014/main" id="{A3B7573C-5002-A4AC-7EA0-9ACA4CE6D8B3}"/>
+              </a:ext>
+            </a:extLst>
+          </p:cNvPr>
+          <p:cNvSpPr txBox="1"/>
+          <p:nvPr/>
+        </p:nvSpPr>
+        <p:spPr>
+          <a:xfrm>
+            <a:off x="1481137" y="1395010"/>
+            <a:ext cx="9001124" cy="4832092"/>
+          </a:xfrm>
+          <a:prstGeom prst="rect">
+            <a:avLst/>
+          </a:prstGeom>
+          <a:solidFill>
+            <a:schemeClr val="accent2">
+              <a:lumMod val="40000"/>
+              <a:lumOff val="60000"/>
+            </a:schemeClr>
+          </a:solidFill>
+        </p:spPr>
+        <p:txBody>
+          <a:bodyPr wrap="square">
+            <a:spAutoFit/>
+          </a:bodyPr>
+          <a:lstStyle/>
+          <a:p>
+            <a:r>
+              <a:rPr lang="fr-FR" sz="2800" b="0" dirty="0">
+                <a:solidFill>
+                  <a:srgbClr val="000000"/>
+                </a:solidFill>
+                <a:effectLst/>
+                <a:latin typeface="Arial" panose="020B0604020202020204" pitchFamily="34" charset="0"/>
+                <a:cs typeface="Arial" panose="020B0604020202020204" pitchFamily="34" charset="0"/>
+              </a:rPr>
+              <a:t>Pour sécuriser le contrat, utilisation :</a:t>
+            </a:r>
+          </a:p>
+          <a:p>
+            <a:pPr marL="285750" indent="-285750">
+              <a:buFont typeface="Arial" panose="020B0604020202020204" pitchFamily="34" charset="0"/>
+              <a:buChar char="•"/>
+            </a:pPr>
+            <a:r>
+              <a:rPr lang="fr-FR" sz="2800" dirty="0" err="1">
+                <a:solidFill>
+                  <a:srgbClr val="000000"/>
+                </a:solidFill>
+                <a:latin typeface="Arial" panose="020B0604020202020204" pitchFamily="34" charset="0"/>
+                <a:cs typeface="Arial" panose="020B0604020202020204" pitchFamily="34" charset="0"/>
+              </a:rPr>
+              <a:t>Require</a:t>
+            </a:r>
+            <a:r>
+              <a:rPr lang="fr-FR" sz="2800" dirty="0">
+                <a:solidFill>
+                  <a:srgbClr val="000000"/>
+                </a:solidFill>
+                <a:latin typeface="Arial" panose="020B0604020202020204" pitchFamily="34" charset="0"/>
+                <a:cs typeface="Arial" panose="020B0604020202020204" pitchFamily="34" charset="0"/>
+              </a:rPr>
+              <a:t> à l’entrée de chaque fonction</a:t>
+            </a:r>
+          </a:p>
+          <a:p>
+            <a:pPr marL="285750" indent="-285750">
+              <a:buFont typeface="Arial" panose="020B0604020202020204" pitchFamily="34" charset="0"/>
+              <a:buChar char="•"/>
+            </a:pPr>
+            <a:r>
+              <a:rPr lang="fr-FR" sz="2800" b="0" dirty="0">
+                <a:solidFill>
+                  <a:srgbClr val="000000"/>
+                </a:solidFill>
+                <a:effectLst/>
+                <a:latin typeface="Arial" panose="020B0604020202020204" pitchFamily="34" charset="0"/>
+                <a:cs typeface="Arial" panose="020B0604020202020204" pitchFamily="34" charset="0"/>
+              </a:rPr>
+              <a:t>Modifier quand nécessaire</a:t>
+            </a:r>
+          </a:p>
+          <a:p>
+            <a:pPr marL="285750" indent="-285750">
+              <a:buFont typeface="Arial" panose="020B0604020202020204" pitchFamily="34" charset="0"/>
+              <a:buChar char="•"/>
+            </a:pPr>
+            <a:r>
+              <a:rPr lang="fr-FR" sz="2800" dirty="0">
+                <a:solidFill>
+                  <a:srgbClr val="000000"/>
+                </a:solidFill>
+                <a:latin typeface="Arial" panose="020B0604020202020204" pitchFamily="34" charset="0"/>
+                <a:cs typeface="Arial" panose="020B0604020202020204" pitchFamily="34" charset="0"/>
+              </a:rPr>
+              <a:t>Visibilité des fonctions public/privée</a:t>
+            </a:r>
+            <a:r>
+              <a:rPr lang="fr-FR" sz="2800">
+                <a:solidFill>
+                  <a:srgbClr val="000000"/>
+                </a:solidFill>
+                <a:latin typeface="Arial" panose="020B0604020202020204" pitchFamily="34" charset="0"/>
+                <a:cs typeface="Arial" panose="020B0604020202020204" pitchFamily="34" charset="0"/>
+              </a:rPr>
+              <a:t>/externe</a:t>
+            </a:r>
+            <a:endParaRPr lang="fr-FR" sz="2800" dirty="0">
+              <a:solidFill>
+                <a:srgbClr val="000000"/>
+              </a:solidFill>
+              <a:latin typeface="Arial" panose="020B0604020202020204" pitchFamily="34" charset="0"/>
+              <a:cs typeface="Arial" panose="020B0604020202020204" pitchFamily="34" charset="0"/>
+            </a:endParaRPr>
+          </a:p>
+          <a:p>
+            <a:pPr marL="285750" indent="-285750">
+              <a:buFont typeface="Arial" panose="020B0604020202020204" pitchFamily="34" charset="0"/>
+              <a:buChar char="•"/>
+            </a:pPr>
+            <a:r>
+              <a:rPr lang="fr-FR" sz="2800" b="0" dirty="0">
+                <a:effectLst/>
+                <a:latin typeface="Arial" panose="020B0604020202020204" pitchFamily="34" charset="0"/>
+                <a:cs typeface="Arial" panose="020B0604020202020204" pitchFamily="34" charset="0"/>
+              </a:rPr>
+              <a:t>Librairies </a:t>
+            </a:r>
+            <a:r>
+              <a:rPr lang="fr-FR" sz="2800" b="0" dirty="0" err="1">
+                <a:effectLst/>
+                <a:latin typeface="Arial" panose="020B0604020202020204" pitchFamily="34" charset="0"/>
+                <a:cs typeface="Arial" panose="020B0604020202020204" pitchFamily="34" charset="0"/>
+              </a:rPr>
+              <a:t>Openzeppelin</a:t>
+            </a:r>
+            <a:r>
+              <a:rPr lang="fr-FR" sz="2800" b="0" dirty="0">
+                <a:effectLst/>
+                <a:latin typeface="Arial" panose="020B0604020202020204" pitchFamily="34" charset="0"/>
+                <a:cs typeface="Arial" panose="020B0604020202020204" pitchFamily="34" charset="0"/>
+              </a:rPr>
+              <a:t> :</a:t>
+            </a:r>
+          </a:p>
+          <a:p>
+            <a:pPr marL="742950" lvl="1" indent="-285750">
+              <a:buFont typeface="Arial" panose="020B0604020202020204" pitchFamily="34" charset="0"/>
+              <a:buChar char="•"/>
+            </a:pPr>
+            <a:r>
+              <a:rPr lang="fr-FR" sz="2800" b="0" dirty="0" err="1">
+                <a:effectLst/>
+                <a:latin typeface="Arial" panose="020B0604020202020204" pitchFamily="34" charset="0"/>
+                <a:cs typeface="Arial" panose="020B0604020202020204" pitchFamily="34" charset="0"/>
+              </a:rPr>
+              <a:t>access</a:t>
+            </a:r>
+            <a:r>
+              <a:rPr lang="fr-FR" sz="2800" b="0" dirty="0">
+                <a:effectLst/>
+                <a:latin typeface="Arial" panose="020B0604020202020204" pitchFamily="34" charset="0"/>
+                <a:cs typeface="Arial" panose="020B0604020202020204" pitchFamily="34" charset="0"/>
+              </a:rPr>
+              <a:t>/Ownable.sol</a:t>
+            </a:r>
+          </a:p>
+          <a:p>
+            <a:pPr marL="742950" lvl="1" indent="-285750">
+              <a:buFont typeface="Arial" panose="020B0604020202020204" pitchFamily="34" charset="0"/>
+              <a:buChar char="•"/>
+            </a:pPr>
+            <a:r>
+              <a:rPr lang="fr-FR" sz="2800" b="0" dirty="0" err="1">
+                <a:effectLst/>
+                <a:latin typeface="Arial" panose="020B0604020202020204" pitchFamily="34" charset="0"/>
+                <a:cs typeface="Arial" panose="020B0604020202020204" pitchFamily="34" charset="0"/>
+              </a:rPr>
+              <a:t>security</a:t>
+            </a:r>
+            <a:r>
+              <a:rPr lang="fr-FR" sz="2800" b="0" dirty="0">
+                <a:effectLst/>
+                <a:latin typeface="Arial" panose="020B0604020202020204" pitchFamily="34" charset="0"/>
+                <a:cs typeface="Arial" panose="020B0604020202020204" pitchFamily="34" charset="0"/>
+              </a:rPr>
+              <a:t>/Pausable.sol</a:t>
+            </a:r>
+          </a:p>
+          <a:p>
+            <a:pPr marL="285750" indent="-285750">
+              <a:buFont typeface="Arial" panose="020B0604020202020204" pitchFamily="34" charset="0"/>
+              <a:buChar char="•"/>
+            </a:pPr>
+            <a:r>
+              <a:rPr lang="fr-FR" sz="2800" dirty="0">
+                <a:solidFill>
+                  <a:srgbClr val="000000"/>
+                </a:solidFill>
+                <a:latin typeface="Arial" panose="020B0604020202020204" pitchFamily="34" charset="0"/>
+                <a:cs typeface="Arial" panose="020B0604020202020204" pitchFamily="34" charset="0"/>
+              </a:rPr>
+              <a:t>29 tests unitaires</a:t>
+            </a:r>
+          </a:p>
+          <a:p>
+            <a:pPr marL="285750" indent="-285750">
+              <a:buFont typeface="Arial" panose="020B0604020202020204" pitchFamily="34" charset="0"/>
+              <a:buChar char="•"/>
+            </a:pPr>
+            <a:r>
+              <a:rPr lang="fr-FR" sz="2800" dirty="0">
+                <a:solidFill>
+                  <a:srgbClr val="000000"/>
+                </a:solidFill>
+                <a:latin typeface="Arial" panose="020B0604020202020204" pitchFamily="34" charset="0"/>
+                <a:cs typeface="Arial" panose="020B0604020202020204" pitchFamily="34" charset="0"/>
+              </a:rPr>
+              <a:t>Déploiement environnement de test localhost </a:t>
+            </a:r>
+            <a:r>
+              <a:rPr lang="fr-FR" sz="2800" dirty="0" err="1">
+                <a:solidFill>
+                  <a:srgbClr val="000000"/>
+                </a:solidFill>
+                <a:latin typeface="Arial" panose="020B0604020202020204" pitchFamily="34" charset="0"/>
+                <a:cs typeface="Arial" panose="020B0604020202020204" pitchFamily="34" charset="0"/>
+              </a:rPr>
+              <a:t>Hardhat</a:t>
+            </a:r>
+            <a:endParaRPr lang="fr-FR" sz="2800" dirty="0">
+              <a:solidFill>
+                <a:srgbClr val="000000"/>
+              </a:solidFill>
+              <a:latin typeface="Arial" panose="020B0604020202020204" pitchFamily="34" charset="0"/>
+              <a:cs typeface="Arial" panose="020B0604020202020204" pitchFamily="34" charset="0"/>
+            </a:endParaRPr>
+          </a:p>
+          <a:p>
+            <a:pPr marL="285750" indent="-285750">
+              <a:buFont typeface="Arial" panose="020B0604020202020204" pitchFamily="34" charset="0"/>
+              <a:buChar char="•"/>
+            </a:pPr>
+            <a:r>
+              <a:rPr lang="fr-FR" sz="2800" dirty="0">
+                <a:solidFill>
+                  <a:srgbClr val="000000"/>
+                </a:solidFill>
+                <a:latin typeface="Arial" panose="020B0604020202020204" pitchFamily="34" charset="0"/>
+                <a:cs typeface="Arial" panose="020B0604020202020204" pitchFamily="34" charset="0"/>
+              </a:rPr>
+              <a:t>Déploiement environnement de test </a:t>
+            </a:r>
+            <a:r>
+              <a:rPr lang="fr-FR" sz="2800" dirty="0" err="1">
+                <a:solidFill>
+                  <a:srgbClr val="000000"/>
+                </a:solidFill>
+                <a:latin typeface="Arial" panose="020B0604020202020204" pitchFamily="34" charset="0"/>
+                <a:cs typeface="Arial" panose="020B0604020202020204" pitchFamily="34" charset="0"/>
+              </a:rPr>
+              <a:t>Polygon</a:t>
+            </a:r>
+            <a:r>
+              <a:rPr lang="fr-FR" sz="2800" dirty="0">
+                <a:solidFill>
+                  <a:srgbClr val="000000"/>
+                </a:solidFill>
+                <a:latin typeface="Arial" panose="020B0604020202020204" pitchFamily="34" charset="0"/>
+                <a:cs typeface="Arial" panose="020B0604020202020204" pitchFamily="34" charset="0"/>
+              </a:rPr>
+              <a:t> Mumbai</a:t>
+            </a:r>
+          </a:p>
+          <a:p>
+            <a:endParaRPr lang="fr-FR" sz="1400" b="0" dirty="0">
+              <a:solidFill>
+                <a:srgbClr val="000000"/>
+              </a:solidFill>
+              <a:effectLst/>
+              <a:latin typeface="Consolas" panose="020B0609020204030204" pitchFamily="49" charset="0"/>
+            </a:endParaRPr>
+          </a:p>
+          <a:p>
+            <a:endParaRPr lang="fr-FR" sz="1400" b="0" dirty="0">
+              <a:solidFill>
+                <a:srgbClr val="000000"/>
+              </a:solidFill>
+              <a:effectLst/>
+              <a:latin typeface="Consolas" panose="020B0609020204030204" pitchFamily="49" charset="0"/>
+            </a:endParaRPr>
+          </a:p>
+        </p:txBody>
+      </p:sp>
+    </p:spTree>
+    <p:extLst>
+      <p:ext uri="{BB962C8B-B14F-4D97-AF65-F5344CB8AC3E}">
+        <p14:creationId xmlns:p14="http://schemas.microsoft.com/office/powerpoint/2010/main" val="3725697341"/>
+      </p:ext>
+    </p:extLst>
+  </p:cSld>
+  <p:clrMapOvr>
+    <a:masterClrMapping/>
+  </p:clrMapOvr>
+</p:sld>
+</file>
+
+<file path=ppt/slides/slide13.xml><?xml version="1.0" encoding="utf-8"?>
+<p:sld xmlns:a="http://schemas.openxmlformats.org/drawingml/2006/main" xmlns:r="http://schemas.openxmlformats.org/officeDocument/2006/relationships" xmlns:p="http://schemas.openxmlformats.org/presentationml/2006/main">
+  <p:cSld>
+    <p:spTree>
+      <p:nvGrpSpPr>
+        <p:cNvPr id="1" name=""/>
+        <p:cNvGrpSpPr/>
+        <p:nvPr/>
+      </p:nvGrpSpPr>
+      <p:grpSpPr>
+        <a:xfrm>
+          <a:off x="0" y="0"/>
+          <a:ext cx="0" cy="0"/>
+          <a:chOff x="0" y="0"/>
+          <a:chExt cx="0" cy="0"/>
+        </a:xfrm>
+      </p:grpSpPr>
+      <p:grpSp>
+        <p:nvGrpSpPr>
+          <p:cNvPr id="5" name="Groupe 4">
+            <a:extLst>
+              <a:ext uri="{FF2B5EF4-FFF2-40B4-BE49-F238E27FC236}">
+                <a16:creationId xmlns:a16="http://schemas.microsoft.com/office/drawing/2014/main" id="{683EB327-9545-2F3C-52EB-91B2E5B1E7E1}"/>
+              </a:ext>
+            </a:extLst>
+          </p:cNvPr>
+          <p:cNvGrpSpPr/>
+          <p:nvPr/>
+        </p:nvGrpSpPr>
+        <p:grpSpPr>
+          <a:xfrm>
             <a:off x="960868" y="177434"/>
             <a:ext cx="6278555" cy="774274"/>
             <a:chOff x="567691" y="386935"/>
@@ -13147,8 +13921,8 @@
         </p:nvSpPr>
         <p:spPr>
           <a:xfrm>
-            <a:off x="876301" y="1515216"/>
-            <a:ext cx="9739312" cy="4104534"/>
+            <a:off x="876301" y="1515215"/>
+            <a:ext cx="9648824" cy="4168667"/>
           </a:xfrm>
           <a:prstGeom prst="rect">
             <a:avLst/>
@@ -13162,7 +13936,7 @@
         </p:spPr>
         <p:txBody>
           <a:bodyPr>
-            <a:normAutofit/>
+            <a:normAutofit lnSpcReduction="10000"/>
           </a:bodyPr>
           <a:lstStyle>
             <a:lvl1pPr marL="228600" indent="-228600" algn="l" defTabSz="914400" rtl="0" eaLnBrk="1" latinLnBrk="0" hangingPunct="1">
@@ -13357,7 +14131,7 @@
               <a:buNone/>
             </a:pPr>
             <a:r>
-              <a:rPr lang="fr-FR" sz="2000" b="1" dirty="0">
+              <a:rPr lang="fr-FR" sz="2400" b="1" dirty="0">
                 <a:latin typeface="Arial" panose="020B0604020202020204" pitchFamily="34" charset="0"/>
                 <a:ea typeface="Times New Roman" panose="02020603050405020304" pitchFamily="18" charset="0"/>
                 <a:cs typeface="Times New Roman" panose="02020603050405020304" pitchFamily="18" charset="0"/>
@@ -13377,7 +14151,7 @@
               <a:buChar char=""/>
             </a:pPr>
             <a:r>
-              <a:rPr lang="fr-FR" sz="2000" b="1" dirty="0">
+              <a:rPr lang="fr-FR" sz="2400" b="1" dirty="0">
                 <a:effectLst/>
                 <a:latin typeface="Arial" panose="020B0604020202020204" pitchFamily="34" charset="0"/>
                 <a:ea typeface="Times New Roman" panose="02020603050405020304" pitchFamily="18" charset="0"/>
@@ -13386,7 +14160,7 @@
               <a:t>La librairie </a:t>
             </a:r>
             <a:r>
-              <a:rPr lang="fr-FR" sz="2000" b="1" dirty="0" err="1">
+              <a:rPr lang="fr-FR" sz="2400" b="1" dirty="0" err="1">
                 <a:effectLst/>
                 <a:latin typeface="Arial" panose="020B0604020202020204" pitchFamily="34" charset="0"/>
                 <a:ea typeface="Times New Roman" panose="02020603050405020304" pitchFamily="18" charset="0"/>
@@ -13395,7 +14169,7 @@
               <a:t>React</a:t>
             </a:r>
             <a:r>
-              <a:rPr lang="fr-FR" sz="2000" b="1" dirty="0">
+              <a:rPr lang="fr-FR" sz="2400" b="1" dirty="0">
                 <a:effectLst/>
                 <a:latin typeface="Arial" panose="020B0604020202020204" pitchFamily="34" charset="0"/>
                 <a:ea typeface="Times New Roman" panose="02020603050405020304" pitchFamily="18" charset="0"/>
@@ -13416,7 +14190,7 @@
               <a:buChar char=""/>
             </a:pPr>
             <a:r>
-              <a:rPr lang="fr-FR" sz="2000" b="1" dirty="0">
+              <a:rPr lang="fr-FR" sz="2400" b="1" dirty="0">
                 <a:effectLst/>
                 <a:latin typeface="Arial" panose="020B0604020202020204" pitchFamily="34" charset="0"/>
                 <a:ea typeface="Times New Roman" panose="02020603050405020304" pitchFamily="18" charset="0"/>
@@ -13425,7 +14199,7 @@
               <a:t>Le </a:t>
             </a:r>
             <a:r>
-              <a:rPr lang="fr-FR" sz="2000" b="1" dirty="0" err="1">
+              <a:rPr lang="fr-FR" sz="2400" b="1" dirty="0" err="1">
                 <a:effectLst/>
                 <a:latin typeface="Arial" panose="020B0604020202020204" pitchFamily="34" charset="0"/>
                 <a:ea typeface="Times New Roman" panose="02020603050405020304" pitchFamily="18" charset="0"/>
@@ -13434,7 +14208,7 @@
               <a:t>framework</a:t>
             </a:r>
             <a:r>
-              <a:rPr lang="fr-FR" sz="2000" b="1" dirty="0">
+              <a:rPr lang="fr-FR" sz="2400" b="1" dirty="0">
                 <a:effectLst/>
                 <a:latin typeface="Arial" panose="020B0604020202020204" pitchFamily="34" charset="0"/>
                 <a:ea typeface="Times New Roman" panose="02020603050405020304" pitchFamily="18" charset="0"/>
@@ -13455,7 +14229,7 @@
               <a:buChar char=""/>
             </a:pPr>
             <a:r>
-              <a:rPr lang="fr-FR" sz="2000" b="1" dirty="0">
+              <a:rPr lang="fr-FR" sz="2400" b="1" dirty="0">
                 <a:effectLst/>
                 <a:latin typeface="Arial" panose="020B0604020202020204" pitchFamily="34" charset="0"/>
                 <a:ea typeface="Times New Roman" panose="02020603050405020304" pitchFamily="18" charset="0"/>
@@ -13476,7 +14250,7 @@
               <a:buChar char=""/>
             </a:pPr>
             <a:r>
-              <a:rPr lang="fr-FR" sz="2000" b="1" dirty="0">
+              <a:rPr lang="fr-FR" sz="2400" b="1" dirty="0">
                 <a:effectLst/>
                 <a:latin typeface="Arial" panose="020B0604020202020204" pitchFamily="34" charset="0"/>
                 <a:ea typeface="Times New Roman" panose="02020603050405020304" pitchFamily="18" charset="0"/>
@@ -13485,7 +14259,7 @@
               <a:t>Le composant </a:t>
             </a:r>
             <a:r>
-              <a:rPr lang="fr-FR" sz="2000" b="1" dirty="0" err="1">
+              <a:rPr lang="fr-FR" sz="2400" b="1" dirty="0" err="1">
                 <a:effectLst/>
                 <a:latin typeface="Arial" panose="020B0604020202020204" pitchFamily="34" charset="0"/>
                 <a:ea typeface="Times New Roman" panose="02020603050405020304" pitchFamily="18" charset="0"/>
@@ -13494,7 +14268,7 @@
               <a:t>Rainbowkit</a:t>
             </a:r>
             <a:r>
-              <a:rPr lang="fr-FR" sz="2000" b="1" dirty="0">
+              <a:rPr lang="fr-FR" sz="2400" b="1" dirty="0">
                 <a:effectLst/>
                 <a:latin typeface="Arial" panose="020B0604020202020204" pitchFamily="34" charset="0"/>
                 <a:ea typeface="Times New Roman" panose="02020603050405020304" pitchFamily="18" charset="0"/>
@@ -13503,7 +14277,7 @@
               <a:t> 0.12.7 pour se connecter au </a:t>
             </a:r>
             <a:r>
-              <a:rPr lang="fr-FR" sz="2000" b="1" dirty="0" err="1">
+              <a:rPr lang="fr-FR" sz="2400" b="1" dirty="0" err="1">
                 <a:effectLst/>
                 <a:latin typeface="Arial" panose="020B0604020202020204" pitchFamily="34" charset="0"/>
                 <a:ea typeface="Times New Roman" panose="02020603050405020304" pitchFamily="18" charset="0"/>
@@ -13512,7 +14286,7 @@
               <a:t>Wallet</a:t>
             </a:r>
             <a:r>
-              <a:rPr lang="fr-FR" sz="2000" b="1" dirty="0">
+              <a:rPr lang="fr-FR" sz="2400" b="1" dirty="0">
                 <a:effectLst/>
                 <a:latin typeface="Arial" panose="020B0604020202020204" pitchFamily="34" charset="0"/>
                 <a:ea typeface="Times New Roman" panose="02020603050405020304" pitchFamily="18" charset="0"/>
@@ -13533,7 +14307,7 @@
               <a:buChar char=""/>
             </a:pPr>
             <a:r>
-              <a:rPr lang="fr-FR" sz="2000" b="1" dirty="0">
+              <a:rPr lang="fr-FR" sz="2400" b="1" dirty="0">
                 <a:effectLst/>
                 <a:latin typeface="Arial" panose="020B0604020202020204" pitchFamily="34" charset="0"/>
                 <a:ea typeface="Times New Roman" panose="02020603050405020304" pitchFamily="18" charset="0"/>
@@ -13542,7 +14316,7 @@
               <a:t>Le composant </a:t>
             </a:r>
             <a:r>
-              <a:rPr lang="fr-FR" sz="2000" b="1" dirty="0" err="1">
+              <a:rPr lang="fr-FR" sz="2400" b="1" dirty="0" err="1">
                 <a:effectLst/>
                 <a:latin typeface="Arial" panose="020B0604020202020204" pitchFamily="34" charset="0"/>
                 <a:ea typeface="Times New Roman" panose="02020603050405020304" pitchFamily="18" charset="0"/>
@@ -13551,7 +14325,7 @@
               <a:t>Wagmi</a:t>
             </a:r>
             <a:r>
-              <a:rPr lang="fr-FR" sz="2000" b="1" dirty="0">
+              <a:rPr lang="fr-FR" sz="2400" b="1" dirty="0">
                 <a:effectLst/>
                 <a:latin typeface="Arial" panose="020B0604020202020204" pitchFamily="34" charset="0"/>
                 <a:ea typeface="Times New Roman" panose="02020603050405020304" pitchFamily="18" charset="0"/>
@@ -13560,7 +14334,7 @@
               <a:t> 0.12.10 pour accéder au provider </a:t>
             </a:r>
             <a:r>
-              <a:rPr lang="fr-FR" sz="2000" b="1" dirty="0" err="1">
+              <a:rPr lang="fr-FR" sz="2400" b="1" dirty="0" err="1">
                 <a:effectLst/>
                 <a:latin typeface="Arial" panose="020B0604020202020204" pitchFamily="34" charset="0"/>
                 <a:ea typeface="Times New Roman" panose="02020603050405020304" pitchFamily="18" charset="0"/>
@@ -13569,7 +14343,7 @@
               <a:t>Alchemy</a:t>
             </a:r>
             <a:r>
-              <a:rPr lang="fr-FR" sz="2000" b="1" dirty="0">
+              <a:rPr lang="fr-FR" sz="2400" b="1" dirty="0">
                 <a:effectLst/>
                 <a:latin typeface="Arial" panose="020B0604020202020204" pitchFamily="34" charset="0"/>
                 <a:ea typeface="Times New Roman" panose="02020603050405020304" pitchFamily="18" charset="0"/>
@@ -13590,7 +14364,7 @@
               <a:buChar char=""/>
             </a:pPr>
             <a:r>
-              <a:rPr lang="fr-FR" sz="2000" b="1" dirty="0">
+              <a:rPr lang="fr-FR" sz="2400" b="1" dirty="0">
                 <a:effectLst/>
                 <a:latin typeface="Arial" panose="020B0604020202020204" pitchFamily="34" charset="0"/>
                 <a:ea typeface="Times New Roman" panose="02020603050405020304" pitchFamily="18" charset="0"/>
@@ -13599,7 +14373,7 @@
               <a:t>La bibliothèque Javascript </a:t>
             </a:r>
             <a:r>
-              <a:rPr lang="fr-FR" sz="2000" b="1" dirty="0" err="1">
+              <a:rPr lang="fr-FR" sz="2400" b="1" dirty="0" err="1">
                 <a:effectLst/>
                 <a:latin typeface="Arial" panose="020B0604020202020204" pitchFamily="34" charset="0"/>
                 <a:ea typeface="Times New Roman" panose="02020603050405020304" pitchFamily="18" charset="0"/>
@@ -13608,7 +14382,7 @@
               <a:t>EthersJS</a:t>
             </a:r>
             <a:r>
-              <a:rPr lang="fr-FR" sz="2000" b="1" dirty="0">
+              <a:rPr lang="fr-FR" sz="2400" b="1" dirty="0">
                 <a:effectLst/>
                 <a:latin typeface="Arial" panose="020B0604020202020204" pitchFamily="34" charset="0"/>
                 <a:ea typeface="Times New Roman" panose="02020603050405020304" pitchFamily="18" charset="0"/>
@@ -13756,7 +14530,7 @@
         </p:blipFill>
         <p:spPr bwMode="auto">
           <a:xfrm>
-            <a:off x="6100471" y="5017132"/>
+            <a:off x="5700713" y="5465332"/>
             <a:ext cx="1618830" cy="1119294"/>
           </a:xfrm>
           <a:prstGeom prst="rect">
@@ -13843,7 +14617,7 @@
         </p:blipFill>
         <p:spPr>
           <a:xfrm>
-            <a:off x="8769830" y="4954439"/>
+            <a:off x="8956417" y="5311397"/>
             <a:ext cx="2370025" cy="922100"/>
           </a:xfrm>
           <a:prstGeom prst="rect">
@@ -13911,7 +14685,7 @@
 </p:sld>
 </file>
 
-<file path=ppt/slides/slide13.xml><?xml version="1.0" encoding="utf-8"?>
+<file path=ppt/slides/slide14.xml><?xml version="1.0" encoding="utf-8"?>
 <p:sld xmlns:a="http://schemas.openxmlformats.org/drawingml/2006/main" xmlns:r="http://schemas.openxmlformats.org/officeDocument/2006/relationships" xmlns:p="http://schemas.openxmlformats.org/presentationml/2006/main">
   <p:cSld>
     <p:spTree>
@@ -14192,8 +14966,8 @@
         </p:nvSpPr>
         <p:spPr>
           <a:xfrm>
-            <a:off x="1373887" y="5852349"/>
-            <a:ext cx="3171826" cy="495300"/>
+            <a:off x="433110" y="6089741"/>
+            <a:ext cx="4367490" cy="495300"/>
           </a:xfrm>
           <a:prstGeom prst="rect">
             <a:avLst/>
@@ -14376,27 +15150,50 @@
                 <a:latin typeface="Arial" panose="020B0604020202020204" pitchFamily="34" charset="0"/>
                 <a:cs typeface="Arial" panose="020B0604020202020204" pitchFamily="34" charset="0"/>
               </a:rPr>
-              <a:t>Fonctions utilisées du Contrat : </a:t>
-            </a:r>
-            <a:r>
-              <a:rPr lang="fr-FR" sz="1400" b="1" dirty="0" err="1">
-                <a:latin typeface="Arial" panose="020B0604020202020204" pitchFamily="34" charset="0"/>
-                <a:ea typeface="Times New Roman" panose="02020603050405020304" pitchFamily="18" charset="0"/>
-                <a:cs typeface="Arial" panose="020B0604020202020204" pitchFamily="34" charset="0"/>
-              </a:rPr>
-              <a:t>mint</a:t>
-            </a:r>
-            <a:endParaRPr lang="fr-FR" sz="1400" dirty="0">
-              <a:latin typeface="Arial" panose="020B0604020202020204" pitchFamily="34" charset="0"/>
-              <a:ea typeface="Times New Roman" panose="02020603050405020304" pitchFamily="18" charset="0"/>
-              <a:cs typeface="Arial" panose="020B0604020202020204" pitchFamily="34" charset="0"/>
-            </a:endParaRPr>
-          </a:p>
-          <a:p>
+              <a:t>Page d’accueil accessible en mode non connecté</a:t>
+            </a:r>
             <a:endParaRPr lang="fr-FR" sz="1400" dirty="0"/>
           </a:p>
         </p:txBody>
       </p:sp>
+      <p:pic>
+        <p:nvPicPr>
+          <p:cNvPr id="11" name="Image 10">
+            <a:extLst>
+              <a:ext uri="{FF2B5EF4-FFF2-40B4-BE49-F238E27FC236}">
+                <a16:creationId xmlns:a16="http://schemas.microsoft.com/office/drawing/2014/main" id="{5CD52A2C-E6CF-4EB5-4E04-8AD884BB5C61}"/>
+              </a:ext>
+            </a:extLst>
+          </p:cNvPr>
+          <p:cNvPicPr>
+            <a:picLocks noChangeAspect="1"/>
+          </p:cNvPicPr>
+          <p:nvPr/>
+        </p:nvPicPr>
+        <p:blipFill>
+          <a:blip r:embed="rId3"/>
+          <a:stretch>
+            <a:fillRect/>
+          </a:stretch>
+        </p:blipFill>
+        <p:spPr>
+          <a:xfrm>
+            <a:off x="1496931" y="1264732"/>
+            <a:ext cx="9198137" cy="4328535"/>
+          </a:xfrm>
+          <a:prstGeom prst="rect">
+            <a:avLst/>
+          </a:prstGeom>
+          <a:effectLst>
+            <a:glow rad="127000">
+              <a:schemeClr val="accent1">
+                <a:lumMod val="40000"/>
+                <a:lumOff val="60000"/>
+              </a:schemeClr>
+            </a:glow>
+          </a:effectLst>
+        </p:spPr>
+      </p:pic>
     </p:spTree>
     <p:extLst>
       <p:ext uri="{BB962C8B-B14F-4D97-AF65-F5344CB8AC3E}">
@@ -14410,7 +15207,7 @@
 </p:sld>
 </file>
 
-<file path=ppt/slides/slide14.xml><?xml version="1.0" encoding="utf-8"?>
+<file path=ppt/slides/slide15.xml><?xml version="1.0" encoding="utf-8"?>
 <p:sld xmlns:a="http://schemas.openxmlformats.org/drawingml/2006/main" xmlns:r="http://schemas.openxmlformats.org/officeDocument/2006/relationships" xmlns:p="http://schemas.openxmlformats.org/presentationml/2006/main">
   <p:cSld>
     <p:spTree>
@@ -14898,10 +15695,10 @@
       </p:sp>
       <p:pic>
         <p:nvPicPr>
-          <p:cNvPr id="11" name="Image 10">
+          <p:cNvPr id="4" name="Image 3">
             <a:extLst>
               <a:ext uri="{FF2B5EF4-FFF2-40B4-BE49-F238E27FC236}">
-                <a16:creationId xmlns:a16="http://schemas.microsoft.com/office/drawing/2014/main" id="{43D3005B-8F26-A988-42DB-1BC65C4EE6EA}"/>
+                <a16:creationId xmlns:a16="http://schemas.microsoft.com/office/drawing/2014/main" id="{A4B19C75-3CF5-BC50-3414-4AC43515A274}"/>
               </a:ext>
             </a:extLst>
           </p:cNvPr>
@@ -14918,8 +15715,8 @@
         </p:blipFill>
         <p:spPr>
           <a:xfrm>
-            <a:off x="1373887" y="1253301"/>
-            <a:ext cx="9121930" cy="4351397"/>
+            <a:off x="911463" y="1371600"/>
+            <a:ext cx="10369074" cy="4114800"/>
           </a:xfrm>
           <a:prstGeom prst="rect">
             <a:avLst/>
@@ -14947,7 +15744,7 @@
 </p:sld>
 </file>
 
-<file path=ppt/slides/slide15.xml><?xml version="1.0" encoding="utf-8"?>
+<file path=ppt/slides/slide16.xml><?xml version="1.0" encoding="utf-8"?>
 <p:sld xmlns:a="http://schemas.openxmlformats.org/drawingml/2006/main" xmlns:r="http://schemas.openxmlformats.org/officeDocument/2006/relationships" xmlns:p="http://schemas.openxmlformats.org/presentationml/2006/main">
   <p:cSld>
     <p:spTree>
@@ -15764,7 +16561,7 @@
         </p:blipFill>
         <p:spPr>
           <a:xfrm>
-            <a:off x="1561707" y="1105432"/>
+            <a:off x="1561707" y="1058983"/>
             <a:ext cx="9068586" cy="4968671"/>
           </a:xfrm>
           <a:prstGeom prst="rect">
@@ -15793,7 +16590,7 @@
 </p:sld>
 </file>
 
-<file path=ppt/slides/slide16.xml><?xml version="1.0" encoding="utf-8"?>
+<file path=ppt/slides/slide17.xml><?xml version="1.0" encoding="utf-8"?>
 <p:sld xmlns:a="http://schemas.openxmlformats.org/drawingml/2006/main" xmlns:r="http://schemas.openxmlformats.org/officeDocument/2006/relationships" xmlns:p="http://schemas.openxmlformats.org/presentationml/2006/main">
   <p:cSld>
     <p:spTree>
@@ -16074,8 +16871,8 @@
         </p:nvSpPr>
         <p:spPr>
           <a:xfrm>
-            <a:off x="1442671" y="5851891"/>
-            <a:ext cx="9177704" cy="828675"/>
+            <a:off x="1442671" y="5902131"/>
+            <a:ext cx="9419598" cy="828675"/>
           </a:xfrm>
           <a:prstGeom prst="rect">
             <a:avLst/>
@@ -16395,10 +17192,10 @@
       </p:sp>
       <p:pic>
         <p:nvPicPr>
-          <p:cNvPr id="4" name="Image 3">
+          <p:cNvPr id="10" name="Image 9">
             <a:extLst>
               <a:ext uri="{FF2B5EF4-FFF2-40B4-BE49-F238E27FC236}">
-                <a16:creationId xmlns:a16="http://schemas.microsoft.com/office/drawing/2014/main" id="{2346C7BF-146F-6405-DBDD-A16796BEAB3A}"/>
+                <a16:creationId xmlns:a16="http://schemas.microsoft.com/office/drawing/2014/main" id="{5DAFDE3D-BAE9-9403-8760-242307E8E419}"/>
               </a:ext>
             </a:extLst>
           </p:cNvPr>
@@ -16415,8 +17212,8 @@
         </p:blipFill>
         <p:spPr>
           <a:xfrm>
-            <a:off x="1498445" y="1140116"/>
-            <a:ext cx="9121930" cy="4473328"/>
+            <a:off x="1500742" y="1039923"/>
+            <a:ext cx="9190516" cy="4778154"/>
           </a:xfrm>
           <a:prstGeom prst="rect">
             <a:avLst/>
@@ -16444,7 +17241,7 @@
 </p:sld>
 </file>
 
-<file path=ppt/slides/slide17.xml><?xml version="1.0" encoding="utf-8"?>
+<file path=ppt/slides/slide18.xml><?xml version="1.0" encoding="utf-8"?>
 <p:sld xmlns:a="http://schemas.openxmlformats.org/drawingml/2006/main" xmlns:r="http://schemas.openxmlformats.org/officeDocument/2006/relationships" xmlns:p="http://schemas.openxmlformats.org/presentationml/2006/main">
   <p:cSld>
     <p:spTree>
@@ -17281,549 +18078,6 @@
     <p:extLst>
       <p:ext uri="{BB962C8B-B14F-4D97-AF65-F5344CB8AC3E}">
         <p14:creationId xmlns:p14="http://schemas.microsoft.com/office/powerpoint/2010/main" val="4044117548"/>
-      </p:ext>
-    </p:extLst>
-  </p:cSld>
-  <p:clrMapOvr>
-    <a:masterClrMapping/>
-  </p:clrMapOvr>
-</p:sld>
-</file>
-
-<file path=ppt/slides/slide18.xml><?xml version="1.0" encoding="utf-8"?>
-<p:sld xmlns:a="http://schemas.openxmlformats.org/drawingml/2006/main" xmlns:r="http://schemas.openxmlformats.org/officeDocument/2006/relationships" xmlns:p="http://schemas.openxmlformats.org/presentationml/2006/main">
-  <p:cSld>
-    <p:spTree>
-      <p:nvGrpSpPr>
-        <p:cNvPr id="1" name=""/>
-        <p:cNvGrpSpPr/>
-        <p:nvPr/>
-      </p:nvGrpSpPr>
-      <p:grpSpPr>
-        <a:xfrm>
-          <a:off x="0" y="0"/>
-          <a:ext cx="0" cy="0"/>
-          <a:chOff x="0" y="0"/>
-          <a:chExt cx="0" cy="0"/>
-        </a:xfrm>
-      </p:grpSpPr>
-      <p:grpSp>
-        <p:nvGrpSpPr>
-          <p:cNvPr id="5" name="Groupe 4">
-            <a:extLst>
-              <a:ext uri="{FF2B5EF4-FFF2-40B4-BE49-F238E27FC236}">
-                <a16:creationId xmlns:a16="http://schemas.microsoft.com/office/drawing/2014/main" id="{683EB327-9545-2F3C-52EB-91B2E5B1E7E1}"/>
-              </a:ext>
-            </a:extLst>
-          </p:cNvPr>
-          <p:cNvGrpSpPr/>
-          <p:nvPr/>
-        </p:nvGrpSpPr>
-        <p:grpSpPr>
-          <a:xfrm>
-            <a:off x="987245" y="177434"/>
-            <a:ext cx="6278555" cy="774274"/>
-            <a:chOff x="567691" y="386935"/>
-            <a:chExt cx="6278555" cy="774274"/>
-          </a:xfrm>
-        </p:grpSpPr>
-        <p:sp>
-          <p:nvSpPr>
-            <p:cNvPr id="6" name="Rectangle 5">
-              <a:extLst>
-                <a:ext uri="{FF2B5EF4-FFF2-40B4-BE49-F238E27FC236}">
-                  <a16:creationId xmlns:a16="http://schemas.microsoft.com/office/drawing/2014/main" id="{12C5A2F4-1A68-3EFC-7E6E-C845D6D66EB1}"/>
-                </a:ext>
-              </a:extLst>
-            </p:cNvPr>
-            <p:cNvSpPr/>
-            <p:nvPr/>
-          </p:nvSpPr>
-          <p:spPr>
-            <a:xfrm>
-              <a:off x="567691" y="386935"/>
-              <a:ext cx="6278555" cy="774274"/>
-            </a:xfrm>
-            <a:prstGeom prst="rect">
-              <a:avLst/>
-            </a:prstGeom>
-          </p:spPr>
-          <p:style>
-            <a:lnRef idx="2">
-              <a:schemeClr val="lt1">
-                <a:hueOff val="0"/>
-                <a:satOff val="0"/>
-                <a:lumOff val="0"/>
-                <a:alphaOff val="0"/>
-              </a:schemeClr>
-            </a:lnRef>
-            <a:fillRef idx="1">
-              <a:schemeClr val="accent1">
-                <a:hueOff val="0"/>
-                <a:satOff val="0"/>
-                <a:lumOff val="0"/>
-                <a:alphaOff val="0"/>
-              </a:schemeClr>
-            </a:fillRef>
-            <a:effectRef idx="0">
-              <a:schemeClr val="accent1">
-                <a:hueOff val="0"/>
-                <a:satOff val="0"/>
-                <a:lumOff val="0"/>
-                <a:alphaOff val="0"/>
-              </a:schemeClr>
-            </a:effectRef>
-            <a:fontRef idx="minor">
-              <a:schemeClr val="lt1"/>
-            </a:fontRef>
-          </p:style>
-        </p:sp>
-        <p:sp>
-          <p:nvSpPr>
-            <p:cNvPr id="7" name="ZoneTexte 6">
-              <a:extLst>
-                <a:ext uri="{FF2B5EF4-FFF2-40B4-BE49-F238E27FC236}">
-                  <a16:creationId xmlns:a16="http://schemas.microsoft.com/office/drawing/2014/main" id="{FF9E783A-14FF-F7EB-9CC5-4E4DE71E1DA3}"/>
-                </a:ext>
-              </a:extLst>
-            </p:cNvPr>
-            <p:cNvSpPr txBox="1"/>
-            <p:nvPr/>
-          </p:nvSpPr>
-          <p:spPr>
-            <a:xfrm>
-              <a:off x="567691" y="386935"/>
-              <a:ext cx="6278555" cy="774274"/>
-            </a:xfrm>
-            <a:prstGeom prst="rect">
-              <a:avLst/>
-            </a:prstGeom>
-          </p:spPr>
-          <p:style>
-            <a:lnRef idx="0">
-              <a:scrgbClr r="0" g="0" b="0"/>
-            </a:lnRef>
-            <a:fillRef idx="0">
-              <a:scrgbClr r="0" g="0" b="0"/>
-            </a:fillRef>
-            <a:effectRef idx="0">
-              <a:scrgbClr r="0" g="0" b="0"/>
-            </a:effectRef>
-            <a:fontRef idx="minor">
-              <a:schemeClr val="lt1"/>
-            </a:fontRef>
-          </p:style>
-          <p:txBody>
-            <a:bodyPr spcFirstLastPara="0" vert="horz" wrap="square" lIns="614580" tIns="71120" rIns="71120" bIns="71120" numCol="1" spcCol="1270" anchor="ctr" anchorCtr="0">
-              <a:noAutofit/>
-            </a:bodyPr>
-            <a:lstStyle/>
-            <a:p>
-              <a:pPr defTabSz="1244600">
-                <a:lnSpc>
-                  <a:spcPct val="90000"/>
-                </a:lnSpc>
-                <a:spcBef>
-                  <a:spcPct val="0"/>
-                </a:spcBef>
-                <a:spcAft>
-                  <a:spcPct val="35000"/>
-                </a:spcAft>
-              </a:pPr>
-              <a:r>
-                <a:rPr lang="fr-FR" sz="2800" dirty="0"/>
-                <a:t>Evolutions et Conclusion</a:t>
-              </a:r>
-            </a:p>
-          </p:txBody>
-        </p:sp>
-      </p:grpSp>
-      <p:sp>
-        <p:nvSpPr>
-          <p:cNvPr id="8" name="Ellipse 7">
-            <a:extLst>
-              <a:ext uri="{FF2B5EF4-FFF2-40B4-BE49-F238E27FC236}">
-                <a16:creationId xmlns:a16="http://schemas.microsoft.com/office/drawing/2014/main" id="{A97470D7-CABE-9601-7738-29139EB550C9}"/>
-              </a:ext>
-            </a:extLst>
-          </p:cNvPr>
-          <p:cNvSpPr/>
-          <p:nvPr/>
-        </p:nvSpPr>
-        <p:spPr>
-          <a:xfrm>
-            <a:off x="332880" y="80650"/>
-            <a:ext cx="967842" cy="967842"/>
-          </a:xfrm>
-          <a:prstGeom prst="ellipse">
-            <a:avLst/>
-          </a:prstGeom>
-        </p:spPr>
-        <p:style>
-          <a:lnRef idx="2">
-            <a:schemeClr val="accent1">
-              <a:hueOff val="0"/>
-              <a:satOff val="0"/>
-              <a:lumOff val="0"/>
-              <a:alphaOff val="0"/>
-            </a:schemeClr>
-          </a:lnRef>
-          <a:fillRef idx="1">
-            <a:schemeClr val="lt1">
-              <a:hueOff val="0"/>
-              <a:satOff val="0"/>
-              <a:lumOff val="0"/>
-              <a:alphaOff val="0"/>
-            </a:schemeClr>
-          </a:fillRef>
-          <a:effectRef idx="0">
-            <a:schemeClr val="lt1">
-              <a:hueOff val="0"/>
-              <a:satOff val="0"/>
-              <a:lumOff val="0"/>
-              <a:alphaOff val="0"/>
-            </a:schemeClr>
-          </a:effectRef>
-          <a:fontRef idx="minor">
-            <a:schemeClr val="dk1">
-              <a:hueOff val="0"/>
-              <a:satOff val="0"/>
-              <a:lumOff val="0"/>
-              <a:alphaOff val="0"/>
-            </a:schemeClr>
-          </a:fontRef>
-        </p:style>
-      </p:sp>
-      <p:pic>
-        <p:nvPicPr>
-          <p:cNvPr id="9" name="Picture 2">
-            <a:extLst>
-              <a:ext uri="{FF2B5EF4-FFF2-40B4-BE49-F238E27FC236}">
-                <a16:creationId xmlns:a16="http://schemas.microsoft.com/office/drawing/2014/main" id="{5FC67445-7410-F5FF-B004-2550DF1F8B45}"/>
-              </a:ext>
-            </a:extLst>
-          </p:cNvPr>
-          <p:cNvPicPr>
-            <a:picLocks noChangeAspect="1" noChangeArrowheads="1"/>
-          </p:cNvPicPr>
-          <p:nvPr/>
-        </p:nvPicPr>
-        <p:blipFill>
-          <a:blip r:embed="rId2">
-            <a:extLst>
-              <a:ext uri="{28A0092B-C50C-407E-A947-70E740481C1C}">
-                <a14:useLocalDpi xmlns:a14="http://schemas.microsoft.com/office/drawing/2010/main" val="0"/>
-              </a:ext>
-            </a:extLst>
-          </a:blip>
-          <a:srcRect/>
-          <a:stretch>
-            <a:fillRect/>
-          </a:stretch>
-        </p:blipFill>
-        <p:spPr bwMode="auto">
-          <a:xfrm>
-            <a:off x="11139855" y="138384"/>
-            <a:ext cx="927136" cy="1050756"/>
-          </a:xfrm>
-          <a:prstGeom prst="rect">
-            <a:avLst/>
-          </a:prstGeom>
-          <a:noFill/>
-          <a:ln>
-            <a:noFill/>
-          </a:ln>
-          <a:extLst>
-            <a:ext uri="{909E8E84-426E-40DD-AFC4-6F175D3DCCD1}">
-              <a14:hiddenFill xmlns:a14="http://schemas.microsoft.com/office/drawing/2010/main">
-                <a:solidFill>
-                  <a:srgbClr val="FFFFFF"/>
-                </a:solidFill>
-              </a14:hiddenFill>
-            </a:ext>
-            <a:ext uri="{91240B29-F687-4F45-9708-019B960494DF}">
-              <a14:hiddenLine xmlns:a14="http://schemas.microsoft.com/office/drawing/2010/main" w="9525">
-                <a:solidFill>
-                  <a:srgbClr val="000000"/>
-                </a:solidFill>
-                <a:miter lim="800000"/>
-                <a:headEnd/>
-                <a:tailEnd/>
-              </a14:hiddenLine>
-            </a:ext>
-          </a:extLst>
-        </p:spPr>
-      </p:pic>
-      <p:sp>
-        <p:nvSpPr>
-          <p:cNvPr id="2" name="Sous-titre 2">
-            <a:extLst>
-              <a:ext uri="{FF2B5EF4-FFF2-40B4-BE49-F238E27FC236}">
-                <a16:creationId xmlns:a16="http://schemas.microsoft.com/office/drawing/2014/main" id="{C1F3EE86-C464-319E-F7F6-594F627B0EE3}"/>
-              </a:ext>
-            </a:extLst>
-          </p:cNvPr>
-          <p:cNvSpPr txBox="1">
-            <a:spLocks/>
-          </p:cNvSpPr>
-          <p:nvPr/>
-        </p:nvSpPr>
-        <p:spPr>
-          <a:xfrm>
-            <a:off x="1724025" y="1419225"/>
-            <a:ext cx="9001125" cy="4486275"/>
-          </a:xfrm>
-          <a:prstGeom prst="rect">
-            <a:avLst/>
-          </a:prstGeom>
-          <a:solidFill>
-            <a:schemeClr val="accent2">
-              <a:lumMod val="60000"/>
-              <a:lumOff val="40000"/>
-            </a:schemeClr>
-          </a:solidFill>
-        </p:spPr>
-        <p:txBody>
-          <a:bodyPr>
-            <a:normAutofit/>
-          </a:bodyPr>
-          <a:lstStyle>
-            <a:lvl1pPr marL="228600" indent="-228600" algn="l" defTabSz="914400" rtl="0" eaLnBrk="1" latinLnBrk="0" hangingPunct="1">
-              <a:lnSpc>
-                <a:spcPct val="90000"/>
-              </a:lnSpc>
-              <a:spcBef>
-                <a:spcPts val="1000"/>
-              </a:spcBef>
-              <a:buFont typeface="Arial" panose="020B0604020202020204" pitchFamily="34" charset="0"/>
-              <a:buChar char="•"/>
-              <a:defRPr sz="2800" kern="1200">
-                <a:solidFill>
-                  <a:schemeClr val="tx1"/>
-                </a:solidFill>
-                <a:latin typeface="+mn-lt"/>
-                <a:ea typeface="+mn-ea"/>
-                <a:cs typeface="+mn-cs"/>
-              </a:defRPr>
-            </a:lvl1pPr>
-            <a:lvl2pPr marL="685800" indent="-228600" algn="l" defTabSz="914400" rtl="0" eaLnBrk="1" latinLnBrk="0" hangingPunct="1">
-              <a:lnSpc>
-                <a:spcPct val="90000"/>
-              </a:lnSpc>
-              <a:spcBef>
-                <a:spcPts val="500"/>
-              </a:spcBef>
-              <a:buFont typeface="Arial" panose="020B0604020202020204" pitchFamily="34" charset="0"/>
-              <a:buChar char="•"/>
-              <a:defRPr sz="2400" kern="1200">
-                <a:solidFill>
-                  <a:schemeClr val="tx1"/>
-                </a:solidFill>
-                <a:latin typeface="+mn-lt"/>
-                <a:ea typeface="+mn-ea"/>
-                <a:cs typeface="+mn-cs"/>
-              </a:defRPr>
-            </a:lvl2pPr>
-            <a:lvl3pPr marL="1143000" indent="-228600" algn="l" defTabSz="914400" rtl="0" eaLnBrk="1" latinLnBrk="0" hangingPunct="1">
-              <a:lnSpc>
-                <a:spcPct val="90000"/>
-              </a:lnSpc>
-              <a:spcBef>
-                <a:spcPts val="500"/>
-              </a:spcBef>
-              <a:buFont typeface="Arial" panose="020B0604020202020204" pitchFamily="34" charset="0"/>
-              <a:buChar char="•"/>
-              <a:defRPr sz="2000" kern="1200">
-                <a:solidFill>
-                  <a:schemeClr val="tx1"/>
-                </a:solidFill>
-                <a:latin typeface="+mn-lt"/>
-                <a:ea typeface="+mn-ea"/>
-                <a:cs typeface="+mn-cs"/>
-              </a:defRPr>
-            </a:lvl3pPr>
-            <a:lvl4pPr marL="1600200" indent="-228600" algn="l" defTabSz="914400" rtl="0" eaLnBrk="1" latinLnBrk="0" hangingPunct="1">
-              <a:lnSpc>
-                <a:spcPct val="90000"/>
-              </a:lnSpc>
-              <a:spcBef>
-                <a:spcPts val="500"/>
-              </a:spcBef>
-              <a:buFont typeface="Arial" panose="020B0604020202020204" pitchFamily="34" charset="0"/>
-              <a:buChar char="•"/>
-              <a:defRPr sz="1800" kern="1200">
-                <a:solidFill>
-                  <a:schemeClr val="tx1"/>
-                </a:solidFill>
-                <a:latin typeface="+mn-lt"/>
-                <a:ea typeface="+mn-ea"/>
-                <a:cs typeface="+mn-cs"/>
-              </a:defRPr>
-            </a:lvl4pPr>
-            <a:lvl5pPr marL="2057400" indent="-228600" algn="l" defTabSz="914400" rtl="0" eaLnBrk="1" latinLnBrk="0" hangingPunct="1">
-              <a:lnSpc>
-                <a:spcPct val="90000"/>
-              </a:lnSpc>
-              <a:spcBef>
-                <a:spcPts val="500"/>
-              </a:spcBef>
-              <a:buFont typeface="Arial" panose="020B0604020202020204" pitchFamily="34" charset="0"/>
-              <a:buChar char="•"/>
-              <a:defRPr sz="1800" kern="1200">
-                <a:solidFill>
-                  <a:schemeClr val="tx1"/>
-                </a:solidFill>
-                <a:latin typeface="+mn-lt"/>
-                <a:ea typeface="+mn-ea"/>
-                <a:cs typeface="+mn-cs"/>
-              </a:defRPr>
-            </a:lvl5pPr>
-            <a:lvl6pPr marL="2514600" indent="-228600" algn="l" defTabSz="914400" rtl="0" eaLnBrk="1" latinLnBrk="0" hangingPunct="1">
-              <a:lnSpc>
-                <a:spcPct val="90000"/>
-              </a:lnSpc>
-              <a:spcBef>
-                <a:spcPts val="500"/>
-              </a:spcBef>
-              <a:buFont typeface="Arial" panose="020B0604020202020204" pitchFamily="34" charset="0"/>
-              <a:buChar char="•"/>
-              <a:defRPr sz="1800" kern="1200">
-                <a:solidFill>
-                  <a:schemeClr val="tx1"/>
-                </a:solidFill>
-                <a:latin typeface="+mn-lt"/>
-                <a:ea typeface="+mn-ea"/>
-                <a:cs typeface="+mn-cs"/>
-              </a:defRPr>
-            </a:lvl6pPr>
-            <a:lvl7pPr marL="2971800" indent="-228600" algn="l" defTabSz="914400" rtl="0" eaLnBrk="1" latinLnBrk="0" hangingPunct="1">
-              <a:lnSpc>
-                <a:spcPct val="90000"/>
-              </a:lnSpc>
-              <a:spcBef>
-                <a:spcPts val="500"/>
-              </a:spcBef>
-              <a:buFont typeface="Arial" panose="020B0604020202020204" pitchFamily="34" charset="0"/>
-              <a:buChar char="•"/>
-              <a:defRPr sz="1800" kern="1200">
-                <a:solidFill>
-                  <a:schemeClr val="tx1"/>
-                </a:solidFill>
-                <a:latin typeface="+mn-lt"/>
-                <a:ea typeface="+mn-ea"/>
-                <a:cs typeface="+mn-cs"/>
-              </a:defRPr>
-            </a:lvl7pPr>
-            <a:lvl8pPr marL="3429000" indent="-228600" algn="l" defTabSz="914400" rtl="0" eaLnBrk="1" latinLnBrk="0" hangingPunct="1">
-              <a:lnSpc>
-                <a:spcPct val="90000"/>
-              </a:lnSpc>
-              <a:spcBef>
-                <a:spcPts val="500"/>
-              </a:spcBef>
-              <a:buFont typeface="Arial" panose="020B0604020202020204" pitchFamily="34" charset="0"/>
-              <a:buChar char="•"/>
-              <a:defRPr sz="1800" kern="1200">
-                <a:solidFill>
-                  <a:schemeClr val="tx1"/>
-                </a:solidFill>
-                <a:latin typeface="+mn-lt"/>
-                <a:ea typeface="+mn-ea"/>
-                <a:cs typeface="+mn-cs"/>
-              </a:defRPr>
-            </a:lvl8pPr>
-            <a:lvl9pPr marL="3886200" indent="-228600" algn="l" defTabSz="914400" rtl="0" eaLnBrk="1" latinLnBrk="0" hangingPunct="1">
-              <a:lnSpc>
-                <a:spcPct val="90000"/>
-              </a:lnSpc>
-              <a:spcBef>
-                <a:spcPts val="500"/>
-              </a:spcBef>
-              <a:buFont typeface="Arial" panose="020B0604020202020204" pitchFamily="34" charset="0"/>
-              <a:buChar char="•"/>
-              <a:defRPr sz="1800" kern="1200">
-                <a:solidFill>
-                  <a:schemeClr val="tx1"/>
-                </a:solidFill>
-                <a:latin typeface="+mn-lt"/>
-                <a:ea typeface="+mn-ea"/>
-                <a:cs typeface="+mn-cs"/>
-              </a:defRPr>
-            </a:lvl9pPr>
-          </a:lstStyle>
-          <a:p>
-            <a:pPr marL="0" indent="0">
-              <a:buNone/>
-            </a:pPr>
-            <a:r>
-              <a:rPr lang="fr-FR" b="1" dirty="0">
-                <a:latin typeface="Arial" panose="020B0604020202020204" pitchFamily="34" charset="0"/>
-                <a:cs typeface="Arial" panose="020B0604020202020204" pitchFamily="34" charset="0"/>
-              </a:rPr>
-              <a:t>Evolutions :</a:t>
-            </a:r>
-            <a:br>
-              <a:rPr lang="fr-FR" b="1" dirty="0">
-                <a:latin typeface="Arial" panose="020B0604020202020204" pitchFamily="34" charset="0"/>
-                <a:cs typeface="Arial" panose="020B0604020202020204" pitchFamily="34" charset="0"/>
-              </a:rPr>
-            </a:br>
-            <a:endParaRPr lang="fr-FR" b="1" dirty="0">
-              <a:latin typeface="Arial" panose="020B0604020202020204" pitchFamily="34" charset="0"/>
-              <a:cs typeface="Arial" panose="020B0604020202020204" pitchFamily="34" charset="0"/>
-            </a:endParaRPr>
-          </a:p>
-          <a:p>
-            <a:r>
-              <a:rPr lang="fr-FR" b="1" dirty="0">
-                <a:latin typeface="Arial" panose="020B0604020202020204" pitchFamily="34" charset="0"/>
-                <a:cs typeface="Arial" panose="020B0604020202020204" pitchFamily="34" charset="0"/>
-              </a:rPr>
-              <a:t>Passage de 5 à 28 sports pour couvrir tous les sports du JO</a:t>
-            </a:r>
-          </a:p>
-          <a:p>
-            <a:r>
-              <a:rPr lang="fr-FR" b="1" dirty="0">
-                <a:latin typeface="Arial" panose="020B0604020202020204" pitchFamily="34" charset="0"/>
-                <a:cs typeface="Arial" panose="020B0604020202020204" pitchFamily="34" charset="0"/>
-              </a:rPr>
-              <a:t>IHM avec une meilleure expérience utilisateur</a:t>
-            </a:r>
-          </a:p>
-          <a:p>
-            <a:r>
-              <a:rPr lang="fr-FR" b="1" dirty="0">
-                <a:latin typeface="Arial" panose="020B0604020202020204" pitchFamily="34" charset="0"/>
-                <a:cs typeface="Arial" panose="020B0604020202020204" pitchFamily="34" charset="0"/>
-              </a:rPr>
-              <a:t>Jeu Fantasy</a:t>
-            </a:r>
-          </a:p>
-          <a:p>
-            <a:r>
-              <a:rPr lang="fr-FR" b="1" dirty="0">
-                <a:latin typeface="Arial" panose="020B0604020202020204" pitchFamily="34" charset="0"/>
-                <a:cs typeface="Arial" panose="020B0604020202020204" pitchFamily="34" charset="0"/>
-              </a:rPr>
-              <a:t>Classement des joueurs</a:t>
-            </a:r>
-          </a:p>
-          <a:p>
-            <a:r>
-              <a:rPr lang="fr-FR" b="1" dirty="0">
-                <a:latin typeface="Arial" panose="020B0604020202020204" pitchFamily="34" charset="0"/>
-                <a:cs typeface="Arial" panose="020B0604020202020204" pitchFamily="34" charset="0"/>
-              </a:rPr>
-              <a:t>Récompenses (places évènements sportifs …)</a:t>
-            </a:r>
-          </a:p>
-        </p:txBody>
-      </p:sp>
-    </p:spTree>
-    <p:extLst>
-      <p:ext uri="{BB962C8B-B14F-4D97-AF65-F5344CB8AC3E}">
-        <p14:creationId xmlns:p14="http://schemas.microsoft.com/office/powerpoint/2010/main" val="3422959698"/>
       </p:ext>
     </p:extLst>
   </p:cSld>
@@ -18113,22 +18367,22 @@
         </p:nvSpPr>
         <p:spPr>
           <a:xfrm>
-            <a:off x="1758463" y="1406769"/>
-            <a:ext cx="8832500" cy="4538925"/>
+            <a:off x="1724025" y="1419225"/>
+            <a:ext cx="9001125" cy="4486275"/>
           </a:xfrm>
           <a:prstGeom prst="rect">
             <a:avLst/>
           </a:prstGeom>
           <a:solidFill>
-            <a:schemeClr val="accent5">
-              <a:lumMod val="40000"/>
-              <a:lumOff val="60000"/>
+            <a:schemeClr val="accent2">
+              <a:lumMod val="60000"/>
+              <a:lumOff val="40000"/>
             </a:schemeClr>
           </a:solidFill>
         </p:spPr>
         <p:txBody>
           <a:bodyPr>
-            <a:noAutofit/>
+            <a:normAutofit/>
           </a:bodyPr>
           <a:lstStyle>
             <a:lvl1pPr marL="228600" indent="-228600" algn="l" defTabSz="914400" rtl="0" eaLnBrk="1" latinLnBrk="0" hangingPunct="1">
@@ -18303,7 +18557,7 @@
                 <a:latin typeface="Arial" panose="020B0604020202020204" pitchFamily="34" charset="0"/>
                 <a:cs typeface="Arial" panose="020B0604020202020204" pitchFamily="34" charset="0"/>
               </a:rPr>
-              <a:t>Conclusion :</a:t>
+              <a:t>Evolutions :</a:t>
             </a:r>
             <a:br>
               <a:rPr lang="fr-FR" b="1" dirty="0">
@@ -18322,7 +18576,7 @@
                 <a:latin typeface="Arial" panose="020B0604020202020204" pitchFamily="34" charset="0"/>
                 <a:cs typeface="Arial" panose="020B0604020202020204" pitchFamily="34" charset="0"/>
               </a:rPr>
-              <a:t>Rythme soutenu</a:t>
+              <a:t>Passage de 5 à 28 sports pour couvrir tous les sports du JO</a:t>
             </a:r>
           </a:p>
           <a:p>
@@ -18331,7 +18585,7 @@
                 <a:latin typeface="Arial" panose="020B0604020202020204" pitchFamily="34" charset="0"/>
                 <a:cs typeface="Arial" panose="020B0604020202020204" pitchFamily="34" charset="0"/>
               </a:rPr>
-              <a:t>Gros investissement personnel</a:t>
+              <a:t>IHM avec une meilleure expérience utilisateur</a:t>
             </a:r>
           </a:p>
           <a:p>
@@ -18340,7 +18594,7 @@
                 <a:latin typeface="Arial" panose="020B0604020202020204" pitchFamily="34" charset="0"/>
                 <a:cs typeface="Arial" panose="020B0604020202020204" pitchFamily="34" charset="0"/>
               </a:rPr>
-              <a:t>Formation en quasi autonomie</a:t>
+              <a:t>Jeu Fantasy</a:t>
             </a:r>
           </a:p>
           <a:p>
@@ -18349,44 +18603,16 @@
                 <a:latin typeface="Arial" panose="020B0604020202020204" pitchFamily="34" charset="0"/>
                 <a:cs typeface="Arial" panose="020B0604020202020204" pitchFamily="34" charset="0"/>
               </a:rPr>
-              <a:t>Petit groupe soudé</a:t>
+              <a:t>Classement des joueurs</a:t>
             </a:r>
           </a:p>
           <a:p>
-            <a:r>
-              <a:rPr lang="fr-FR" b="1" dirty="0" err="1">
-                <a:latin typeface="Arial" panose="020B0604020202020204" pitchFamily="34" charset="0"/>
-                <a:cs typeface="Arial" panose="020B0604020202020204" pitchFamily="34" charset="0"/>
-              </a:rPr>
-              <a:t>DApp</a:t>
-            </a:r>
             <a:r>
               <a:rPr lang="fr-FR" b="1" dirty="0">
                 <a:latin typeface="Arial" panose="020B0604020202020204" pitchFamily="34" charset="0"/>
                 <a:cs typeface="Arial" panose="020B0604020202020204" pitchFamily="34" charset="0"/>
               </a:rPr>
-              <a:t> fonctionnelle</a:t>
-            </a:r>
-          </a:p>
-          <a:p>
-            <a:pPr marL="0" indent="0">
-              <a:buNone/>
-            </a:pPr>
-            <a:endParaRPr lang="fr-FR" b="1" dirty="0">
-              <a:latin typeface="Arial" panose="020B0604020202020204" pitchFamily="34" charset="0"/>
-              <a:cs typeface="Arial" panose="020B0604020202020204" pitchFamily="34" charset="0"/>
-            </a:endParaRPr>
-          </a:p>
-          <a:p>
-            <a:pPr marL="0" indent="0">
-              <a:buNone/>
-            </a:pPr>
-            <a:r>
-              <a:rPr lang="fr-FR" b="1" dirty="0">
-                <a:latin typeface="Arial" panose="020B0604020202020204" pitchFamily="34" charset="0"/>
-                <a:cs typeface="Arial" panose="020B0604020202020204" pitchFamily="34" charset="0"/>
-              </a:rPr>
-              <a:t>							Merci !</a:t>
+              <a:t>Récompenses (places évènements sportifs …)</a:t>
             </a:r>
           </a:p>
         </p:txBody>
@@ -18394,7 +18620,7 @@
     </p:spTree>
     <p:extLst>
       <p:ext uri="{BB962C8B-B14F-4D97-AF65-F5344CB8AC3E}">
-        <p14:creationId xmlns:p14="http://schemas.microsoft.com/office/powerpoint/2010/main" val="3650440298"/>
+        <p14:creationId xmlns:p14="http://schemas.microsoft.com/office/powerpoint/2010/main" val="3422959698"/>
       </p:ext>
     </p:extLst>
   </p:cSld>
@@ -18902,16 +19128,22 @@
         </p:nvSpPr>
         <p:spPr>
           <a:xfrm>
-            <a:off x="1724025" y="1419225"/>
-            <a:ext cx="7973890" cy="2792290"/>
+            <a:off x="1758463" y="1406769"/>
+            <a:ext cx="8832500" cy="4538925"/>
           </a:xfrm>
           <a:prstGeom prst="rect">
             <a:avLst/>
           </a:prstGeom>
+          <a:solidFill>
+            <a:schemeClr val="accent5">
+              <a:lumMod val="40000"/>
+              <a:lumOff val="60000"/>
+            </a:schemeClr>
+          </a:solidFill>
         </p:spPr>
         <p:txBody>
           <a:bodyPr>
-            <a:normAutofit/>
+            <a:noAutofit/>
           </a:bodyPr>
           <a:lstStyle>
             <a:lvl1pPr marL="228600" indent="-228600" algn="l" defTabSz="914400" rtl="0" eaLnBrk="1" latinLnBrk="0" hangingPunct="1">
@@ -19078,33 +19310,98 @@
             </a:lvl9pPr>
           </a:lstStyle>
           <a:p>
-            <a:pPr marL="0" indent="0" algn="ctr">
+            <a:pPr marL="0" indent="0">
               <a:buNone/>
             </a:pPr>
-            <a:endParaRPr lang="fr-FR" sz="4000" dirty="0">
+            <a:r>
+              <a:rPr lang="fr-FR" b="1" dirty="0">
+                <a:latin typeface="Arial" panose="020B0604020202020204" pitchFamily="34" charset="0"/>
+                <a:cs typeface="Arial" panose="020B0604020202020204" pitchFamily="34" charset="0"/>
+              </a:rPr>
+              <a:t>Conclusion :</a:t>
+            </a:r>
+            <a:br>
+              <a:rPr lang="fr-FR" b="1" dirty="0">
+                <a:latin typeface="Arial" panose="020B0604020202020204" pitchFamily="34" charset="0"/>
+                <a:cs typeface="Arial" panose="020B0604020202020204" pitchFamily="34" charset="0"/>
+              </a:rPr>
+            </a:br>
+            <a:endParaRPr lang="fr-FR" b="1" dirty="0">
               <a:latin typeface="Arial" panose="020B0604020202020204" pitchFamily="34" charset="0"/>
               <a:cs typeface="Arial" panose="020B0604020202020204" pitchFamily="34" charset="0"/>
             </a:endParaRPr>
           </a:p>
           <a:p>
-            <a:pPr marL="0" indent="0" algn="ctr">
+            <a:r>
+              <a:rPr lang="fr-FR" b="1" dirty="0">
+                <a:latin typeface="Arial" panose="020B0604020202020204" pitchFamily="34" charset="0"/>
+                <a:cs typeface="Arial" panose="020B0604020202020204" pitchFamily="34" charset="0"/>
+              </a:rPr>
+              <a:t>Rythme soutenu</a:t>
+            </a:r>
+          </a:p>
+          <a:p>
+            <a:r>
+              <a:rPr lang="fr-FR" b="1" dirty="0">
+                <a:latin typeface="Arial" panose="020B0604020202020204" pitchFamily="34" charset="0"/>
+                <a:cs typeface="Arial" panose="020B0604020202020204" pitchFamily="34" charset="0"/>
+              </a:rPr>
+              <a:t>Gros investissement personnel</a:t>
+            </a:r>
+          </a:p>
+          <a:p>
+            <a:r>
+              <a:rPr lang="fr-FR" b="1" dirty="0">
+                <a:latin typeface="Arial" panose="020B0604020202020204" pitchFamily="34" charset="0"/>
+                <a:cs typeface="Arial" panose="020B0604020202020204" pitchFamily="34" charset="0"/>
+              </a:rPr>
+              <a:t>Formation en quasi autonomie</a:t>
+            </a:r>
+          </a:p>
+          <a:p>
+            <a:r>
+              <a:rPr lang="fr-FR" b="1" dirty="0">
+                <a:latin typeface="Arial" panose="020B0604020202020204" pitchFamily="34" charset="0"/>
+                <a:cs typeface="Arial" panose="020B0604020202020204" pitchFamily="34" charset="0"/>
+              </a:rPr>
+              <a:t>Petit groupe soudé</a:t>
+            </a:r>
+          </a:p>
+          <a:p>
+            <a:r>
+              <a:rPr lang="fr-FR" b="1" dirty="0" err="1">
+                <a:latin typeface="Arial" panose="020B0604020202020204" pitchFamily="34" charset="0"/>
+                <a:cs typeface="Arial" panose="020B0604020202020204" pitchFamily="34" charset="0"/>
+              </a:rPr>
+              <a:t>DApp</a:t>
+            </a:r>
+            <a:r>
+              <a:rPr lang="fr-FR" b="1" dirty="0">
+                <a:latin typeface="Arial" panose="020B0604020202020204" pitchFamily="34" charset="0"/>
+                <a:cs typeface="Arial" panose="020B0604020202020204" pitchFamily="34" charset="0"/>
+              </a:rPr>
+              <a:t> fonctionnelle</a:t>
+            </a:r>
+          </a:p>
+          <a:p>
+            <a:pPr marL="0" indent="0">
               <a:buNone/>
             </a:pPr>
-            <a:endParaRPr lang="fr-FR" sz="4000" dirty="0">
+            <a:endParaRPr lang="fr-FR" b="1" dirty="0">
               <a:latin typeface="Arial" panose="020B0604020202020204" pitchFamily="34" charset="0"/>
               <a:cs typeface="Arial" panose="020B0604020202020204" pitchFamily="34" charset="0"/>
             </a:endParaRPr>
           </a:p>
           <a:p>
-            <a:pPr marL="0" indent="0" algn="ctr">
+            <a:pPr marL="0" indent="0">
               <a:buNone/>
             </a:pPr>
             <a:r>
-              <a:rPr lang="fr-FR" sz="4000" dirty="0">
+              <a:rPr lang="fr-FR" b="1" dirty="0">
                 <a:latin typeface="Arial" panose="020B0604020202020204" pitchFamily="34" charset="0"/>
                 <a:cs typeface="Arial" panose="020B0604020202020204" pitchFamily="34" charset="0"/>
               </a:rPr>
-              <a:t>Fin de la présentation</a:t>
+              <a:t>							Merci !</a:t>
             </a:r>
           </a:p>
         </p:txBody>
@@ -19112,7 +19409,7 @@
     </p:spTree>
     <p:extLst>
       <p:ext uri="{BB962C8B-B14F-4D97-AF65-F5344CB8AC3E}">
-        <p14:creationId xmlns:p14="http://schemas.microsoft.com/office/powerpoint/2010/main" val="4144960906"/>
+        <p14:creationId xmlns:p14="http://schemas.microsoft.com/office/powerpoint/2010/main" val="3650440298"/>
       </p:ext>
     </p:extLst>
   </p:cSld>
@@ -19123,126 +19420,6 @@
 </file>
 
 <file path=ppt/slides/slide21.xml><?xml version="1.0" encoding="utf-8"?>
-<p:sld xmlns:a="http://schemas.openxmlformats.org/drawingml/2006/main" xmlns:r="http://schemas.openxmlformats.org/officeDocument/2006/relationships" xmlns:p="http://schemas.openxmlformats.org/presentationml/2006/main">
-  <p:cSld>
-    <p:spTree>
-      <p:nvGrpSpPr>
-        <p:cNvPr id="1" name=""/>
-        <p:cNvGrpSpPr/>
-        <p:nvPr/>
-      </p:nvGrpSpPr>
-      <p:grpSpPr>
-        <a:xfrm>
-          <a:off x="0" y="0"/>
-          <a:ext cx="0" cy="0"/>
-          <a:chOff x="0" y="0"/>
-          <a:chExt cx="0" cy="0"/>
-        </a:xfrm>
-      </p:grpSpPr>
-      <p:pic>
-        <p:nvPicPr>
-          <p:cNvPr id="3" name="Image 2">
-            <a:extLst>
-              <a:ext uri="{FF2B5EF4-FFF2-40B4-BE49-F238E27FC236}">
-                <a16:creationId xmlns:a16="http://schemas.microsoft.com/office/drawing/2014/main" id="{5CD1BB40-A145-7208-5920-C07239333B1B}"/>
-              </a:ext>
-            </a:extLst>
-          </p:cNvPr>
-          <p:cNvPicPr>
-            <a:picLocks noChangeAspect="1"/>
-          </p:cNvPicPr>
-          <p:nvPr/>
-        </p:nvPicPr>
-        <p:blipFill>
-          <a:blip r:embed="rId2"/>
-          <a:stretch>
-            <a:fillRect/>
-          </a:stretch>
-        </p:blipFill>
-        <p:spPr>
-          <a:xfrm>
-            <a:off x="643417" y="315960"/>
-            <a:ext cx="10905165" cy="6226080"/>
-          </a:xfrm>
-          <a:prstGeom prst="rect">
-            <a:avLst/>
-          </a:prstGeom>
-        </p:spPr>
-      </p:pic>
-    </p:spTree>
-    <p:extLst>
-      <p:ext uri="{BB962C8B-B14F-4D97-AF65-F5344CB8AC3E}">
-        <p14:creationId xmlns:p14="http://schemas.microsoft.com/office/powerpoint/2010/main" val="1961221499"/>
-      </p:ext>
-    </p:extLst>
-  </p:cSld>
-  <p:clrMapOvr>
-    <a:masterClrMapping/>
-  </p:clrMapOvr>
-</p:sld>
-</file>
-
-<file path=ppt/slides/slide22.xml><?xml version="1.0" encoding="utf-8"?>
-<p:sld xmlns:a="http://schemas.openxmlformats.org/drawingml/2006/main" xmlns:r="http://schemas.openxmlformats.org/officeDocument/2006/relationships" xmlns:p="http://schemas.openxmlformats.org/presentationml/2006/main">
-  <p:cSld>
-    <p:spTree>
-      <p:nvGrpSpPr>
-        <p:cNvPr id="1" name=""/>
-        <p:cNvGrpSpPr/>
-        <p:nvPr/>
-      </p:nvGrpSpPr>
-      <p:grpSpPr>
-        <a:xfrm>
-          <a:off x="0" y="0"/>
-          <a:ext cx="0" cy="0"/>
-          <a:chOff x="0" y="0"/>
-          <a:chExt cx="0" cy="0"/>
-        </a:xfrm>
-      </p:grpSpPr>
-      <p:pic>
-        <p:nvPicPr>
-          <p:cNvPr id="4" name="Image 3">
-            <a:extLst>
-              <a:ext uri="{FF2B5EF4-FFF2-40B4-BE49-F238E27FC236}">
-                <a16:creationId xmlns:a16="http://schemas.microsoft.com/office/drawing/2014/main" id="{9EB50390-1528-5459-540E-45DD842C4997}"/>
-              </a:ext>
-            </a:extLst>
-          </p:cNvPr>
-          <p:cNvPicPr>
-            <a:picLocks noChangeAspect="1"/>
-          </p:cNvPicPr>
-          <p:nvPr/>
-        </p:nvPicPr>
-        <p:blipFill>
-          <a:blip r:embed="rId2"/>
-          <a:stretch>
-            <a:fillRect/>
-          </a:stretch>
-        </p:blipFill>
-        <p:spPr>
-          <a:xfrm>
-            <a:off x="605314" y="335012"/>
-            <a:ext cx="10981372" cy="6187976"/>
-          </a:xfrm>
-          <a:prstGeom prst="rect">
-            <a:avLst/>
-          </a:prstGeom>
-        </p:spPr>
-      </p:pic>
-    </p:spTree>
-    <p:extLst>
-      <p:ext uri="{BB962C8B-B14F-4D97-AF65-F5344CB8AC3E}">
-        <p14:creationId xmlns:p14="http://schemas.microsoft.com/office/powerpoint/2010/main" val="4064197565"/>
-      </p:ext>
-    </p:extLst>
-  </p:cSld>
-  <p:clrMapOvr>
-    <a:masterClrMapping/>
-  </p:clrMapOvr>
-</p:sld>
-</file>
-
-<file path=ppt/slides/slide23.xml><?xml version="1.0" encoding="utf-8"?>
 <p:sld xmlns:a="http://schemas.openxmlformats.org/drawingml/2006/main" xmlns:r="http://schemas.openxmlformats.org/officeDocument/2006/relationships" xmlns:p="http://schemas.openxmlformats.org/presentationml/2006/main">
   <p:cSld>
     <p:spTree>
@@ -19384,7 +19561,7 @@
               </a:pPr>
               <a:r>
                 <a:rPr lang="fr-FR" sz="2800" dirty="0"/>
-                <a:t>Bonus</a:t>
+                <a:t>Evolutions et Conclusion</a:t>
               </a:r>
             </a:p>
           </p:txBody>
@@ -19511,1458 +19688,6 @@
           <p:cNvPr id="2" name="Sous-titre 2">
             <a:extLst>
               <a:ext uri="{FF2B5EF4-FFF2-40B4-BE49-F238E27FC236}">
-                <a16:creationId xmlns:a16="http://schemas.microsoft.com/office/drawing/2014/main" id="{FD6DE8F5-1E0D-4EAE-FE46-485C91A5AD22}"/>
-              </a:ext>
-            </a:extLst>
-          </p:cNvPr>
-          <p:cNvSpPr txBox="1">
-            <a:spLocks/>
-          </p:cNvSpPr>
-          <p:nvPr/>
-        </p:nvSpPr>
-        <p:spPr>
-          <a:xfrm>
-            <a:off x="582804" y="1419225"/>
-            <a:ext cx="10791929" cy="4486275"/>
-          </a:xfrm>
-          <a:prstGeom prst="rect">
-            <a:avLst/>
-          </a:prstGeom>
-        </p:spPr>
-        <p:txBody>
-          <a:bodyPr>
-            <a:normAutofit fontScale="92500" lnSpcReduction="10000"/>
-          </a:bodyPr>
-          <a:lstStyle>
-            <a:lvl1pPr marL="228600" indent="-228600" algn="l" defTabSz="914400" rtl="0" eaLnBrk="1" latinLnBrk="0" hangingPunct="1">
-              <a:lnSpc>
-                <a:spcPct val="90000"/>
-              </a:lnSpc>
-              <a:spcBef>
-                <a:spcPts val="1000"/>
-              </a:spcBef>
-              <a:buFont typeface="Arial" panose="020B0604020202020204" pitchFamily="34" charset="0"/>
-              <a:buChar char="•"/>
-              <a:defRPr sz="2800" kern="1200">
-                <a:solidFill>
-                  <a:schemeClr val="tx1"/>
-                </a:solidFill>
-                <a:latin typeface="+mn-lt"/>
-                <a:ea typeface="+mn-ea"/>
-                <a:cs typeface="+mn-cs"/>
-              </a:defRPr>
-            </a:lvl1pPr>
-            <a:lvl2pPr marL="685800" indent="-228600" algn="l" defTabSz="914400" rtl="0" eaLnBrk="1" latinLnBrk="0" hangingPunct="1">
-              <a:lnSpc>
-                <a:spcPct val="90000"/>
-              </a:lnSpc>
-              <a:spcBef>
-                <a:spcPts val="500"/>
-              </a:spcBef>
-              <a:buFont typeface="Arial" panose="020B0604020202020204" pitchFamily="34" charset="0"/>
-              <a:buChar char="•"/>
-              <a:defRPr sz="2400" kern="1200">
-                <a:solidFill>
-                  <a:schemeClr val="tx1"/>
-                </a:solidFill>
-                <a:latin typeface="+mn-lt"/>
-                <a:ea typeface="+mn-ea"/>
-                <a:cs typeface="+mn-cs"/>
-              </a:defRPr>
-            </a:lvl2pPr>
-            <a:lvl3pPr marL="1143000" indent="-228600" algn="l" defTabSz="914400" rtl="0" eaLnBrk="1" latinLnBrk="0" hangingPunct="1">
-              <a:lnSpc>
-                <a:spcPct val="90000"/>
-              </a:lnSpc>
-              <a:spcBef>
-                <a:spcPts val="500"/>
-              </a:spcBef>
-              <a:buFont typeface="Arial" panose="020B0604020202020204" pitchFamily="34" charset="0"/>
-              <a:buChar char="•"/>
-              <a:defRPr sz="2000" kern="1200">
-                <a:solidFill>
-                  <a:schemeClr val="tx1"/>
-                </a:solidFill>
-                <a:latin typeface="+mn-lt"/>
-                <a:ea typeface="+mn-ea"/>
-                <a:cs typeface="+mn-cs"/>
-              </a:defRPr>
-            </a:lvl3pPr>
-            <a:lvl4pPr marL="1600200" indent="-228600" algn="l" defTabSz="914400" rtl="0" eaLnBrk="1" latinLnBrk="0" hangingPunct="1">
-              <a:lnSpc>
-                <a:spcPct val="90000"/>
-              </a:lnSpc>
-              <a:spcBef>
-                <a:spcPts val="500"/>
-              </a:spcBef>
-              <a:buFont typeface="Arial" panose="020B0604020202020204" pitchFamily="34" charset="0"/>
-              <a:buChar char="•"/>
-              <a:defRPr sz="1800" kern="1200">
-                <a:solidFill>
-                  <a:schemeClr val="tx1"/>
-                </a:solidFill>
-                <a:latin typeface="+mn-lt"/>
-                <a:ea typeface="+mn-ea"/>
-                <a:cs typeface="+mn-cs"/>
-              </a:defRPr>
-            </a:lvl4pPr>
-            <a:lvl5pPr marL="2057400" indent="-228600" algn="l" defTabSz="914400" rtl="0" eaLnBrk="1" latinLnBrk="0" hangingPunct="1">
-              <a:lnSpc>
-                <a:spcPct val="90000"/>
-              </a:lnSpc>
-              <a:spcBef>
-                <a:spcPts val="500"/>
-              </a:spcBef>
-              <a:buFont typeface="Arial" panose="020B0604020202020204" pitchFamily="34" charset="0"/>
-              <a:buChar char="•"/>
-              <a:defRPr sz="1800" kern="1200">
-                <a:solidFill>
-                  <a:schemeClr val="tx1"/>
-                </a:solidFill>
-                <a:latin typeface="+mn-lt"/>
-                <a:ea typeface="+mn-ea"/>
-                <a:cs typeface="+mn-cs"/>
-              </a:defRPr>
-            </a:lvl5pPr>
-            <a:lvl6pPr marL="2514600" indent="-228600" algn="l" defTabSz="914400" rtl="0" eaLnBrk="1" latinLnBrk="0" hangingPunct="1">
-              <a:lnSpc>
-                <a:spcPct val="90000"/>
-              </a:lnSpc>
-              <a:spcBef>
-                <a:spcPts val="500"/>
-              </a:spcBef>
-              <a:buFont typeface="Arial" panose="020B0604020202020204" pitchFamily="34" charset="0"/>
-              <a:buChar char="•"/>
-              <a:defRPr sz="1800" kern="1200">
-                <a:solidFill>
-                  <a:schemeClr val="tx1"/>
-                </a:solidFill>
-                <a:latin typeface="+mn-lt"/>
-                <a:ea typeface="+mn-ea"/>
-                <a:cs typeface="+mn-cs"/>
-              </a:defRPr>
-            </a:lvl6pPr>
-            <a:lvl7pPr marL="2971800" indent="-228600" algn="l" defTabSz="914400" rtl="0" eaLnBrk="1" latinLnBrk="0" hangingPunct="1">
-              <a:lnSpc>
-                <a:spcPct val="90000"/>
-              </a:lnSpc>
-              <a:spcBef>
-                <a:spcPts val="500"/>
-              </a:spcBef>
-              <a:buFont typeface="Arial" panose="020B0604020202020204" pitchFamily="34" charset="0"/>
-              <a:buChar char="•"/>
-              <a:defRPr sz="1800" kern="1200">
-                <a:solidFill>
-                  <a:schemeClr val="tx1"/>
-                </a:solidFill>
-                <a:latin typeface="+mn-lt"/>
-                <a:ea typeface="+mn-ea"/>
-                <a:cs typeface="+mn-cs"/>
-              </a:defRPr>
-            </a:lvl7pPr>
-            <a:lvl8pPr marL="3429000" indent="-228600" algn="l" defTabSz="914400" rtl="0" eaLnBrk="1" latinLnBrk="0" hangingPunct="1">
-              <a:lnSpc>
-                <a:spcPct val="90000"/>
-              </a:lnSpc>
-              <a:spcBef>
-                <a:spcPts val="500"/>
-              </a:spcBef>
-              <a:buFont typeface="Arial" panose="020B0604020202020204" pitchFamily="34" charset="0"/>
-              <a:buChar char="•"/>
-              <a:defRPr sz="1800" kern="1200">
-                <a:solidFill>
-                  <a:schemeClr val="tx1"/>
-                </a:solidFill>
-                <a:latin typeface="+mn-lt"/>
-                <a:ea typeface="+mn-ea"/>
-                <a:cs typeface="+mn-cs"/>
-              </a:defRPr>
-            </a:lvl8pPr>
-            <a:lvl9pPr marL="3886200" indent="-228600" algn="l" defTabSz="914400" rtl="0" eaLnBrk="1" latinLnBrk="0" hangingPunct="1">
-              <a:lnSpc>
-                <a:spcPct val="90000"/>
-              </a:lnSpc>
-              <a:spcBef>
-                <a:spcPts val="500"/>
-              </a:spcBef>
-              <a:buFont typeface="Arial" panose="020B0604020202020204" pitchFamily="34" charset="0"/>
-              <a:buChar char="•"/>
-              <a:defRPr sz="1800" kern="1200">
-                <a:solidFill>
-                  <a:schemeClr val="tx1"/>
-                </a:solidFill>
-                <a:latin typeface="+mn-lt"/>
-                <a:ea typeface="+mn-ea"/>
-                <a:cs typeface="+mn-cs"/>
-              </a:defRPr>
-            </a:lvl9pPr>
-          </a:lstStyle>
-          <a:p>
-            <a:pPr marL="0" indent="0">
-              <a:buNone/>
-            </a:pPr>
-            <a:r>
-              <a:rPr lang="fr-FR" sz="2000" dirty="0">
-                <a:latin typeface="Arial" panose="020B0604020202020204" pitchFamily="34" charset="0"/>
-                <a:cs typeface="Arial" panose="020B0604020202020204" pitchFamily="34" charset="0"/>
-              </a:rPr>
-              <a:t>Calcul des Gaz (unité qui mesure la quantité d’efforts de </a:t>
-            </a:r>
-            <a:r>
-              <a:rPr lang="fr-FR" sz="2000" dirty="0" err="1">
-                <a:latin typeface="Arial" panose="020B0604020202020204" pitchFamily="34" charset="0"/>
-                <a:cs typeface="Arial" panose="020B0604020202020204" pitchFamily="34" charset="0"/>
-              </a:rPr>
-              <a:t>calcauls</a:t>
-            </a:r>
-            <a:r>
-              <a:rPr lang="fr-FR" sz="2000" dirty="0">
-                <a:latin typeface="Arial" panose="020B0604020202020204" pitchFamily="34" charset="0"/>
-                <a:cs typeface="Arial" panose="020B0604020202020204" pitchFamily="34" charset="0"/>
-              </a:rPr>
-              <a:t> pour exécuter des opérations sur la blockchain</a:t>
-            </a:r>
-          </a:p>
-          <a:p>
-            <a:pPr marL="0" indent="0">
-              <a:buNone/>
-            </a:pPr>
-            <a:r>
-              <a:rPr lang="fr-FR" sz="2000" dirty="0">
-                <a:latin typeface="Arial" panose="020B0604020202020204" pitchFamily="34" charset="0"/>
-                <a:cs typeface="Arial" panose="020B0604020202020204" pitchFamily="34" charset="0"/>
-              </a:rPr>
-              <a:t>Prix indiqué en </a:t>
-            </a:r>
-            <a:r>
-              <a:rPr lang="fr-FR" sz="2000" dirty="0" err="1">
-                <a:latin typeface="Arial" panose="020B0604020202020204" pitchFamily="34" charset="0"/>
-                <a:cs typeface="Arial" panose="020B0604020202020204" pitchFamily="34" charset="0"/>
-              </a:rPr>
-              <a:t>Gwei</a:t>
-            </a:r>
-            <a:r>
-              <a:rPr lang="fr-FR" sz="2000" dirty="0">
-                <a:latin typeface="Arial" panose="020B0604020202020204" pitchFamily="34" charset="0"/>
-                <a:cs typeface="Arial" panose="020B0604020202020204" pitchFamily="34" charset="0"/>
-              </a:rPr>
-              <a:t>, 1 ETH = 1Milliard de </a:t>
-            </a:r>
-            <a:r>
-              <a:rPr lang="fr-FR" sz="2000" dirty="0" err="1">
-                <a:latin typeface="Arial" panose="020B0604020202020204" pitchFamily="34" charset="0"/>
-                <a:cs typeface="Arial" panose="020B0604020202020204" pitchFamily="34" charset="0"/>
-              </a:rPr>
-              <a:t>Gwei</a:t>
-            </a:r>
-            <a:endParaRPr lang="fr-FR" sz="2000" dirty="0">
-              <a:latin typeface="Arial" panose="020B0604020202020204" pitchFamily="34" charset="0"/>
-              <a:cs typeface="Arial" panose="020B0604020202020204" pitchFamily="34" charset="0"/>
-            </a:endParaRPr>
-          </a:p>
-          <a:p>
-            <a:pPr marL="0" indent="0">
-              <a:buNone/>
-            </a:pPr>
-            <a:r>
-              <a:rPr lang="fr-FR" sz="2000" dirty="0">
-                <a:latin typeface="Arial" panose="020B0604020202020204" pitchFamily="34" charset="0"/>
-                <a:cs typeface="Arial" panose="020B0604020202020204" pitchFamily="34" charset="0"/>
-              </a:rPr>
-              <a:t>1 transaction entre 2 comptes coute 21000 Gaz</a:t>
-            </a:r>
-          </a:p>
-          <a:p>
-            <a:pPr marL="0" indent="0">
-              <a:buNone/>
-            </a:pPr>
-            <a:endParaRPr lang="fr-FR" sz="2000" dirty="0">
-              <a:latin typeface="Arial" panose="020B0604020202020204" pitchFamily="34" charset="0"/>
-              <a:cs typeface="Arial" panose="020B0604020202020204" pitchFamily="34" charset="0"/>
-            </a:endParaRPr>
-          </a:p>
-          <a:p>
-            <a:pPr marL="0" indent="0">
-              <a:buNone/>
-            </a:pPr>
-            <a:r>
-              <a:rPr lang="fr-FR" sz="2000" dirty="0">
-                <a:latin typeface="Arial" panose="020B0604020202020204" pitchFamily="34" charset="0"/>
-                <a:cs typeface="Arial" panose="020B0604020202020204" pitchFamily="34" charset="0"/>
-              </a:rPr>
-              <a:t>Sur </a:t>
-            </a:r>
-            <a:r>
-              <a:rPr lang="fr-FR" sz="2000" b="1" dirty="0" err="1">
-                <a:latin typeface="Arial" panose="020B0604020202020204" pitchFamily="34" charset="0"/>
-                <a:cs typeface="Arial" panose="020B0604020202020204" pitchFamily="34" charset="0"/>
-              </a:rPr>
-              <a:t>Coinmarketcap</a:t>
-            </a:r>
-            <a:r>
-              <a:rPr lang="fr-FR" sz="2000" dirty="0">
-                <a:latin typeface="Arial" panose="020B0604020202020204" pitchFamily="34" charset="0"/>
-                <a:cs typeface="Arial" panose="020B0604020202020204" pitchFamily="34" charset="0"/>
-              </a:rPr>
-              <a:t> : 28Gwei/GAZ  1.17 </a:t>
-            </a:r>
-            <a:r>
-              <a:rPr lang="fr-FR" sz="2000" dirty="0" err="1">
-                <a:latin typeface="Arial" panose="020B0604020202020204" pitchFamily="34" charset="0"/>
-                <a:cs typeface="Arial" panose="020B0604020202020204" pitchFamily="34" charset="0"/>
-              </a:rPr>
-              <a:t>usd</a:t>
-            </a:r>
-            <a:r>
-              <a:rPr lang="fr-FR" sz="2000" dirty="0">
-                <a:latin typeface="Arial" panose="020B0604020202020204" pitchFamily="34" charset="0"/>
-                <a:cs typeface="Arial" panose="020B0604020202020204" pitchFamily="34" charset="0"/>
-              </a:rPr>
-              <a:t>/</a:t>
-            </a:r>
-            <a:r>
-              <a:rPr lang="fr-FR" sz="2000" dirty="0" err="1">
-                <a:latin typeface="Arial" panose="020B0604020202020204" pitchFamily="34" charset="0"/>
-                <a:cs typeface="Arial" panose="020B0604020202020204" pitchFamily="34" charset="0"/>
-              </a:rPr>
-              <a:t>matic</a:t>
-            </a:r>
-            <a:endParaRPr lang="fr-FR" sz="2000" dirty="0">
-              <a:latin typeface="Arial" panose="020B0604020202020204" pitchFamily="34" charset="0"/>
-              <a:cs typeface="Arial" panose="020B0604020202020204" pitchFamily="34" charset="0"/>
-            </a:endParaRPr>
-          </a:p>
-          <a:p>
-            <a:pPr marL="0" indent="0">
-              <a:buNone/>
-            </a:pPr>
-            <a:r>
-              <a:rPr lang="fr-FR" sz="2000" dirty="0" err="1">
-                <a:latin typeface="Arial" panose="020B0604020202020204" pitchFamily="34" charset="0"/>
-                <a:cs typeface="Arial" panose="020B0604020202020204" pitchFamily="34" charset="0"/>
-              </a:rPr>
-              <a:t>Deploy</a:t>
-            </a:r>
-            <a:r>
-              <a:rPr lang="fr-FR" sz="2000" dirty="0">
-                <a:latin typeface="Arial" panose="020B0604020202020204" pitchFamily="34" charset="0"/>
-                <a:cs typeface="Arial" panose="020B0604020202020204" pitchFamily="34" charset="0"/>
-              </a:rPr>
-              <a:t> = 3026208gaz = 0.1usd  (si </a:t>
-            </a:r>
-            <a:r>
-              <a:rPr lang="fr-FR" sz="2000" dirty="0" err="1">
-                <a:latin typeface="Arial" panose="020B0604020202020204" pitchFamily="34" charset="0"/>
-                <a:cs typeface="Arial" panose="020B0604020202020204" pitchFamily="34" charset="0"/>
-              </a:rPr>
-              <a:t>eth</a:t>
-            </a:r>
-            <a:r>
-              <a:rPr lang="fr-FR" sz="2000" dirty="0">
-                <a:latin typeface="Arial" panose="020B0604020202020204" pitchFamily="34" charset="0"/>
-                <a:cs typeface="Arial" panose="020B0604020202020204" pitchFamily="34" charset="0"/>
-              </a:rPr>
-              <a:t> 3026208 x 28 = 84733824 </a:t>
-            </a:r>
-            <a:r>
-              <a:rPr lang="fr-FR" sz="2000" dirty="0" err="1">
-                <a:latin typeface="Arial" panose="020B0604020202020204" pitchFamily="34" charset="0"/>
-                <a:cs typeface="Arial" panose="020B0604020202020204" pitchFamily="34" charset="0"/>
-              </a:rPr>
-              <a:t>Gwei</a:t>
-            </a:r>
-            <a:r>
-              <a:rPr lang="fr-FR" sz="2000" dirty="0">
-                <a:latin typeface="Arial" panose="020B0604020202020204" pitchFamily="34" charset="0"/>
-                <a:cs typeface="Arial" panose="020B0604020202020204" pitchFamily="34" charset="0"/>
-              </a:rPr>
-              <a:t> = 0,0847eth=140$)</a:t>
-            </a:r>
-          </a:p>
-          <a:p>
-            <a:pPr marL="0" indent="0">
-              <a:buNone/>
-            </a:pPr>
-            <a:r>
-              <a:rPr lang="fr-FR" sz="2000" dirty="0">
-                <a:latin typeface="Arial" panose="020B0604020202020204" pitchFamily="34" charset="0"/>
-                <a:cs typeface="Arial" panose="020B0604020202020204" pitchFamily="34" charset="0"/>
-              </a:rPr>
-              <a:t>Mint = 80193</a:t>
-            </a:r>
-          </a:p>
-          <a:p>
-            <a:pPr marL="0" indent="0">
-              <a:buNone/>
-            </a:pPr>
-            <a:r>
-              <a:rPr lang="fr-FR" sz="2000" dirty="0" err="1">
-                <a:latin typeface="Arial" panose="020B0604020202020204" pitchFamily="34" charset="0"/>
-                <a:cs typeface="Arial" panose="020B0604020202020204" pitchFamily="34" charset="0"/>
-              </a:rPr>
-              <a:t>exchangeStart</a:t>
-            </a:r>
-            <a:r>
-              <a:rPr lang="fr-FR" sz="2000" dirty="0">
-                <a:latin typeface="Arial" panose="020B0604020202020204" pitchFamily="34" charset="0"/>
-                <a:cs typeface="Arial" panose="020B0604020202020204" pitchFamily="34" charset="0"/>
-              </a:rPr>
-              <a:t> = 154693 = 0,01usd</a:t>
-            </a:r>
-            <a:br>
-              <a:rPr lang="fr-FR" sz="2000" dirty="0">
-                <a:latin typeface="Arial" panose="020B0604020202020204" pitchFamily="34" charset="0"/>
-                <a:cs typeface="Arial" panose="020B0604020202020204" pitchFamily="34" charset="0"/>
-              </a:rPr>
-            </a:br>
-            <a:br>
-              <a:rPr lang="fr-FR" sz="2000" dirty="0">
-                <a:latin typeface="Arial" panose="020B0604020202020204" pitchFamily="34" charset="0"/>
-                <a:cs typeface="Arial" panose="020B0604020202020204" pitchFamily="34" charset="0"/>
-              </a:rPr>
-            </a:br>
-            <a:br>
-              <a:rPr lang="fr-FR" sz="2000" dirty="0">
-                <a:latin typeface="Arial" panose="020B0604020202020204" pitchFamily="34" charset="0"/>
-                <a:cs typeface="Arial" panose="020B0604020202020204" pitchFamily="34" charset="0"/>
-              </a:rPr>
-            </a:br>
-            <a:r>
-              <a:rPr lang="fr-FR" sz="2000" dirty="0">
-                <a:latin typeface="Arial" panose="020B0604020202020204" pitchFamily="34" charset="0"/>
-                <a:cs typeface="Arial" panose="020B0604020202020204" pitchFamily="34" charset="0"/>
-              </a:rPr>
-              <a:t>Block </a:t>
-            </a:r>
-            <a:r>
-              <a:rPr lang="fr-FR" sz="2000" dirty="0" err="1">
-                <a:latin typeface="Arial" panose="020B0604020202020204" pitchFamily="34" charset="0"/>
-                <a:cs typeface="Arial" panose="020B0604020202020204" pitchFamily="34" charset="0"/>
-              </a:rPr>
-              <a:t>limit</a:t>
-            </a:r>
-            <a:r>
-              <a:rPr lang="fr-FR" sz="2000" dirty="0">
-                <a:latin typeface="Arial" panose="020B0604020202020204" pitchFamily="34" charset="0"/>
-                <a:cs typeface="Arial" panose="020B0604020202020204" pitchFamily="34" charset="0"/>
-              </a:rPr>
-              <a:t>: 30 000 000 </a:t>
-            </a:r>
-            <a:r>
-              <a:rPr lang="fr-FR" sz="2000" dirty="0" err="1">
-                <a:latin typeface="Arial" panose="020B0604020202020204" pitchFamily="34" charset="0"/>
-                <a:cs typeface="Arial" panose="020B0604020202020204" pitchFamily="34" charset="0"/>
-              </a:rPr>
-              <a:t>gas</a:t>
-            </a:r>
-            <a:r>
-              <a:rPr lang="fr-FR" sz="2000" dirty="0">
-                <a:latin typeface="Arial" panose="020B0604020202020204" pitchFamily="34" charset="0"/>
-                <a:cs typeface="Arial" panose="020B0604020202020204" pitchFamily="34" charset="0"/>
-              </a:rPr>
-              <a:t> = nombre limite de transaction par bloc / 21000 = 1500 transactions</a:t>
-            </a:r>
-          </a:p>
-          <a:p>
-            <a:pPr marL="0" indent="0">
-              <a:buNone/>
-            </a:pPr>
-            <a:r>
-              <a:rPr lang="fr-FR" sz="2000" dirty="0" err="1">
-                <a:latin typeface="Arial" panose="020B0604020202020204" pitchFamily="34" charset="0"/>
-                <a:cs typeface="Arial" panose="020B0604020202020204" pitchFamily="34" charset="0"/>
-              </a:rPr>
-              <a:t>Validadeur</a:t>
-            </a:r>
-            <a:r>
-              <a:rPr lang="fr-FR" sz="2000" dirty="0">
-                <a:latin typeface="Arial" panose="020B0604020202020204" pitchFamily="34" charset="0"/>
-                <a:cs typeface="Arial" panose="020B0604020202020204" pitchFamily="34" charset="0"/>
-              </a:rPr>
-              <a:t> (Proof of </a:t>
-            </a:r>
-            <a:r>
-              <a:rPr lang="fr-FR" sz="2000" dirty="0" err="1">
-                <a:latin typeface="Arial" panose="020B0604020202020204" pitchFamily="34" charset="0"/>
-                <a:cs typeface="Arial" panose="020B0604020202020204" pitchFamily="34" charset="0"/>
-              </a:rPr>
-              <a:t>Stake</a:t>
-            </a:r>
-            <a:r>
-              <a:rPr lang="fr-FR" sz="2000" dirty="0">
-                <a:latin typeface="Arial" panose="020B0604020202020204" pitchFamily="34" charset="0"/>
-                <a:cs typeface="Arial" panose="020B0604020202020204" pitchFamily="34" charset="0"/>
-              </a:rPr>
-              <a:t>/preuve d’enjeu/32eth avant ct Proof of </a:t>
-            </a:r>
-            <a:r>
-              <a:rPr lang="fr-FR" sz="2000" dirty="0" err="1">
-                <a:latin typeface="Arial" panose="020B0604020202020204" pitchFamily="34" charset="0"/>
-                <a:cs typeface="Arial" panose="020B0604020202020204" pitchFamily="34" charset="0"/>
-              </a:rPr>
-              <a:t>work</a:t>
-            </a:r>
-            <a:r>
-              <a:rPr lang="fr-FR" sz="2000" dirty="0">
-                <a:latin typeface="Arial" panose="020B0604020202020204" pitchFamily="34" charset="0"/>
-                <a:cs typeface="Arial" panose="020B0604020202020204" pitchFamily="34" charset="0"/>
-              </a:rPr>
-              <a:t>)</a:t>
-            </a:r>
-          </a:p>
-        </p:txBody>
-      </p:sp>
-    </p:spTree>
-    <p:extLst>
-      <p:ext uri="{BB962C8B-B14F-4D97-AF65-F5344CB8AC3E}">
-        <p14:creationId xmlns:p14="http://schemas.microsoft.com/office/powerpoint/2010/main" val="3536977226"/>
-      </p:ext>
-    </p:extLst>
-  </p:cSld>
-  <p:clrMapOvr>
-    <a:masterClrMapping/>
-  </p:clrMapOvr>
-</p:sld>
-</file>
-
-<file path=ppt/slides/slide24.xml><?xml version="1.0" encoding="utf-8"?>
-<p:sld xmlns:a="http://schemas.openxmlformats.org/drawingml/2006/main" xmlns:r="http://schemas.openxmlformats.org/officeDocument/2006/relationships" xmlns:p="http://schemas.openxmlformats.org/presentationml/2006/main">
-  <p:cSld>
-    <p:spTree>
-      <p:nvGrpSpPr>
-        <p:cNvPr id="1" name=""/>
-        <p:cNvGrpSpPr/>
-        <p:nvPr/>
-      </p:nvGrpSpPr>
-      <p:grpSpPr>
-        <a:xfrm>
-          <a:off x="0" y="0"/>
-          <a:ext cx="0" cy="0"/>
-          <a:chOff x="0" y="0"/>
-          <a:chExt cx="0" cy="0"/>
-        </a:xfrm>
-      </p:grpSpPr>
-      <p:grpSp>
-        <p:nvGrpSpPr>
-          <p:cNvPr id="5" name="Groupe 4">
-            <a:extLst>
-              <a:ext uri="{FF2B5EF4-FFF2-40B4-BE49-F238E27FC236}">
-                <a16:creationId xmlns:a16="http://schemas.microsoft.com/office/drawing/2014/main" id="{683EB327-9545-2F3C-52EB-91B2E5B1E7E1}"/>
-              </a:ext>
-            </a:extLst>
-          </p:cNvPr>
-          <p:cNvGrpSpPr/>
-          <p:nvPr/>
-        </p:nvGrpSpPr>
-        <p:grpSpPr>
-          <a:xfrm>
-            <a:off x="987245" y="177434"/>
-            <a:ext cx="6278555" cy="774274"/>
-            <a:chOff x="567691" y="386935"/>
-            <a:chExt cx="6278555" cy="774274"/>
-          </a:xfrm>
-        </p:grpSpPr>
-        <p:sp>
-          <p:nvSpPr>
-            <p:cNvPr id="6" name="Rectangle 5">
-              <a:extLst>
-                <a:ext uri="{FF2B5EF4-FFF2-40B4-BE49-F238E27FC236}">
-                  <a16:creationId xmlns:a16="http://schemas.microsoft.com/office/drawing/2014/main" id="{12C5A2F4-1A68-3EFC-7E6E-C845D6D66EB1}"/>
-                </a:ext>
-              </a:extLst>
-            </p:cNvPr>
-            <p:cNvSpPr/>
-            <p:nvPr/>
-          </p:nvSpPr>
-          <p:spPr>
-            <a:xfrm>
-              <a:off x="567691" y="386935"/>
-              <a:ext cx="6278555" cy="774274"/>
-            </a:xfrm>
-            <a:prstGeom prst="rect">
-              <a:avLst/>
-            </a:prstGeom>
-          </p:spPr>
-          <p:style>
-            <a:lnRef idx="2">
-              <a:schemeClr val="lt1">
-                <a:hueOff val="0"/>
-                <a:satOff val="0"/>
-                <a:lumOff val="0"/>
-                <a:alphaOff val="0"/>
-              </a:schemeClr>
-            </a:lnRef>
-            <a:fillRef idx="1">
-              <a:schemeClr val="accent1">
-                <a:hueOff val="0"/>
-                <a:satOff val="0"/>
-                <a:lumOff val="0"/>
-                <a:alphaOff val="0"/>
-              </a:schemeClr>
-            </a:fillRef>
-            <a:effectRef idx="0">
-              <a:schemeClr val="accent1">
-                <a:hueOff val="0"/>
-                <a:satOff val="0"/>
-                <a:lumOff val="0"/>
-                <a:alphaOff val="0"/>
-              </a:schemeClr>
-            </a:effectRef>
-            <a:fontRef idx="minor">
-              <a:schemeClr val="lt1"/>
-            </a:fontRef>
-          </p:style>
-        </p:sp>
-        <p:sp>
-          <p:nvSpPr>
-            <p:cNvPr id="7" name="ZoneTexte 6">
-              <a:extLst>
-                <a:ext uri="{FF2B5EF4-FFF2-40B4-BE49-F238E27FC236}">
-                  <a16:creationId xmlns:a16="http://schemas.microsoft.com/office/drawing/2014/main" id="{FF9E783A-14FF-F7EB-9CC5-4E4DE71E1DA3}"/>
-                </a:ext>
-              </a:extLst>
-            </p:cNvPr>
-            <p:cNvSpPr txBox="1"/>
-            <p:nvPr/>
-          </p:nvSpPr>
-          <p:spPr>
-            <a:xfrm>
-              <a:off x="567691" y="386935"/>
-              <a:ext cx="6278555" cy="774274"/>
-            </a:xfrm>
-            <a:prstGeom prst="rect">
-              <a:avLst/>
-            </a:prstGeom>
-          </p:spPr>
-          <p:style>
-            <a:lnRef idx="0">
-              <a:scrgbClr r="0" g="0" b="0"/>
-            </a:lnRef>
-            <a:fillRef idx="0">
-              <a:scrgbClr r="0" g="0" b="0"/>
-            </a:fillRef>
-            <a:effectRef idx="0">
-              <a:scrgbClr r="0" g="0" b="0"/>
-            </a:effectRef>
-            <a:fontRef idx="minor">
-              <a:schemeClr val="lt1"/>
-            </a:fontRef>
-          </p:style>
-          <p:txBody>
-            <a:bodyPr spcFirstLastPara="0" vert="horz" wrap="square" lIns="614580" tIns="71120" rIns="71120" bIns="71120" numCol="1" spcCol="1270" anchor="ctr" anchorCtr="0">
-              <a:noAutofit/>
-            </a:bodyPr>
-            <a:lstStyle/>
-            <a:p>
-              <a:pPr defTabSz="1244600">
-                <a:lnSpc>
-                  <a:spcPct val="90000"/>
-                </a:lnSpc>
-                <a:spcBef>
-                  <a:spcPct val="0"/>
-                </a:spcBef>
-                <a:spcAft>
-                  <a:spcPct val="35000"/>
-                </a:spcAft>
-              </a:pPr>
-              <a:r>
-                <a:rPr lang="fr-FR" sz="2800" dirty="0"/>
-                <a:t>Bonus</a:t>
-              </a:r>
-            </a:p>
-          </p:txBody>
-        </p:sp>
-      </p:grpSp>
-      <p:sp>
-        <p:nvSpPr>
-          <p:cNvPr id="8" name="Ellipse 7">
-            <a:extLst>
-              <a:ext uri="{FF2B5EF4-FFF2-40B4-BE49-F238E27FC236}">
-                <a16:creationId xmlns:a16="http://schemas.microsoft.com/office/drawing/2014/main" id="{A97470D7-CABE-9601-7738-29139EB550C9}"/>
-              </a:ext>
-            </a:extLst>
-          </p:cNvPr>
-          <p:cNvSpPr/>
-          <p:nvPr/>
-        </p:nvSpPr>
-        <p:spPr>
-          <a:xfrm>
-            <a:off x="332880" y="80650"/>
-            <a:ext cx="967842" cy="967842"/>
-          </a:xfrm>
-          <a:prstGeom prst="ellipse">
-            <a:avLst/>
-          </a:prstGeom>
-        </p:spPr>
-        <p:style>
-          <a:lnRef idx="2">
-            <a:schemeClr val="accent1">
-              <a:hueOff val="0"/>
-              <a:satOff val="0"/>
-              <a:lumOff val="0"/>
-              <a:alphaOff val="0"/>
-            </a:schemeClr>
-          </a:lnRef>
-          <a:fillRef idx="1">
-            <a:schemeClr val="lt1">
-              <a:hueOff val="0"/>
-              <a:satOff val="0"/>
-              <a:lumOff val="0"/>
-              <a:alphaOff val="0"/>
-            </a:schemeClr>
-          </a:fillRef>
-          <a:effectRef idx="0">
-            <a:schemeClr val="lt1">
-              <a:hueOff val="0"/>
-              <a:satOff val="0"/>
-              <a:lumOff val="0"/>
-              <a:alphaOff val="0"/>
-            </a:schemeClr>
-          </a:effectRef>
-          <a:fontRef idx="minor">
-            <a:schemeClr val="dk1">
-              <a:hueOff val="0"/>
-              <a:satOff val="0"/>
-              <a:lumOff val="0"/>
-              <a:alphaOff val="0"/>
-            </a:schemeClr>
-          </a:fontRef>
-        </p:style>
-      </p:sp>
-      <p:pic>
-        <p:nvPicPr>
-          <p:cNvPr id="9" name="Picture 2">
-            <a:extLst>
-              <a:ext uri="{FF2B5EF4-FFF2-40B4-BE49-F238E27FC236}">
-                <a16:creationId xmlns:a16="http://schemas.microsoft.com/office/drawing/2014/main" id="{5FC67445-7410-F5FF-B004-2550DF1F8B45}"/>
-              </a:ext>
-            </a:extLst>
-          </p:cNvPr>
-          <p:cNvPicPr>
-            <a:picLocks noChangeAspect="1" noChangeArrowheads="1"/>
-          </p:cNvPicPr>
-          <p:nvPr/>
-        </p:nvPicPr>
-        <p:blipFill>
-          <a:blip r:embed="rId2">
-            <a:extLst>
-              <a:ext uri="{28A0092B-C50C-407E-A947-70E740481C1C}">
-                <a14:useLocalDpi xmlns:a14="http://schemas.microsoft.com/office/drawing/2010/main" val="0"/>
-              </a:ext>
-            </a:extLst>
-          </a:blip>
-          <a:srcRect/>
-          <a:stretch>
-            <a:fillRect/>
-          </a:stretch>
-        </p:blipFill>
-        <p:spPr bwMode="auto">
-          <a:xfrm>
-            <a:off x="11139855" y="138384"/>
-            <a:ext cx="927136" cy="1050756"/>
-          </a:xfrm>
-          <a:prstGeom prst="rect">
-            <a:avLst/>
-          </a:prstGeom>
-          <a:noFill/>
-          <a:ln>
-            <a:noFill/>
-          </a:ln>
-          <a:extLst>
-            <a:ext uri="{909E8E84-426E-40DD-AFC4-6F175D3DCCD1}">
-              <a14:hiddenFill xmlns:a14="http://schemas.microsoft.com/office/drawing/2010/main">
-                <a:solidFill>
-                  <a:srgbClr val="FFFFFF"/>
-                </a:solidFill>
-              </a14:hiddenFill>
-            </a:ext>
-            <a:ext uri="{91240B29-F687-4F45-9708-019B960494DF}">
-              <a14:hiddenLine xmlns:a14="http://schemas.microsoft.com/office/drawing/2010/main" w="9525">
-                <a:solidFill>
-                  <a:srgbClr val="000000"/>
-                </a:solidFill>
-                <a:miter lim="800000"/>
-                <a:headEnd/>
-                <a:tailEnd/>
-              </a14:hiddenLine>
-            </a:ext>
-          </a:extLst>
-        </p:spPr>
-      </p:pic>
-      <p:sp>
-        <p:nvSpPr>
-          <p:cNvPr id="2" name="Sous-titre 2">
-            <a:extLst>
-              <a:ext uri="{FF2B5EF4-FFF2-40B4-BE49-F238E27FC236}">
-                <a16:creationId xmlns:a16="http://schemas.microsoft.com/office/drawing/2014/main" id="{FD6DE8F5-1E0D-4EAE-FE46-485C91A5AD22}"/>
-              </a:ext>
-            </a:extLst>
-          </p:cNvPr>
-          <p:cNvSpPr txBox="1">
-            <a:spLocks/>
-          </p:cNvSpPr>
-          <p:nvPr/>
-        </p:nvSpPr>
-        <p:spPr>
-          <a:xfrm>
-            <a:off x="582804" y="1419225"/>
-            <a:ext cx="10791929" cy="4486275"/>
-          </a:xfrm>
-          <a:prstGeom prst="rect">
-            <a:avLst/>
-          </a:prstGeom>
-        </p:spPr>
-        <p:txBody>
-          <a:bodyPr>
-            <a:normAutofit lnSpcReduction="10000"/>
-          </a:bodyPr>
-          <a:lstStyle>
-            <a:lvl1pPr marL="228600" indent="-228600" algn="l" defTabSz="914400" rtl="0" eaLnBrk="1" latinLnBrk="0" hangingPunct="1">
-              <a:lnSpc>
-                <a:spcPct val="90000"/>
-              </a:lnSpc>
-              <a:spcBef>
-                <a:spcPts val="1000"/>
-              </a:spcBef>
-              <a:buFont typeface="Arial" panose="020B0604020202020204" pitchFamily="34" charset="0"/>
-              <a:buChar char="•"/>
-              <a:defRPr sz="2800" kern="1200">
-                <a:solidFill>
-                  <a:schemeClr val="tx1"/>
-                </a:solidFill>
-                <a:latin typeface="+mn-lt"/>
-                <a:ea typeface="+mn-ea"/>
-                <a:cs typeface="+mn-cs"/>
-              </a:defRPr>
-            </a:lvl1pPr>
-            <a:lvl2pPr marL="685800" indent="-228600" algn="l" defTabSz="914400" rtl="0" eaLnBrk="1" latinLnBrk="0" hangingPunct="1">
-              <a:lnSpc>
-                <a:spcPct val="90000"/>
-              </a:lnSpc>
-              <a:spcBef>
-                <a:spcPts val="500"/>
-              </a:spcBef>
-              <a:buFont typeface="Arial" panose="020B0604020202020204" pitchFamily="34" charset="0"/>
-              <a:buChar char="•"/>
-              <a:defRPr sz="2400" kern="1200">
-                <a:solidFill>
-                  <a:schemeClr val="tx1"/>
-                </a:solidFill>
-                <a:latin typeface="+mn-lt"/>
-                <a:ea typeface="+mn-ea"/>
-                <a:cs typeface="+mn-cs"/>
-              </a:defRPr>
-            </a:lvl2pPr>
-            <a:lvl3pPr marL="1143000" indent="-228600" algn="l" defTabSz="914400" rtl="0" eaLnBrk="1" latinLnBrk="0" hangingPunct="1">
-              <a:lnSpc>
-                <a:spcPct val="90000"/>
-              </a:lnSpc>
-              <a:spcBef>
-                <a:spcPts val="500"/>
-              </a:spcBef>
-              <a:buFont typeface="Arial" panose="020B0604020202020204" pitchFamily="34" charset="0"/>
-              <a:buChar char="•"/>
-              <a:defRPr sz="2000" kern="1200">
-                <a:solidFill>
-                  <a:schemeClr val="tx1"/>
-                </a:solidFill>
-                <a:latin typeface="+mn-lt"/>
-                <a:ea typeface="+mn-ea"/>
-                <a:cs typeface="+mn-cs"/>
-              </a:defRPr>
-            </a:lvl3pPr>
-            <a:lvl4pPr marL="1600200" indent="-228600" algn="l" defTabSz="914400" rtl="0" eaLnBrk="1" latinLnBrk="0" hangingPunct="1">
-              <a:lnSpc>
-                <a:spcPct val="90000"/>
-              </a:lnSpc>
-              <a:spcBef>
-                <a:spcPts val="500"/>
-              </a:spcBef>
-              <a:buFont typeface="Arial" panose="020B0604020202020204" pitchFamily="34" charset="0"/>
-              <a:buChar char="•"/>
-              <a:defRPr sz="1800" kern="1200">
-                <a:solidFill>
-                  <a:schemeClr val="tx1"/>
-                </a:solidFill>
-                <a:latin typeface="+mn-lt"/>
-                <a:ea typeface="+mn-ea"/>
-                <a:cs typeface="+mn-cs"/>
-              </a:defRPr>
-            </a:lvl4pPr>
-            <a:lvl5pPr marL="2057400" indent="-228600" algn="l" defTabSz="914400" rtl="0" eaLnBrk="1" latinLnBrk="0" hangingPunct="1">
-              <a:lnSpc>
-                <a:spcPct val="90000"/>
-              </a:lnSpc>
-              <a:spcBef>
-                <a:spcPts val="500"/>
-              </a:spcBef>
-              <a:buFont typeface="Arial" panose="020B0604020202020204" pitchFamily="34" charset="0"/>
-              <a:buChar char="•"/>
-              <a:defRPr sz="1800" kern="1200">
-                <a:solidFill>
-                  <a:schemeClr val="tx1"/>
-                </a:solidFill>
-                <a:latin typeface="+mn-lt"/>
-                <a:ea typeface="+mn-ea"/>
-                <a:cs typeface="+mn-cs"/>
-              </a:defRPr>
-            </a:lvl5pPr>
-            <a:lvl6pPr marL="2514600" indent="-228600" algn="l" defTabSz="914400" rtl="0" eaLnBrk="1" latinLnBrk="0" hangingPunct="1">
-              <a:lnSpc>
-                <a:spcPct val="90000"/>
-              </a:lnSpc>
-              <a:spcBef>
-                <a:spcPts val="500"/>
-              </a:spcBef>
-              <a:buFont typeface="Arial" panose="020B0604020202020204" pitchFamily="34" charset="0"/>
-              <a:buChar char="•"/>
-              <a:defRPr sz="1800" kern="1200">
-                <a:solidFill>
-                  <a:schemeClr val="tx1"/>
-                </a:solidFill>
-                <a:latin typeface="+mn-lt"/>
-                <a:ea typeface="+mn-ea"/>
-                <a:cs typeface="+mn-cs"/>
-              </a:defRPr>
-            </a:lvl6pPr>
-            <a:lvl7pPr marL="2971800" indent="-228600" algn="l" defTabSz="914400" rtl="0" eaLnBrk="1" latinLnBrk="0" hangingPunct="1">
-              <a:lnSpc>
-                <a:spcPct val="90000"/>
-              </a:lnSpc>
-              <a:spcBef>
-                <a:spcPts val="500"/>
-              </a:spcBef>
-              <a:buFont typeface="Arial" panose="020B0604020202020204" pitchFamily="34" charset="0"/>
-              <a:buChar char="•"/>
-              <a:defRPr sz="1800" kern="1200">
-                <a:solidFill>
-                  <a:schemeClr val="tx1"/>
-                </a:solidFill>
-                <a:latin typeface="+mn-lt"/>
-                <a:ea typeface="+mn-ea"/>
-                <a:cs typeface="+mn-cs"/>
-              </a:defRPr>
-            </a:lvl7pPr>
-            <a:lvl8pPr marL="3429000" indent="-228600" algn="l" defTabSz="914400" rtl="0" eaLnBrk="1" latinLnBrk="0" hangingPunct="1">
-              <a:lnSpc>
-                <a:spcPct val="90000"/>
-              </a:lnSpc>
-              <a:spcBef>
-                <a:spcPts val="500"/>
-              </a:spcBef>
-              <a:buFont typeface="Arial" panose="020B0604020202020204" pitchFamily="34" charset="0"/>
-              <a:buChar char="•"/>
-              <a:defRPr sz="1800" kern="1200">
-                <a:solidFill>
-                  <a:schemeClr val="tx1"/>
-                </a:solidFill>
-                <a:latin typeface="+mn-lt"/>
-                <a:ea typeface="+mn-ea"/>
-                <a:cs typeface="+mn-cs"/>
-              </a:defRPr>
-            </a:lvl8pPr>
-            <a:lvl9pPr marL="3886200" indent="-228600" algn="l" defTabSz="914400" rtl="0" eaLnBrk="1" latinLnBrk="0" hangingPunct="1">
-              <a:lnSpc>
-                <a:spcPct val="90000"/>
-              </a:lnSpc>
-              <a:spcBef>
-                <a:spcPts val="500"/>
-              </a:spcBef>
-              <a:buFont typeface="Arial" panose="020B0604020202020204" pitchFamily="34" charset="0"/>
-              <a:buChar char="•"/>
-              <a:defRPr sz="1800" kern="1200">
-                <a:solidFill>
-                  <a:schemeClr val="tx1"/>
-                </a:solidFill>
-                <a:latin typeface="+mn-lt"/>
-                <a:ea typeface="+mn-ea"/>
-                <a:cs typeface="+mn-cs"/>
-              </a:defRPr>
-            </a:lvl9pPr>
-          </a:lstStyle>
-          <a:p>
-            <a:pPr marL="0" indent="0">
-              <a:buNone/>
-            </a:pPr>
-            <a:r>
-              <a:rPr lang="fr-FR" sz="2000" dirty="0">
-                <a:latin typeface="Arial" panose="020B0604020202020204" pitchFamily="34" charset="0"/>
-                <a:cs typeface="Arial" panose="020B0604020202020204" pitchFamily="34" charset="0"/>
-              </a:rPr>
-              <a:t>Calcul des slots utilisés du contrat</a:t>
-            </a:r>
-            <a:br>
-              <a:rPr lang="fr-FR" sz="2000" dirty="0">
-                <a:latin typeface="Arial" panose="020B0604020202020204" pitchFamily="34" charset="0"/>
-                <a:cs typeface="Arial" panose="020B0604020202020204" pitchFamily="34" charset="0"/>
-              </a:rPr>
-            </a:br>
-            <a:r>
-              <a:rPr lang="fr-FR" sz="2000" dirty="0">
-                <a:latin typeface="Arial" panose="020B0604020202020204" pitchFamily="34" charset="0"/>
-                <a:cs typeface="Arial" panose="020B0604020202020204" pitchFamily="34" charset="0"/>
-              </a:rPr>
-              <a:t>Console Remix :</a:t>
-            </a:r>
-          </a:p>
-          <a:p>
-            <a:pPr marL="0" indent="0">
-              <a:buNone/>
-            </a:pPr>
-            <a:r>
-              <a:rPr lang="fr-FR" sz="2000" dirty="0">
-                <a:latin typeface="Arial" panose="020B0604020202020204" pitchFamily="34" charset="0"/>
-                <a:cs typeface="Arial" panose="020B0604020202020204" pitchFamily="34" charset="0"/>
-              </a:rPr>
-              <a:t>web3.eth.getStorageAt("0xEF0720C94DA0D0c58a9d5FfD3c845d5B2247D2c8",0)</a:t>
-            </a:r>
-            <a:br>
-              <a:rPr lang="fr-FR" sz="2000" dirty="0">
-                <a:latin typeface="Arial" panose="020B0604020202020204" pitchFamily="34" charset="0"/>
-                <a:cs typeface="Arial" panose="020B0604020202020204" pitchFamily="34" charset="0"/>
-              </a:rPr>
-            </a:br>
-            <a:br>
-              <a:rPr lang="fr-FR" sz="2000" dirty="0">
-                <a:latin typeface="Arial" panose="020B0604020202020204" pitchFamily="34" charset="0"/>
-                <a:cs typeface="Arial" panose="020B0604020202020204" pitchFamily="34" charset="0"/>
-              </a:rPr>
-            </a:br>
-            <a:r>
-              <a:rPr lang="fr-FR" sz="1300" dirty="0">
-                <a:latin typeface="Arial" panose="020B0604020202020204" pitchFamily="34" charset="0"/>
-                <a:cs typeface="Arial" panose="020B0604020202020204" pitchFamily="34" charset="0"/>
-              </a:rPr>
-              <a:t>0x0000000000000000000000000000000000000000000000000000000000000000</a:t>
-            </a:r>
-          </a:p>
-          <a:p>
-            <a:pPr marL="0" indent="0">
-              <a:buNone/>
-            </a:pPr>
-            <a:r>
-              <a:rPr lang="fr-FR" sz="1300" dirty="0">
-                <a:latin typeface="Arial" panose="020B0604020202020204" pitchFamily="34" charset="0"/>
-                <a:cs typeface="Arial" panose="020B0604020202020204" pitchFamily="34" charset="0"/>
-              </a:rPr>
-              <a:t>0x0000000000000000000000000000000000000000000000000000000000000000</a:t>
-            </a:r>
-          </a:p>
-          <a:p>
-            <a:pPr marL="0" indent="0">
-              <a:buNone/>
-            </a:pPr>
-            <a:r>
-              <a:rPr lang="fr-FR" sz="1300" dirty="0">
-                <a:latin typeface="Arial" panose="020B0604020202020204" pitchFamily="34" charset="0"/>
-                <a:cs typeface="Arial" panose="020B0604020202020204" pitchFamily="34" charset="0"/>
-              </a:rPr>
-              <a:t>0x00000000000000000000000000000000000000000000000000000000000000c5 </a:t>
-            </a:r>
-          </a:p>
-          <a:p>
-            <a:pPr marL="0" indent="0">
-              <a:buNone/>
-            </a:pPr>
-            <a:r>
-              <a:rPr lang="fr-FR" sz="1300" dirty="0">
-                <a:latin typeface="Arial" panose="020B0604020202020204" pitchFamily="34" charset="0"/>
-                <a:cs typeface="Arial" panose="020B0604020202020204" pitchFamily="34" charset="0"/>
-              </a:rPr>
-              <a:t>0x00000000000000000000007cd33a833dc720acc8d17bc17edc41cc526febb200    addr2 + 00</a:t>
-            </a:r>
-          </a:p>
-          <a:p>
-            <a:pPr marL="0" indent="0">
-              <a:buNone/>
-            </a:pPr>
-            <a:r>
-              <a:rPr lang="fr-FR" sz="1300" dirty="0">
-                <a:latin typeface="Arial" panose="020B0604020202020204" pitchFamily="34" charset="0"/>
-                <a:cs typeface="Arial" panose="020B0604020202020204" pitchFamily="34" charset="0"/>
-              </a:rPr>
-              <a:t>0x00000000000000000000000000000000000000000000000000000000000003e8</a:t>
-            </a:r>
-          </a:p>
-          <a:p>
-            <a:pPr marL="0" indent="0">
-              <a:buNone/>
-            </a:pPr>
-            <a:r>
-              <a:rPr lang="fr-FR" sz="1300" dirty="0">
-                <a:latin typeface="Arial" panose="020B0604020202020204" pitchFamily="34" charset="0"/>
-                <a:cs typeface="Arial" panose="020B0604020202020204" pitchFamily="34" charset="0"/>
-              </a:rPr>
-              <a:t>0x000000000000000000000000000000000000000000000000000000000000000a</a:t>
-            </a:r>
-          </a:p>
-          <a:p>
-            <a:pPr marL="0" indent="0">
-              <a:buNone/>
-            </a:pPr>
-            <a:r>
-              <a:rPr lang="fr-FR" sz="1300" dirty="0">
-                <a:latin typeface="Arial" panose="020B0604020202020204" pitchFamily="34" charset="0"/>
-                <a:cs typeface="Arial" panose="020B0604020202020204" pitchFamily="34" charset="0"/>
-              </a:rPr>
-              <a:t>0x000000000000000000000000000000000000000000000000000000000000000a</a:t>
-            </a:r>
-          </a:p>
-          <a:p>
-            <a:pPr marL="0" indent="0">
-              <a:buNone/>
-            </a:pPr>
-            <a:r>
-              <a:rPr lang="fr-FR" sz="1300" dirty="0">
-                <a:latin typeface="Arial" panose="020B0604020202020204" pitchFamily="34" charset="0"/>
-                <a:cs typeface="Arial" panose="020B0604020202020204" pitchFamily="34" charset="0"/>
-              </a:rPr>
-              <a:t>0x0000000000000000000000000000000000000000000000000000000000000000</a:t>
-            </a:r>
-          </a:p>
-          <a:p>
-            <a:pPr marL="0" indent="0">
-              <a:buNone/>
-            </a:pPr>
-            <a:r>
-              <a:rPr lang="fr-FR" sz="1300" dirty="0">
-                <a:latin typeface="Arial" panose="020B0604020202020204" pitchFamily="34" charset="0"/>
-                <a:cs typeface="Arial" panose="020B0604020202020204" pitchFamily="34" charset="0"/>
-              </a:rPr>
-              <a:t>0x000000000000000000000000005d71ca579843a1c3eefed02e5909cf77976761  slot 8 addr1= </a:t>
-            </a:r>
-            <a:r>
-              <a:rPr lang="fr-FR" sz="1300" dirty="0" err="1">
-                <a:latin typeface="Arial" panose="020B0604020202020204" pitchFamily="34" charset="0"/>
-                <a:cs typeface="Arial" panose="020B0604020202020204" pitchFamily="34" charset="0"/>
-              </a:rPr>
-              <a:t>addressExchangestart</a:t>
-            </a:r>
-            <a:endParaRPr lang="fr-FR" sz="1300" dirty="0">
-              <a:latin typeface="Arial" panose="020B0604020202020204" pitchFamily="34" charset="0"/>
-              <a:cs typeface="Arial" panose="020B0604020202020204" pitchFamily="34" charset="0"/>
-            </a:endParaRPr>
-          </a:p>
-          <a:p>
-            <a:pPr marL="0" indent="0">
-              <a:buNone/>
-            </a:pPr>
-            <a:r>
-              <a:rPr lang="fr-FR" sz="1300" dirty="0">
-                <a:latin typeface="Arial" panose="020B0604020202020204" pitchFamily="34" charset="0"/>
-                <a:cs typeface="Arial" panose="020B0604020202020204" pitchFamily="34" charset="0"/>
-              </a:rPr>
-              <a:t>0x0000000000000000000000000000000000000000000000000000000000000000</a:t>
-            </a:r>
-          </a:p>
-          <a:p>
-            <a:pPr marL="0" indent="0">
-              <a:buNone/>
-            </a:pPr>
-            <a:r>
-              <a:rPr lang="fr-FR" sz="1300" dirty="0">
-                <a:latin typeface="Arial" panose="020B0604020202020204" pitchFamily="34" charset="0"/>
-                <a:cs typeface="Arial" panose="020B0604020202020204" pitchFamily="34" charset="0"/>
-              </a:rPr>
-              <a:t>0x0000000000000000000000000000000000000000000000000000000000000000</a:t>
-            </a:r>
-          </a:p>
-          <a:p>
-            <a:endParaRPr lang="fr-FR" sz="2000" dirty="0">
-              <a:latin typeface="Arial" panose="020B0604020202020204" pitchFamily="34" charset="0"/>
-              <a:cs typeface="Arial" panose="020B0604020202020204" pitchFamily="34" charset="0"/>
-            </a:endParaRPr>
-          </a:p>
-          <a:p>
-            <a:endParaRPr lang="fr-FR" sz="2000" dirty="0">
-              <a:latin typeface="Arial" panose="020B0604020202020204" pitchFamily="34" charset="0"/>
-              <a:cs typeface="Arial" panose="020B0604020202020204" pitchFamily="34" charset="0"/>
-            </a:endParaRPr>
-          </a:p>
-        </p:txBody>
-      </p:sp>
-    </p:spTree>
-    <p:extLst>
-      <p:ext uri="{BB962C8B-B14F-4D97-AF65-F5344CB8AC3E}">
-        <p14:creationId xmlns:p14="http://schemas.microsoft.com/office/powerpoint/2010/main" val="1566991616"/>
-      </p:ext>
-    </p:extLst>
-  </p:cSld>
-  <p:clrMapOvr>
-    <a:masterClrMapping/>
-  </p:clrMapOvr>
-</p:sld>
-</file>
-
-<file path=ppt/slides/slide25.xml><?xml version="1.0" encoding="utf-8"?>
-<p:sld xmlns:a="http://schemas.openxmlformats.org/drawingml/2006/main" xmlns:r="http://schemas.openxmlformats.org/officeDocument/2006/relationships" xmlns:p="http://schemas.openxmlformats.org/presentationml/2006/main">
-  <p:cSld>
-    <p:spTree>
-      <p:nvGrpSpPr>
-        <p:cNvPr id="1" name=""/>
-        <p:cNvGrpSpPr/>
-        <p:nvPr/>
-      </p:nvGrpSpPr>
-      <p:grpSpPr>
-        <a:xfrm>
-          <a:off x="0" y="0"/>
-          <a:ext cx="0" cy="0"/>
-          <a:chOff x="0" y="0"/>
-          <a:chExt cx="0" cy="0"/>
-        </a:xfrm>
-      </p:grpSpPr>
-      <p:grpSp>
-        <p:nvGrpSpPr>
-          <p:cNvPr id="5" name="Groupe 4">
-            <a:extLst>
-              <a:ext uri="{FF2B5EF4-FFF2-40B4-BE49-F238E27FC236}">
-                <a16:creationId xmlns:a16="http://schemas.microsoft.com/office/drawing/2014/main" id="{683EB327-9545-2F3C-52EB-91B2E5B1E7E1}"/>
-              </a:ext>
-            </a:extLst>
-          </p:cNvPr>
-          <p:cNvGrpSpPr/>
-          <p:nvPr/>
-        </p:nvGrpSpPr>
-        <p:grpSpPr>
-          <a:xfrm>
-            <a:off x="987245" y="177434"/>
-            <a:ext cx="6278555" cy="774274"/>
-            <a:chOff x="567691" y="386935"/>
-            <a:chExt cx="6278555" cy="774274"/>
-          </a:xfrm>
-        </p:grpSpPr>
-        <p:sp>
-          <p:nvSpPr>
-            <p:cNvPr id="6" name="Rectangle 5">
-              <a:extLst>
-                <a:ext uri="{FF2B5EF4-FFF2-40B4-BE49-F238E27FC236}">
-                  <a16:creationId xmlns:a16="http://schemas.microsoft.com/office/drawing/2014/main" id="{12C5A2F4-1A68-3EFC-7E6E-C845D6D66EB1}"/>
-                </a:ext>
-              </a:extLst>
-            </p:cNvPr>
-            <p:cNvSpPr/>
-            <p:nvPr/>
-          </p:nvSpPr>
-          <p:spPr>
-            <a:xfrm>
-              <a:off x="567691" y="386935"/>
-              <a:ext cx="6278555" cy="774274"/>
-            </a:xfrm>
-            <a:prstGeom prst="rect">
-              <a:avLst/>
-            </a:prstGeom>
-          </p:spPr>
-          <p:style>
-            <a:lnRef idx="2">
-              <a:schemeClr val="lt1">
-                <a:hueOff val="0"/>
-                <a:satOff val="0"/>
-                <a:lumOff val="0"/>
-                <a:alphaOff val="0"/>
-              </a:schemeClr>
-            </a:lnRef>
-            <a:fillRef idx="1">
-              <a:schemeClr val="accent1">
-                <a:hueOff val="0"/>
-                <a:satOff val="0"/>
-                <a:lumOff val="0"/>
-                <a:alphaOff val="0"/>
-              </a:schemeClr>
-            </a:fillRef>
-            <a:effectRef idx="0">
-              <a:schemeClr val="accent1">
-                <a:hueOff val="0"/>
-                <a:satOff val="0"/>
-                <a:lumOff val="0"/>
-                <a:alphaOff val="0"/>
-              </a:schemeClr>
-            </a:effectRef>
-            <a:fontRef idx="minor">
-              <a:schemeClr val="lt1"/>
-            </a:fontRef>
-          </p:style>
-        </p:sp>
-        <p:sp>
-          <p:nvSpPr>
-            <p:cNvPr id="7" name="ZoneTexte 6">
-              <a:extLst>
-                <a:ext uri="{FF2B5EF4-FFF2-40B4-BE49-F238E27FC236}">
-                  <a16:creationId xmlns:a16="http://schemas.microsoft.com/office/drawing/2014/main" id="{FF9E783A-14FF-F7EB-9CC5-4E4DE71E1DA3}"/>
-                </a:ext>
-              </a:extLst>
-            </p:cNvPr>
-            <p:cNvSpPr txBox="1"/>
-            <p:nvPr/>
-          </p:nvSpPr>
-          <p:spPr>
-            <a:xfrm>
-              <a:off x="567691" y="386935"/>
-              <a:ext cx="6278555" cy="774274"/>
-            </a:xfrm>
-            <a:prstGeom prst="rect">
-              <a:avLst/>
-            </a:prstGeom>
-          </p:spPr>
-          <p:style>
-            <a:lnRef idx="0">
-              <a:scrgbClr r="0" g="0" b="0"/>
-            </a:lnRef>
-            <a:fillRef idx="0">
-              <a:scrgbClr r="0" g="0" b="0"/>
-            </a:fillRef>
-            <a:effectRef idx="0">
-              <a:scrgbClr r="0" g="0" b="0"/>
-            </a:effectRef>
-            <a:fontRef idx="minor">
-              <a:schemeClr val="lt1"/>
-            </a:fontRef>
-          </p:style>
-          <p:txBody>
-            <a:bodyPr spcFirstLastPara="0" vert="horz" wrap="square" lIns="614580" tIns="71120" rIns="71120" bIns="71120" numCol="1" spcCol="1270" anchor="ctr" anchorCtr="0">
-              <a:noAutofit/>
-            </a:bodyPr>
-            <a:lstStyle/>
-            <a:p>
-              <a:pPr defTabSz="1244600">
-                <a:lnSpc>
-                  <a:spcPct val="90000"/>
-                </a:lnSpc>
-                <a:spcBef>
-                  <a:spcPct val="0"/>
-                </a:spcBef>
-                <a:spcAft>
-                  <a:spcPct val="35000"/>
-                </a:spcAft>
-              </a:pPr>
-              <a:r>
-                <a:rPr lang="fr-FR" sz="2800" dirty="0"/>
-                <a:t>Notes</a:t>
-              </a:r>
-            </a:p>
-          </p:txBody>
-        </p:sp>
-      </p:grpSp>
-      <p:sp>
-        <p:nvSpPr>
-          <p:cNvPr id="8" name="Ellipse 7">
-            <a:extLst>
-              <a:ext uri="{FF2B5EF4-FFF2-40B4-BE49-F238E27FC236}">
-                <a16:creationId xmlns:a16="http://schemas.microsoft.com/office/drawing/2014/main" id="{A97470D7-CABE-9601-7738-29139EB550C9}"/>
-              </a:ext>
-            </a:extLst>
-          </p:cNvPr>
-          <p:cNvSpPr/>
-          <p:nvPr/>
-        </p:nvSpPr>
-        <p:spPr>
-          <a:xfrm>
-            <a:off x="332880" y="80650"/>
-            <a:ext cx="967842" cy="967842"/>
-          </a:xfrm>
-          <a:prstGeom prst="ellipse">
-            <a:avLst/>
-          </a:prstGeom>
-        </p:spPr>
-        <p:style>
-          <a:lnRef idx="2">
-            <a:schemeClr val="accent1">
-              <a:hueOff val="0"/>
-              <a:satOff val="0"/>
-              <a:lumOff val="0"/>
-              <a:alphaOff val="0"/>
-            </a:schemeClr>
-          </a:lnRef>
-          <a:fillRef idx="1">
-            <a:schemeClr val="lt1">
-              <a:hueOff val="0"/>
-              <a:satOff val="0"/>
-              <a:lumOff val="0"/>
-              <a:alphaOff val="0"/>
-            </a:schemeClr>
-          </a:fillRef>
-          <a:effectRef idx="0">
-            <a:schemeClr val="lt1">
-              <a:hueOff val="0"/>
-              <a:satOff val="0"/>
-              <a:lumOff val="0"/>
-              <a:alphaOff val="0"/>
-            </a:schemeClr>
-          </a:effectRef>
-          <a:fontRef idx="minor">
-            <a:schemeClr val="dk1">
-              <a:hueOff val="0"/>
-              <a:satOff val="0"/>
-              <a:lumOff val="0"/>
-              <a:alphaOff val="0"/>
-            </a:schemeClr>
-          </a:fontRef>
-        </p:style>
-      </p:sp>
-      <p:pic>
-        <p:nvPicPr>
-          <p:cNvPr id="9" name="Picture 2">
-            <a:extLst>
-              <a:ext uri="{FF2B5EF4-FFF2-40B4-BE49-F238E27FC236}">
-                <a16:creationId xmlns:a16="http://schemas.microsoft.com/office/drawing/2014/main" id="{5FC67445-7410-F5FF-B004-2550DF1F8B45}"/>
-              </a:ext>
-            </a:extLst>
-          </p:cNvPr>
-          <p:cNvPicPr>
-            <a:picLocks noChangeAspect="1" noChangeArrowheads="1"/>
-          </p:cNvPicPr>
-          <p:nvPr/>
-        </p:nvPicPr>
-        <p:blipFill>
-          <a:blip r:embed="rId2">
-            <a:extLst>
-              <a:ext uri="{28A0092B-C50C-407E-A947-70E740481C1C}">
-                <a14:useLocalDpi xmlns:a14="http://schemas.microsoft.com/office/drawing/2010/main" val="0"/>
-              </a:ext>
-            </a:extLst>
-          </a:blip>
-          <a:srcRect/>
-          <a:stretch>
-            <a:fillRect/>
-          </a:stretch>
-        </p:blipFill>
-        <p:spPr bwMode="auto">
-          <a:xfrm>
-            <a:off x="11139855" y="138384"/>
-            <a:ext cx="927136" cy="1050756"/>
-          </a:xfrm>
-          <a:prstGeom prst="rect">
-            <a:avLst/>
-          </a:prstGeom>
-          <a:noFill/>
-          <a:ln>
-            <a:noFill/>
-          </a:ln>
-          <a:extLst>
-            <a:ext uri="{909E8E84-426E-40DD-AFC4-6F175D3DCCD1}">
-              <a14:hiddenFill xmlns:a14="http://schemas.microsoft.com/office/drawing/2010/main">
-                <a:solidFill>
-                  <a:srgbClr val="FFFFFF"/>
-                </a:solidFill>
-              </a14:hiddenFill>
-            </a:ext>
-            <a:ext uri="{91240B29-F687-4F45-9708-019B960494DF}">
-              <a14:hiddenLine xmlns:a14="http://schemas.microsoft.com/office/drawing/2010/main" w="9525">
-                <a:solidFill>
-                  <a:srgbClr val="000000"/>
-                </a:solidFill>
-                <a:miter lim="800000"/>
-                <a:headEnd/>
-                <a:tailEnd/>
-              </a14:hiddenLine>
-            </a:ext>
-          </a:extLst>
-        </p:spPr>
-      </p:pic>
-      <p:sp>
-        <p:nvSpPr>
-          <p:cNvPr id="2" name="Sous-titre 2">
-            <a:extLst>
-              <a:ext uri="{FF2B5EF4-FFF2-40B4-BE49-F238E27FC236}">
                 <a16:creationId xmlns:a16="http://schemas.microsoft.com/office/drawing/2014/main" id="{C1F3EE86-C464-319E-F7F6-594F627B0EE3}"/>
               </a:ext>
             </a:extLst>
@@ -20974,8 +19699,8 @@
         </p:nvSpPr>
         <p:spPr>
           <a:xfrm>
-            <a:off x="1117601" y="1419225"/>
-            <a:ext cx="9607550" cy="5108575"/>
+            <a:off x="1724025" y="1419225"/>
+            <a:ext cx="7973890" cy="2792290"/>
           </a:xfrm>
           <a:prstGeom prst="rect">
             <a:avLst/>
@@ -21150,547 +19875,33 @@
             </a:lvl9pPr>
           </a:lstStyle>
           <a:p>
-            <a:pPr marL="0" indent="0">
+            <a:pPr marL="0" indent="0" algn="ctr">
               <a:buNone/>
             </a:pPr>
-            <a:r>
-              <a:rPr lang="fr-FR" sz="1300" dirty="0">
-                <a:latin typeface="Arial" panose="020B0604020202020204" pitchFamily="34" charset="0"/>
-                <a:cs typeface="Arial" panose="020B0604020202020204" pitchFamily="34" charset="0"/>
-              </a:rPr>
-              <a:t>IPFS : </a:t>
-            </a:r>
-            <a:r>
-              <a:rPr lang="fr-FR" sz="1300" b="0" i="0" dirty="0">
-                <a:solidFill>
-                  <a:srgbClr val="202122"/>
-                </a:solidFill>
-                <a:effectLst/>
-                <a:latin typeface="Arial" panose="020B0604020202020204" pitchFamily="34" charset="0"/>
-                <a:cs typeface="Arial" panose="020B0604020202020204" pitchFamily="34" charset="0"/>
-              </a:rPr>
-              <a:t>Le </a:t>
-            </a:r>
-            <a:r>
-              <a:rPr lang="fr-FR" sz="1300" b="1" i="0" dirty="0">
-                <a:solidFill>
-                  <a:srgbClr val="202122"/>
-                </a:solidFill>
-                <a:effectLst/>
-                <a:latin typeface="Arial" panose="020B0604020202020204" pitchFamily="34" charset="0"/>
-                <a:cs typeface="Arial" panose="020B0604020202020204" pitchFamily="34" charset="0"/>
-              </a:rPr>
-              <a:t>système de fichier interplanétaire</a:t>
-            </a:r>
-            <a:r>
-              <a:rPr lang="fr-FR" sz="1300" b="0" i="0" dirty="0">
-                <a:solidFill>
-                  <a:srgbClr val="202122"/>
-                </a:solidFill>
-                <a:effectLst/>
-                <a:latin typeface="Arial" panose="020B0604020202020204" pitchFamily="34" charset="0"/>
-                <a:cs typeface="Arial" panose="020B0604020202020204" pitchFamily="34" charset="0"/>
-              </a:rPr>
-              <a:t> (</a:t>
-            </a:r>
-            <a:r>
-              <a:rPr lang="fr-FR" sz="1300" b="0" i="1" dirty="0" err="1">
-                <a:solidFill>
-                  <a:srgbClr val="202122"/>
-                </a:solidFill>
-                <a:effectLst/>
-                <a:latin typeface="Arial" panose="020B0604020202020204" pitchFamily="34" charset="0"/>
-                <a:cs typeface="Arial" panose="020B0604020202020204" pitchFamily="34" charset="0"/>
-              </a:rPr>
-              <a:t>InterPlanetary</a:t>
-            </a:r>
-            <a:r>
-              <a:rPr lang="fr-FR" sz="1300" b="0" i="1" dirty="0">
-                <a:solidFill>
-                  <a:srgbClr val="202122"/>
-                </a:solidFill>
-                <a:effectLst/>
-                <a:latin typeface="Arial" panose="020B0604020202020204" pitchFamily="34" charset="0"/>
-                <a:cs typeface="Arial" panose="020B0604020202020204" pitchFamily="34" charset="0"/>
-              </a:rPr>
-              <a:t> File System</a:t>
-            </a:r>
-            <a:r>
-              <a:rPr lang="fr-FR" sz="1300" b="0" i="0" dirty="0">
-                <a:solidFill>
-                  <a:srgbClr val="202122"/>
-                </a:solidFill>
-                <a:effectLst/>
-                <a:latin typeface="Arial" panose="020B0604020202020204" pitchFamily="34" charset="0"/>
-                <a:cs typeface="Arial" panose="020B0604020202020204" pitchFamily="34" charset="0"/>
-              </a:rPr>
-              <a:t> (</a:t>
-            </a:r>
-            <a:r>
-              <a:rPr lang="fr-FR" sz="1300" b="1" i="0" dirty="0">
-                <a:solidFill>
-                  <a:srgbClr val="202122"/>
-                </a:solidFill>
-                <a:effectLst/>
-                <a:latin typeface="Arial" panose="020B0604020202020204" pitchFamily="34" charset="0"/>
-                <a:cs typeface="Arial" panose="020B0604020202020204" pitchFamily="34" charset="0"/>
-              </a:rPr>
-              <a:t>IPFS</a:t>
-            </a:r>
-            <a:r>
-              <a:rPr lang="fr-FR" sz="1300" b="0" i="0" dirty="0">
-                <a:solidFill>
-                  <a:srgbClr val="202122"/>
-                </a:solidFill>
-                <a:effectLst/>
-                <a:latin typeface="Arial" panose="020B0604020202020204" pitchFamily="34" charset="0"/>
-                <a:cs typeface="Arial" panose="020B0604020202020204" pitchFamily="34" charset="0"/>
-              </a:rPr>
-              <a:t>)), est un protocole </a:t>
-            </a:r>
-            <a:r>
-              <a:rPr lang="fr-FR" sz="1300" b="0" i="0" u="none" strike="noStrike" dirty="0">
-                <a:solidFill>
-                  <a:srgbClr val="3366CC"/>
-                </a:solidFill>
-                <a:effectLst/>
-                <a:latin typeface="Arial" panose="020B0604020202020204" pitchFamily="34" charset="0"/>
-                <a:cs typeface="Arial" panose="020B0604020202020204" pitchFamily="34" charset="0"/>
-              </a:rPr>
-              <a:t>pair à pair</a:t>
-            </a:r>
-            <a:r>
-              <a:rPr lang="fr-FR" sz="1300" b="0" i="0" dirty="0">
-                <a:solidFill>
-                  <a:srgbClr val="202122"/>
-                </a:solidFill>
-                <a:effectLst/>
-                <a:latin typeface="Arial" panose="020B0604020202020204" pitchFamily="34" charset="0"/>
-                <a:cs typeface="Arial" panose="020B0604020202020204" pitchFamily="34" charset="0"/>
-              </a:rPr>
-              <a:t> de distribution de contenu adressable par </a:t>
-            </a:r>
-            <a:r>
-              <a:rPr lang="fr-FR" sz="1300" b="0" i="0" u="none" strike="noStrike" dirty="0">
-                <a:solidFill>
-                  <a:srgbClr val="3366CC"/>
-                </a:solidFill>
-                <a:effectLst/>
-                <a:latin typeface="Arial" panose="020B0604020202020204" pitchFamily="34" charset="0"/>
-                <a:cs typeface="Arial" panose="020B0604020202020204" pitchFamily="34" charset="0"/>
-              </a:rPr>
-              <a:t>hypermédia</a:t>
-            </a:r>
-            <a:br>
-              <a:rPr lang="fr-FR" sz="1300" b="0" i="0" u="none" strike="noStrike" dirty="0">
-                <a:solidFill>
-                  <a:srgbClr val="3366CC"/>
-                </a:solidFill>
-                <a:effectLst/>
-                <a:latin typeface="Arial" panose="020B0604020202020204" pitchFamily="34" charset="0"/>
-                <a:cs typeface="Arial" panose="020B0604020202020204" pitchFamily="34" charset="0"/>
-              </a:rPr>
-            </a:br>
-            <a:endParaRPr lang="fr-FR" sz="1300" dirty="0">
+            <a:endParaRPr lang="fr-FR" sz="4000" dirty="0">
               <a:latin typeface="Arial" panose="020B0604020202020204" pitchFamily="34" charset="0"/>
               <a:cs typeface="Arial" panose="020B0604020202020204" pitchFamily="34" charset="0"/>
             </a:endParaRPr>
           </a:p>
           <a:p>
-            <a:pPr marL="0" indent="0">
+            <a:pPr marL="0" indent="0" algn="ctr">
               <a:buNone/>
             </a:pPr>
-            <a:r>
-              <a:rPr lang="fr-FR" sz="1200" b="0" i="0" dirty="0">
-                <a:solidFill>
-                  <a:srgbClr val="222222"/>
-                </a:solidFill>
-                <a:effectLst/>
-                <a:latin typeface="Arial" panose="020B0604020202020204" pitchFamily="34" charset="0"/>
-                <a:cs typeface="Arial" panose="020B0604020202020204" pitchFamily="34" charset="0"/>
-              </a:rPr>
-              <a:t>Les fonctions de hachage – notamment </a:t>
-            </a:r>
-            <a:r>
-              <a:rPr lang="fr-FR" sz="1200" b="0" i="1" dirty="0">
-                <a:solidFill>
-                  <a:srgbClr val="222222"/>
-                </a:solidFill>
-                <a:effectLst/>
-                <a:latin typeface="Arial" panose="020B0604020202020204" pitchFamily="34" charset="0"/>
-                <a:cs typeface="Arial" panose="020B0604020202020204" pitchFamily="34" charset="0"/>
-              </a:rPr>
-              <a:t>SHA-256 </a:t>
-            </a:r>
-            <a:r>
-              <a:rPr lang="fr-FR" sz="1200" b="0" i="0" dirty="0">
-                <a:solidFill>
-                  <a:srgbClr val="222222"/>
-                </a:solidFill>
-                <a:effectLst/>
-                <a:latin typeface="Arial" panose="020B0604020202020204" pitchFamily="34" charset="0"/>
-                <a:cs typeface="Arial" panose="020B0604020202020204" pitchFamily="34" charset="0"/>
-              </a:rPr>
-              <a:t>sont des fonctions mathématiques qui permettent de transformer une chaine de caractères de longueur indifférente en une autre chaine de longueur fixe (</a:t>
-            </a:r>
-            <a:r>
-              <a:rPr lang="fr-FR" sz="1200" b="1" i="0" dirty="0">
-                <a:solidFill>
-                  <a:srgbClr val="222222"/>
-                </a:solidFill>
-                <a:effectLst/>
-                <a:latin typeface="Arial" panose="020B0604020202020204" pitchFamily="34" charset="0"/>
-                <a:cs typeface="Arial" panose="020B0604020202020204" pitchFamily="34" charset="0"/>
-              </a:rPr>
-              <a:t>256 bits, soit 64 caractères </a:t>
-            </a:r>
-            <a:r>
-              <a:rPr lang="fr-FR" sz="1200" b="1" i="0" dirty="0">
-                <a:solidFill>
-                  <a:srgbClr val="000000"/>
-                </a:solidFill>
-                <a:effectLst/>
-                <a:latin typeface="Arial" panose="020B0604020202020204" pitchFamily="34" charset="0"/>
-                <a:cs typeface="Arial" panose="020B0604020202020204" pitchFamily="34" charset="0"/>
-              </a:rPr>
-              <a:t>hexadécimaux </a:t>
-            </a:r>
-            <a:r>
-              <a:rPr lang="fr-FR" sz="1200" b="0" i="0" dirty="0">
-                <a:solidFill>
-                  <a:srgbClr val="000000"/>
-                </a:solidFill>
-                <a:effectLst/>
-                <a:latin typeface="Arial" panose="020B0604020202020204" pitchFamily="34" charset="0"/>
-                <a:cs typeface="Arial" panose="020B0604020202020204" pitchFamily="34" charset="0"/>
-              </a:rPr>
-              <a:t>(sur 4bits) utilisant donc les caractères 0123456789abcdef</a:t>
-            </a:r>
-            <a:br>
-              <a:rPr lang="fr-FR" sz="1200" b="0" i="0" dirty="0">
-                <a:solidFill>
-                  <a:srgbClr val="000000"/>
-                </a:solidFill>
-                <a:effectLst/>
-                <a:latin typeface="Arial" panose="020B0604020202020204" pitchFamily="34" charset="0"/>
-                <a:cs typeface="Arial" panose="020B0604020202020204" pitchFamily="34" charset="0"/>
-              </a:rPr>
-            </a:br>
-            <a:r>
-              <a:rPr lang="fr-FR" sz="1200" b="1" i="0" dirty="0">
-                <a:solidFill>
-                  <a:srgbClr val="4C4C4C"/>
-                </a:solidFill>
-                <a:effectLst/>
-                <a:latin typeface="Arial" panose="020B0604020202020204" pitchFamily="34" charset="0"/>
-                <a:cs typeface="Arial" panose="020B0604020202020204" pitchFamily="34" charset="0"/>
-              </a:rPr>
-              <a:t>Keccak-256</a:t>
-            </a:r>
-            <a:endParaRPr lang="fr-FR" sz="1200" b="1" dirty="0">
-              <a:solidFill>
-                <a:srgbClr val="000000"/>
-              </a:solidFill>
+            <a:endParaRPr lang="fr-FR" sz="4000" dirty="0">
               <a:latin typeface="Arial" panose="020B0604020202020204" pitchFamily="34" charset="0"/>
               <a:cs typeface="Arial" panose="020B0604020202020204" pitchFamily="34" charset="0"/>
             </a:endParaRPr>
           </a:p>
           <a:p>
-            <a:pPr marL="0" indent="0">
+            <a:pPr marL="0" indent="0" algn="ctr">
               <a:buNone/>
             </a:pPr>
             <a:r>
-              <a:rPr lang="fr-FR" sz="1300" dirty="0">
+              <a:rPr lang="fr-FR" sz="4000" dirty="0">
                 <a:latin typeface="Arial" panose="020B0604020202020204" pitchFamily="34" charset="0"/>
                 <a:cs typeface="Arial" panose="020B0604020202020204" pitchFamily="34" charset="0"/>
               </a:rPr>
-              <a:t>Checks-</a:t>
-            </a:r>
-            <a:r>
-              <a:rPr lang="fr-FR" sz="1300" dirty="0" err="1">
-                <a:latin typeface="Arial" panose="020B0604020202020204" pitchFamily="34" charset="0"/>
-                <a:cs typeface="Arial" panose="020B0604020202020204" pitchFamily="34" charset="0"/>
-              </a:rPr>
-              <a:t>Effects</a:t>
-            </a:r>
-            <a:r>
-              <a:rPr lang="fr-FR" sz="1300" dirty="0">
-                <a:latin typeface="Arial" panose="020B0604020202020204" pitchFamily="34" charset="0"/>
-                <a:cs typeface="Arial" panose="020B0604020202020204" pitchFamily="34" charset="0"/>
-              </a:rPr>
-              <a:t>-Interactions</a:t>
-            </a:r>
-          </a:p>
-          <a:p>
-            <a:pPr marL="0" indent="0">
-              <a:buNone/>
-            </a:pPr>
-            <a:r>
-              <a:rPr lang="fr-FR" sz="1300" dirty="0">
-                <a:latin typeface="Arial" panose="020B0604020202020204" pitchFamily="34" charset="0"/>
-                <a:cs typeface="Arial" panose="020B0604020202020204" pitchFamily="34" charset="0"/>
-              </a:rPr>
-              <a:t>N’utilisez jamais </a:t>
-            </a:r>
-            <a:r>
-              <a:rPr lang="fr-FR" sz="1300" dirty="0" err="1">
-                <a:latin typeface="Arial" panose="020B0604020202020204" pitchFamily="34" charset="0"/>
-                <a:cs typeface="Arial" panose="020B0604020202020204" pitchFamily="34" charset="0"/>
-              </a:rPr>
-              <a:t>tx.origin</a:t>
-            </a:r>
-            <a:r>
-              <a:rPr lang="fr-FR" sz="1300" dirty="0">
-                <a:latin typeface="Arial" panose="020B0604020202020204" pitchFamily="34" charset="0"/>
-                <a:cs typeface="Arial" panose="020B0604020202020204" pitchFamily="34" charset="0"/>
-              </a:rPr>
-              <a:t> pour l’autorisation mais </a:t>
-            </a:r>
-            <a:r>
-              <a:rPr lang="fr-FR" sz="1300" dirty="0" err="1">
-                <a:latin typeface="Arial" panose="020B0604020202020204" pitchFamily="34" charset="0"/>
-                <a:cs typeface="Arial" panose="020B0604020202020204" pitchFamily="34" charset="0"/>
-              </a:rPr>
-              <a:t>msg.sender</a:t>
-            </a:r>
-            <a:endParaRPr lang="fr-FR" sz="1300" dirty="0">
-              <a:latin typeface="Arial" panose="020B0604020202020204" pitchFamily="34" charset="0"/>
-              <a:cs typeface="Arial" panose="020B0604020202020204" pitchFamily="34" charset="0"/>
-            </a:endParaRPr>
-          </a:p>
-          <a:p>
-            <a:pPr marL="0" indent="0">
-              <a:buNone/>
-            </a:pPr>
-            <a:r>
-              <a:rPr lang="fr-FR" sz="1300" dirty="0">
-                <a:latin typeface="Arial" panose="020B0604020202020204" pitchFamily="34" charset="0"/>
-                <a:cs typeface="Arial" panose="020B0604020202020204" pitchFamily="34" charset="0"/>
-              </a:rPr>
-              <a:t>Le code suivant provoque un dépassement de capacité parce que le résultat de l’addition est trop grand pour être stocké dans le type uint8 :</a:t>
-            </a:r>
-            <a:br>
-              <a:rPr lang="fr-FR" sz="1300" dirty="0">
-                <a:latin typeface="Arial" panose="020B0604020202020204" pitchFamily="34" charset="0"/>
-                <a:cs typeface="Arial" panose="020B0604020202020204" pitchFamily="34" charset="0"/>
-              </a:rPr>
-            </a:br>
-            <a:r>
-              <a:rPr lang="fr-FR" sz="1300" dirty="0">
-                <a:latin typeface="Arial" panose="020B0604020202020204" pitchFamily="34" charset="0"/>
-                <a:cs typeface="Arial" panose="020B0604020202020204" pitchFamily="34" charset="0"/>
-              </a:rPr>
-              <a:t>uint8 x = 255;</a:t>
-            </a:r>
-            <a:br>
-              <a:rPr lang="fr-FR" sz="1300" dirty="0">
-                <a:latin typeface="Arial" panose="020B0604020202020204" pitchFamily="34" charset="0"/>
-                <a:cs typeface="Arial" panose="020B0604020202020204" pitchFamily="34" charset="0"/>
-              </a:rPr>
-            </a:br>
-            <a:r>
-              <a:rPr lang="fr-FR" sz="1300" dirty="0">
-                <a:latin typeface="Arial" panose="020B0604020202020204" pitchFamily="34" charset="0"/>
-                <a:cs typeface="Arial" panose="020B0604020202020204" pitchFamily="34" charset="0"/>
-              </a:rPr>
-              <a:t>uint8 y = 1;</a:t>
-            </a:r>
-            <a:br>
-              <a:rPr lang="fr-FR" sz="1300" dirty="0">
-                <a:latin typeface="Arial" panose="020B0604020202020204" pitchFamily="34" charset="0"/>
-                <a:cs typeface="Arial" panose="020B0604020202020204" pitchFamily="34" charset="0"/>
-              </a:rPr>
-            </a:br>
-            <a:r>
-              <a:rPr lang="fr-FR" sz="1300" dirty="0">
-                <a:latin typeface="Arial" panose="020B0604020202020204" pitchFamily="34" charset="0"/>
-                <a:cs typeface="Arial" panose="020B0604020202020204" pitchFamily="34" charset="0"/>
-              </a:rPr>
-              <a:t>return x + y;</a:t>
-            </a:r>
-            <a:br>
-              <a:rPr lang="fr-FR" sz="1300" dirty="0">
-                <a:latin typeface="Arial" panose="020B0604020202020204" pitchFamily="34" charset="0"/>
-                <a:cs typeface="Arial" panose="020B0604020202020204" pitchFamily="34" charset="0"/>
-              </a:rPr>
-            </a:br>
-            <a:endParaRPr lang="fr-FR" sz="1300" dirty="0">
-              <a:latin typeface="Arial" panose="020B0604020202020204" pitchFamily="34" charset="0"/>
-              <a:cs typeface="Arial" panose="020B0604020202020204" pitchFamily="34" charset="0"/>
-            </a:endParaRPr>
-          </a:p>
-          <a:p>
-            <a:pPr marL="0" indent="0">
-              <a:buNone/>
-            </a:pPr>
-            <a:r>
-              <a:rPr lang="fr-FR" sz="1200" dirty="0" err="1">
-                <a:latin typeface="Arial" panose="020B0604020202020204" pitchFamily="34" charset="0"/>
-                <a:cs typeface="Arial" panose="020B0604020202020204" pitchFamily="34" charset="0"/>
-              </a:rPr>
-              <a:t>const</a:t>
-            </a:r>
-            <a:r>
-              <a:rPr lang="fr-FR" sz="1200" dirty="0">
-                <a:latin typeface="Arial" panose="020B0604020202020204" pitchFamily="34" charset="0"/>
-                <a:cs typeface="Arial" panose="020B0604020202020204" pitchFamily="34" charset="0"/>
-              </a:rPr>
-              <a:t> provider = new ethers.providers.Web3Provider(</a:t>
-            </a:r>
-            <a:r>
-              <a:rPr lang="fr-FR" sz="1200" dirty="0" err="1">
-                <a:latin typeface="Arial" panose="020B0604020202020204" pitchFamily="34" charset="0"/>
-                <a:cs typeface="Arial" panose="020B0604020202020204" pitchFamily="34" charset="0"/>
-              </a:rPr>
-              <a:t>window.ethereum</a:t>
-            </a:r>
-            <a:r>
-              <a:rPr lang="fr-FR" sz="1200" dirty="0">
-                <a:latin typeface="Arial" panose="020B0604020202020204" pitchFamily="34" charset="0"/>
-                <a:cs typeface="Arial" panose="020B0604020202020204" pitchFamily="34" charset="0"/>
-              </a:rPr>
-              <a:t>);</a:t>
-            </a:r>
-          </a:p>
-          <a:p>
-            <a:pPr marL="0" indent="0">
-              <a:buNone/>
-            </a:pPr>
-            <a:r>
-              <a:rPr lang="fr-FR" sz="1200" dirty="0" err="1">
-                <a:latin typeface="Arial" panose="020B0604020202020204" pitchFamily="34" charset="0"/>
-                <a:cs typeface="Arial" panose="020B0604020202020204" pitchFamily="34" charset="0"/>
-              </a:rPr>
-              <a:t>await</a:t>
-            </a:r>
-            <a:r>
-              <a:rPr lang="fr-FR" sz="1200" dirty="0">
-                <a:latin typeface="Arial" panose="020B0604020202020204" pitchFamily="34" charset="0"/>
-                <a:cs typeface="Arial" panose="020B0604020202020204" pitchFamily="34" charset="0"/>
-              </a:rPr>
-              <a:t> </a:t>
-            </a:r>
-            <a:r>
-              <a:rPr lang="fr-FR" sz="1200" dirty="0" err="1">
-                <a:latin typeface="Arial" panose="020B0604020202020204" pitchFamily="34" charset="0"/>
-                <a:cs typeface="Arial" panose="020B0604020202020204" pitchFamily="34" charset="0"/>
-              </a:rPr>
-              <a:t>provider.send</a:t>
-            </a:r>
-            <a:r>
-              <a:rPr lang="fr-FR" sz="1200" dirty="0">
-                <a:latin typeface="Arial" panose="020B0604020202020204" pitchFamily="34" charset="0"/>
-                <a:cs typeface="Arial" panose="020B0604020202020204" pitchFamily="34" charset="0"/>
-              </a:rPr>
-              <a:t>("</a:t>
-            </a:r>
-            <a:r>
-              <a:rPr lang="fr-FR" sz="1200" dirty="0" err="1">
-                <a:latin typeface="Arial" panose="020B0604020202020204" pitchFamily="34" charset="0"/>
-                <a:cs typeface="Arial" panose="020B0604020202020204" pitchFamily="34" charset="0"/>
-              </a:rPr>
-              <a:t>eth_requestAccounts</a:t>
-            </a:r>
-            <a:r>
-              <a:rPr lang="fr-FR" sz="1200" dirty="0">
-                <a:latin typeface="Arial" panose="020B0604020202020204" pitchFamily="34" charset="0"/>
-                <a:cs typeface="Arial" panose="020B0604020202020204" pitchFamily="34" charset="0"/>
-              </a:rPr>
-              <a:t>",[]) ;</a:t>
-            </a:r>
-          </a:p>
-          <a:p>
-            <a:pPr marL="0" indent="0">
-              <a:buNone/>
-            </a:pPr>
-            <a:r>
-              <a:rPr lang="fr-FR" sz="1200" dirty="0" err="1">
-                <a:latin typeface="Arial" panose="020B0604020202020204" pitchFamily="34" charset="0"/>
-                <a:cs typeface="Arial" panose="020B0604020202020204" pitchFamily="34" charset="0"/>
-              </a:rPr>
-              <a:t>const</a:t>
-            </a:r>
-            <a:r>
-              <a:rPr lang="fr-FR" sz="1200" dirty="0">
-                <a:latin typeface="Arial" panose="020B0604020202020204" pitchFamily="34" charset="0"/>
-                <a:cs typeface="Arial" panose="020B0604020202020204" pitchFamily="34" charset="0"/>
-              </a:rPr>
-              <a:t> signer = </a:t>
-            </a:r>
-            <a:r>
-              <a:rPr lang="fr-FR" sz="1200" dirty="0" err="1">
-                <a:latin typeface="Arial" panose="020B0604020202020204" pitchFamily="34" charset="0"/>
-                <a:cs typeface="Arial" panose="020B0604020202020204" pitchFamily="34" charset="0"/>
-              </a:rPr>
-              <a:t>provider.getSigner</a:t>
-            </a:r>
-            <a:r>
-              <a:rPr lang="fr-FR" sz="1200" dirty="0">
-                <a:latin typeface="Arial" panose="020B0604020202020204" pitchFamily="34" charset="0"/>
-                <a:cs typeface="Arial" panose="020B0604020202020204" pitchFamily="34" charset="0"/>
-              </a:rPr>
-              <a:t>();</a:t>
-            </a:r>
-          </a:p>
-          <a:p>
-            <a:pPr marL="0" indent="0">
-              <a:buNone/>
-            </a:pPr>
-            <a:r>
-              <a:rPr lang="fr-FR" sz="1200" dirty="0" err="1">
-                <a:latin typeface="Arial" panose="020B0604020202020204" pitchFamily="34" charset="0"/>
-                <a:cs typeface="Arial" panose="020B0604020202020204" pitchFamily="34" charset="0"/>
-              </a:rPr>
-              <a:t>const</a:t>
-            </a:r>
-            <a:r>
-              <a:rPr lang="fr-FR" sz="1200" dirty="0">
-                <a:latin typeface="Arial" panose="020B0604020202020204" pitchFamily="34" charset="0"/>
-                <a:cs typeface="Arial" panose="020B0604020202020204" pitchFamily="34" charset="0"/>
-              </a:rPr>
-              <a:t> </a:t>
-            </a:r>
-            <a:r>
-              <a:rPr lang="fr-FR" sz="1200" dirty="0" err="1">
-                <a:latin typeface="Arial" panose="020B0604020202020204" pitchFamily="34" charset="0"/>
-                <a:cs typeface="Arial" panose="020B0604020202020204" pitchFamily="34" charset="0"/>
-              </a:rPr>
-              <a:t>ethAddress</a:t>
-            </a:r>
-            <a:r>
-              <a:rPr lang="fr-FR" sz="1200" dirty="0">
-                <a:latin typeface="Arial" panose="020B0604020202020204" pitchFamily="34" charset="0"/>
-                <a:cs typeface="Arial" panose="020B0604020202020204" pitchFamily="34" charset="0"/>
-              </a:rPr>
-              <a:t> = </a:t>
-            </a:r>
-            <a:r>
-              <a:rPr lang="fr-FR" sz="1200" dirty="0" err="1">
-                <a:latin typeface="Arial" panose="020B0604020202020204" pitchFamily="34" charset="0"/>
-                <a:cs typeface="Arial" panose="020B0604020202020204" pitchFamily="34" charset="0"/>
-              </a:rPr>
-              <a:t>await</a:t>
-            </a:r>
-            <a:r>
-              <a:rPr lang="fr-FR" sz="1200" dirty="0">
-                <a:latin typeface="Arial" panose="020B0604020202020204" pitchFamily="34" charset="0"/>
-                <a:cs typeface="Arial" panose="020B0604020202020204" pitchFamily="34" charset="0"/>
-              </a:rPr>
-              <a:t> </a:t>
-            </a:r>
-            <a:r>
-              <a:rPr lang="fr-FR" sz="1200" dirty="0" err="1">
-                <a:latin typeface="Arial" panose="020B0604020202020204" pitchFamily="34" charset="0"/>
-                <a:cs typeface="Arial" panose="020B0604020202020204" pitchFamily="34" charset="0"/>
-              </a:rPr>
-              <a:t>signer.getAddress</a:t>
-            </a:r>
-            <a:r>
-              <a:rPr lang="fr-FR" sz="1200" dirty="0">
-                <a:latin typeface="Arial" panose="020B0604020202020204" pitchFamily="34" charset="0"/>
-                <a:cs typeface="Arial" panose="020B0604020202020204" pitchFamily="34" charset="0"/>
-              </a:rPr>
-              <a:t>()</a:t>
+              <a:t>Fin de la présentation</a:t>
             </a:r>
           </a:p>
         </p:txBody>
@@ -21698,7 +19909,7 @@
     </p:spTree>
     <p:extLst>
       <p:ext uri="{BB962C8B-B14F-4D97-AF65-F5344CB8AC3E}">
-        <p14:creationId xmlns:p14="http://schemas.microsoft.com/office/powerpoint/2010/main" val="163581856"/>
+        <p14:creationId xmlns:p14="http://schemas.microsoft.com/office/powerpoint/2010/main" val="4144960906"/>
       </p:ext>
     </p:extLst>
   </p:cSld>
@@ -21708,7 +19919,7 @@
 </p:sld>
 </file>
 
-<file path=ppt/slides/slide26.xml><?xml version="1.0" encoding="utf-8"?>
+<file path=ppt/slides/slide22.xml><?xml version="1.0" encoding="utf-8"?>
 <p:sld xmlns:a="http://schemas.openxmlformats.org/drawingml/2006/main" xmlns:r="http://schemas.openxmlformats.org/officeDocument/2006/relationships" xmlns:p="http://schemas.openxmlformats.org/presentationml/2006/main">
   <p:cSld>
     <p:spTree>
@@ -21725,744 +19936,40 @@
           <a:chExt cx="0" cy="0"/>
         </a:xfrm>
       </p:grpSpPr>
-      <p:grpSp>
-        <p:nvGrpSpPr>
-          <p:cNvPr id="5" name="Groupe 4">
+      <p:pic>
+        <p:nvPicPr>
+          <p:cNvPr id="3" name="Image 2">
             <a:extLst>
               <a:ext uri="{FF2B5EF4-FFF2-40B4-BE49-F238E27FC236}">
-                <a16:creationId xmlns:a16="http://schemas.microsoft.com/office/drawing/2014/main" id="{683EB327-9545-2F3C-52EB-91B2E5B1E7E1}"/>
-              </a:ext>
-            </a:extLst>
-          </p:cNvPr>
-          <p:cNvGrpSpPr/>
-          <p:nvPr/>
-        </p:nvGrpSpPr>
-        <p:grpSpPr>
-          <a:xfrm>
-            <a:off x="987245" y="177434"/>
-            <a:ext cx="6278555" cy="774274"/>
-            <a:chOff x="567691" y="386935"/>
-            <a:chExt cx="6278555" cy="774274"/>
-          </a:xfrm>
-        </p:grpSpPr>
-        <p:sp>
-          <p:nvSpPr>
-            <p:cNvPr id="6" name="Rectangle 5">
-              <a:extLst>
-                <a:ext uri="{FF2B5EF4-FFF2-40B4-BE49-F238E27FC236}">
-                  <a16:creationId xmlns:a16="http://schemas.microsoft.com/office/drawing/2014/main" id="{12C5A2F4-1A68-3EFC-7E6E-C845D6D66EB1}"/>
-                </a:ext>
-              </a:extLst>
-            </p:cNvPr>
-            <p:cNvSpPr/>
-            <p:nvPr/>
-          </p:nvSpPr>
-          <p:spPr>
-            <a:xfrm>
-              <a:off x="567691" y="386935"/>
-              <a:ext cx="6278555" cy="774274"/>
-            </a:xfrm>
-            <a:prstGeom prst="rect">
-              <a:avLst/>
-            </a:prstGeom>
-          </p:spPr>
-          <p:style>
-            <a:lnRef idx="2">
-              <a:schemeClr val="lt1">
-                <a:hueOff val="0"/>
-                <a:satOff val="0"/>
-                <a:lumOff val="0"/>
-                <a:alphaOff val="0"/>
-              </a:schemeClr>
-            </a:lnRef>
-            <a:fillRef idx="1">
-              <a:schemeClr val="accent1">
-                <a:hueOff val="0"/>
-                <a:satOff val="0"/>
-                <a:lumOff val="0"/>
-                <a:alphaOff val="0"/>
-              </a:schemeClr>
-            </a:fillRef>
-            <a:effectRef idx="0">
-              <a:schemeClr val="accent1">
-                <a:hueOff val="0"/>
-                <a:satOff val="0"/>
-                <a:lumOff val="0"/>
-                <a:alphaOff val="0"/>
-              </a:schemeClr>
-            </a:effectRef>
-            <a:fontRef idx="minor">
-              <a:schemeClr val="lt1"/>
-            </a:fontRef>
-          </p:style>
-        </p:sp>
-        <p:sp>
-          <p:nvSpPr>
-            <p:cNvPr id="7" name="ZoneTexte 6">
-              <a:extLst>
-                <a:ext uri="{FF2B5EF4-FFF2-40B4-BE49-F238E27FC236}">
-                  <a16:creationId xmlns:a16="http://schemas.microsoft.com/office/drawing/2014/main" id="{FF9E783A-14FF-F7EB-9CC5-4E4DE71E1DA3}"/>
-                </a:ext>
-              </a:extLst>
-            </p:cNvPr>
-            <p:cNvSpPr txBox="1"/>
-            <p:nvPr/>
-          </p:nvSpPr>
-          <p:spPr>
-            <a:xfrm>
-              <a:off x="567691" y="386935"/>
-              <a:ext cx="6278555" cy="774274"/>
-            </a:xfrm>
-            <a:prstGeom prst="rect">
-              <a:avLst/>
-            </a:prstGeom>
-          </p:spPr>
-          <p:style>
-            <a:lnRef idx="0">
-              <a:scrgbClr r="0" g="0" b="0"/>
-            </a:lnRef>
-            <a:fillRef idx="0">
-              <a:scrgbClr r="0" g="0" b="0"/>
-            </a:fillRef>
-            <a:effectRef idx="0">
-              <a:scrgbClr r="0" g="0" b="0"/>
-            </a:effectRef>
-            <a:fontRef idx="minor">
-              <a:schemeClr val="lt1"/>
-            </a:fontRef>
-          </p:style>
-          <p:txBody>
-            <a:bodyPr spcFirstLastPara="0" vert="horz" wrap="square" lIns="614580" tIns="71120" rIns="71120" bIns="71120" numCol="1" spcCol="1270" anchor="ctr" anchorCtr="0">
-              <a:noAutofit/>
-            </a:bodyPr>
-            <a:lstStyle/>
-            <a:p>
-              <a:pPr defTabSz="1244600">
-                <a:lnSpc>
-                  <a:spcPct val="90000"/>
-                </a:lnSpc>
-                <a:spcBef>
-                  <a:spcPct val="0"/>
-                </a:spcBef>
-                <a:spcAft>
-                  <a:spcPct val="35000"/>
-                </a:spcAft>
-              </a:pPr>
-              <a:r>
-                <a:rPr lang="fr-FR" sz="2800" dirty="0"/>
-                <a:t>Notes</a:t>
-              </a:r>
-            </a:p>
-          </p:txBody>
-        </p:sp>
-      </p:grpSp>
-      <p:sp>
-        <p:nvSpPr>
-          <p:cNvPr id="8" name="Ellipse 7">
-            <a:extLst>
-              <a:ext uri="{FF2B5EF4-FFF2-40B4-BE49-F238E27FC236}">
-                <a16:creationId xmlns:a16="http://schemas.microsoft.com/office/drawing/2014/main" id="{A97470D7-CABE-9601-7738-29139EB550C9}"/>
-              </a:ext>
-            </a:extLst>
-          </p:cNvPr>
-          <p:cNvSpPr/>
-          <p:nvPr/>
-        </p:nvSpPr>
-        <p:spPr>
-          <a:xfrm>
-            <a:off x="332880" y="80650"/>
-            <a:ext cx="967842" cy="967842"/>
-          </a:xfrm>
-          <a:prstGeom prst="ellipse">
-            <a:avLst/>
-          </a:prstGeom>
-        </p:spPr>
-        <p:style>
-          <a:lnRef idx="2">
-            <a:schemeClr val="accent1">
-              <a:hueOff val="0"/>
-              <a:satOff val="0"/>
-              <a:lumOff val="0"/>
-              <a:alphaOff val="0"/>
-            </a:schemeClr>
-          </a:lnRef>
-          <a:fillRef idx="1">
-            <a:schemeClr val="lt1">
-              <a:hueOff val="0"/>
-              <a:satOff val="0"/>
-              <a:lumOff val="0"/>
-              <a:alphaOff val="0"/>
-            </a:schemeClr>
-          </a:fillRef>
-          <a:effectRef idx="0">
-            <a:schemeClr val="lt1">
-              <a:hueOff val="0"/>
-              <a:satOff val="0"/>
-              <a:lumOff val="0"/>
-              <a:alphaOff val="0"/>
-            </a:schemeClr>
-          </a:effectRef>
-          <a:fontRef idx="minor">
-            <a:schemeClr val="dk1">
-              <a:hueOff val="0"/>
-              <a:satOff val="0"/>
-              <a:lumOff val="0"/>
-              <a:alphaOff val="0"/>
-            </a:schemeClr>
-          </a:fontRef>
-        </p:style>
-      </p:sp>
-      <p:pic>
-        <p:nvPicPr>
-          <p:cNvPr id="9" name="Picture 2">
-            <a:extLst>
-              <a:ext uri="{FF2B5EF4-FFF2-40B4-BE49-F238E27FC236}">
-                <a16:creationId xmlns:a16="http://schemas.microsoft.com/office/drawing/2014/main" id="{5FC67445-7410-F5FF-B004-2550DF1F8B45}"/>
+                <a16:creationId xmlns:a16="http://schemas.microsoft.com/office/drawing/2014/main" id="{5CD1BB40-A145-7208-5920-C07239333B1B}"/>
               </a:ext>
             </a:extLst>
           </p:cNvPr>
           <p:cNvPicPr>
-            <a:picLocks noChangeAspect="1" noChangeArrowheads="1"/>
+            <a:picLocks noChangeAspect="1"/>
           </p:cNvPicPr>
           <p:nvPr/>
         </p:nvPicPr>
         <p:blipFill>
-          <a:blip r:embed="rId2">
-            <a:extLst>
-              <a:ext uri="{28A0092B-C50C-407E-A947-70E740481C1C}">
-                <a14:useLocalDpi xmlns:a14="http://schemas.microsoft.com/office/drawing/2010/main" val="0"/>
-              </a:ext>
-            </a:extLst>
-          </a:blip>
-          <a:srcRect/>
+          <a:blip r:embed="rId2"/>
           <a:stretch>
             <a:fillRect/>
           </a:stretch>
         </p:blipFill>
-        <p:spPr bwMode="auto">
-          <a:xfrm>
-            <a:off x="11139855" y="138384"/>
-            <a:ext cx="927136" cy="1050756"/>
-          </a:xfrm>
-          <a:prstGeom prst="rect">
-            <a:avLst/>
-          </a:prstGeom>
-          <a:noFill/>
-          <a:ln>
-            <a:noFill/>
-          </a:ln>
-          <a:extLst>
-            <a:ext uri="{909E8E84-426E-40DD-AFC4-6F175D3DCCD1}">
-              <a14:hiddenFill xmlns:a14="http://schemas.microsoft.com/office/drawing/2010/main">
-                <a:solidFill>
-                  <a:srgbClr val="FFFFFF"/>
-                </a:solidFill>
-              </a14:hiddenFill>
-            </a:ext>
-            <a:ext uri="{91240B29-F687-4F45-9708-019B960494DF}">
-              <a14:hiddenLine xmlns:a14="http://schemas.microsoft.com/office/drawing/2010/main" w="9525">
-                <a:solidFill>
-                  <a:srgbClr val="000000"/>
-                </a:solidFill>
-                <a:miter lim="800000"/>
-                <a:headEnd/>
-                <a:tailEnd/>
-              </a14:hiddenLine>
-            </a:ext>
-          </a:extLst>
-        </p:spPr>
-      </p:pic>
-      <p:sp>
-        <p:nvSpPr>
-          <p:cNvPr id="2" name="Sous-titre 2">
-            <a:extLst>
-              <a:ext uri="{FF2B5EF4-FFF2-40B4-BE49-F238E27FC236}">
-                <a16:creationId xmlns:a16="http://schemas.microsoft.com/office/drawing/2014/main" id="{C1F3EE86-C464-319E-F7F6-594F627B0EE3}"/>
-              </a:ext>
-            </a:extLst>
-          </p:cNvPr>
-          <p:cNvSpPr txBox="1">
-            <a:spLocks/>
-          </p:cNvSpPr>
-          <p:nvPr/>
-        </p:nvSpPr>
         <p:spPr>
           <a:xfrm>
-            <a:off x="1724025" y="1419225"/>
-            <a:ext cx="9001125" cy="5261341"/>
+            <a:off x="643417" y="315960"/>
+            <a:ext cx="10905165" cy="6226080"/>
           </a:xfrm>
           <a:prstGeom prst="rect">
             <a:avLst/>
           </a:prstGeom>
         </p:spPr>
-        <p:txBody>
-          <a:bodyPr>
-            <a:normAutofit fontScale="92500" lnSpcReduction="20000"/>
-          </a:bodyPr>
-          <a:lstStyle>
-            <a:lvl1pPr marL="228600" indent="-228600" algn="l" defTabSz="914400" rtl="0" eaLnBrk="1" latinLnBrk="0" hangingPunct="1">
-              <a:lnSpc>
-                <a:spcPct val="90000"/>
-              </a:lnSpc>
-              <a:spcBef>
-                <a:spcPts val="1000"/>
-              </a:spcBef>
-              <a:buFont typeface="Arial" panose="020B0604020202020204" pitchFamily="34" charset="0"/>
-              <a:buChar char="•"/>
-              <a:defRPr sz="2800" kern="1200">
-                <a:solidFill>
-                  <a:schemeClr val="tx1"/>
-                </a:solidFill>
-                <a:latin typeface="+mn-lt"/>
-                <a:ea typeface="+mn-ea"/>
-                <a:cs typeface="+mn-cs"/>
-              </a:defRPr>
-            </a:lvl1pPr>
-            <a:lvl2pPr marL="685800" indent="-228600" algn="l" defTabSz="914400" rtl="0" eaLnBrk="1" latinLnBrk="0" hangingPunct="1">
-              <a:lnSpc>
-                <a:spcPct val="90000"/>
-              </a:lnSpc>
-              <a:spcBef>
-                <a:spcPts val="500"/>
-              </a:spcBef>
-              <a:buFont typeface="Arial" panose="020B0604020202020204" pitchFamily="34" charset="0"/>
-              <a:buChar char="•"/>
-              <a:defRPr sz="2400" kern="1200">
-                <a:solidFill>
-                  <a:schemeClr val="tx1"/>
-                </a:solidFill>
-                <a:latin typeface="+mn-lt"/>
-                <a:ea typeface="+mn-ea"/>
-                <a:cs typeface="+mn-cs"/>
-              </a:defRPr>
-            </a:lvl2pPr>
-            <a:lvl3pPr marL="1143000" indent="-228600" algn="l" defTabSz="914400" rtl="0" eaLnBrk="1" latinLnBrk="0" hangingPunct="1">
-              <a:lnSpc>
-                <a:spcPct val="90000"/>
-              </a:lnSpc>
-              <a:spcBef>
-                <a:spcPts val="500"/>
-              </a:spcBef>
-              <a:buFont typeface="Arial" panose="020B0604020202020204" pitchFamily="34" charset="0"/>
-              <a:buChar char="•"/>
-              <a:defRPr sz="2000" kern="1200">
-                <a:solidFill>
-                  <a:schemeClr val="tx1"/>
-                </a:solidFill>
-                <a:latin typeface="+mn-lt"/>
-                <a:ea typeface="+mn-ea"/>
-                <a:cs typeface="+mn-cs"/>
-              </a:defRPr>
-            </a:lvl3pPr>
-            <a:lvl4pPr marL="1600200" indent="-228600" algn="l" defTabSz="914400" rtl="0" eaLnBrk="1" latinLnBrk="0" hangingPunct="1">
-              <a:lnSpc>
-                <a:spcPct val="90000"/>
-              </a:lnSpc>
-              <a:spcBef>
-                <a:spcPts val="500"/>
-              </a:spcBef>
-              <a:buFont typeface="Arial" panose="020B0604020202020204" pitchFamily="34" charset="0"/>
-              <a:buChar char="•"/>
-              <a:defRPr sz="1800" kern="1200">
-                <a:solidFill>
-                  <a:schemeClr val="tx1"/>
-                </a:solidFill>
-                <a:latin typeface="+mn-lt"/>
-                <a:ea typeface="+mn-ea"/>
-                <a:cs typeface="+mn-cs"/>
-              </a:defRPr>
-            </a:lvl4pPr>
-            <a:lvl5pPr marL="2057400" indent="-228600" algn="l" defTabSz="914400" rtl="0" eaLnBrk="1" latinLnBrk="0" hangingPunct="1">
-              <a:lnSpc>
-                <a:spcPct val="90000"/>
-              </a:lnSpc>
-              <a:spcBef>
-                <a:spcPts val="500"/>
-              </a:spcBef>
-              <a:buFont typeface="Arial" panose="020B0604020202020204" pitchFamily="34" charset="0"/>
-              <a:buChar char="•"/>
-              <a:defRPr sz="1800" kern="1200">
-                <a:solidFill>
-                  <a:schemeClr val="tx1"/>
-                </a:solidFill>
-                <a:latin typeface="+mn-lt"/>
-                <a:ea typeface="+mn-ea"/>
-                <a:cs typeface="+mn-cs"/>
-              </a:defRPr>
-            </a:lvl5pPr>
-            <a:lvl6pPr marL="2514600" indent="-228600" algn="l" defTabSz="914400" rtl="0" eaLnBrk="1" latinLnBrk="0" hangingPunct="1">
-              <a:lnSpc>
-                <a:spcPct val="90000"/>
-              </a:lnSpc>
-              <a:spcBef>
-                <a:spcPts val="500"/>
-              </a:spcBef>
-              <a:buFont typeface="Arial" panose="020B0604020202020204" pitchFamily="34" charset="0"/>
-              <a:buChar char="•"/>
-              <a:defRPr sz="1800" kern="1200">
-                <a:solidFill>
-                  <a:schemeClr val="tx1"/>
-                </a:solidFill>
-                <a:latin typeface="+mn-lt"/>
-                <a:ea typeface="+mn-ea"/>
-                <a:cs typeface="+mn-cs"/>
-              </a:defRPr>
-            </a:lvl6pPr>
-            <a:lvl7pPr marL="2971800" indent="-228600" algn="l" defTabSz="914400" rtl="0" eaLnBrk="1" latinLnBrk="0" hangingPunct="1">
-              <a:lnSpc>
-                <a:spcPct val="90000"/>
-              </a:lnSpc>
-              <a:spcBef>
-                <a:spcPts val="500"/>
-              </a:spcBef>
-              <a:buFont typeface="Arial" panose="020B0604020202020204" pitchFamily="34" charset="0"/>
-              <a:buChar char="•"/>
-              <a:defRPr sz="1800" kern="1200">
-                <a:solidFill>
-                  <a:schemeClr val="tx1"/>
-                </a:solidFill>
-                <a:latin typeface="+mn-lt"/>
-                <a:ea typeface="+mn-ea"/>
-                <a:cs typeface="+mn-cs"/>
-              </a:defRPr>
-            </a:lvl7pPr>
-            <a:lvl8pPr marL="3429000" indent="-228600" algn="l" defTabSz="914400" rtl="0" eaLnBrk="1" latinLnBrk="0" hangingPunct="1">
-              <a:lnSpc>
-                <a:spcPct val="90000"/>
-              </a:lnSpc>
-              <a:spcBef>
-                <a:spcPts val="500"/>
-              </a:spcBef>
-              <a:buFont typeface="Arial" panose="020B0604020202020204" pitchFamily="34" charset="0"/>
-              <a:buChar char="•"/>
-              <a:defRPr sz="1800" kern="1200">
-                <a:solidFill>
-                  <a:schemeClr val="tx1"/>
-                </a:solidFill>
-                <a:latin typeface="+mn-lt"/>
-                <a:ea typeface="+mn-ea"/>
-                <a:cs typeface="+mn-cs"/>
-              </a:defRPr>
-            </a:lvl8pPr>
-            <a:lvl9pPr marL="3886200" indent="-228600" algn="l" defTabSz="914400" rtl="0" eaLnBrk="1" latinLnBrk="0" hangingPunct="1">
-              <a:lnSpc>
-                <a:spcPct val="90000"/>
-              </a:lnSpc>
-              <a:spcBef>
-                <a:spcPts val="500"/>
-              </a:spcBef>
-              <a:buFont typeface="Arial" panose="020B0604020202020204" pitchFamily="34" charset="0"/>
-              <a:buChar char="•"/>
-              <a:defRPr sz="1800" kern="1200">
-                <a:solidFill>
-                  <a:schemeClr val="tx1"/>
-                </a:solidFill>
-                <a:latin typeface="+mn-lt"/>
-                <a:ea typeface="+mn-ea"/>
-                <a:cs typeface="+mn-cs"/>
-              </a:defRPr>
-            </a:lvl9pPr>
-          </a:lstStyle>
-          <a:p>
-            <a:pPr marL="0" indent="0">
-              <a:buNone/>
-            </a:pPr>
-            <a:r>
-              <a:rPr lang="fr-FR" sz="2000" dirty="0">
-                <a:latin typeface="Arial" panose="020B0604020202020204" pitchFamily="34" charset="0"/>
-                <a:cs typeface="Arial" panose="020B0604020202020204" pitchFamily="34" charset="0"/>
-              </a:rPr>
-              <a:t>Payable  value</a:t>
-            </a:r>
-          </a:p>
-          <a:p>
-            <a:endParaRPr lang="fr-FR" sz="2000" dirty="0">
-              <a:latin typeface="Arial" panose="020B0604020202020204" pitchFamily="34" charset="0"/>
-              <a:cs typeface="Arial" panose="020B0604020202020204" pitchFamily="34" charset="0"/>
-            </a:endParaRPr>
-          </a:p>
-          <a:p>
-            <a:pPr marL="0" indent="0">
-              <a:buNone/>
-            </a:pPr>
-            <a:r>
-              <a:rPr lang="en-US" sz="2000" dirty="0">
-                <a:latin typeface="Arial" panose="020B0604020202020204" pitchFamily="34" charset="0"/>
-                <a:cs typeface="Arial" panose="020B0604020202020204" pitchFamily="34" charset="0"/>
-              </a:rPr>
-              <a:t>You can send Ether to other contracts by :</a:t>
-            </a:r>
-          </a:p>
-          <a:p>
-            <a:pPr marL="0" indent="0">
-              <a:buNone/>
-            </a:pPr>
-            <a:r>
-              <a:rPr lang="en-US" sz="2000" dirty="0">
-                <a:latin typeface="Arial" panose="020B0604020202020204" pitchFamily="34" charset="0"/>
-                <a:cs typeface="Arial" panose="020B0604020202020204" pitchFamily="34" charset="0"/>
-              </a:rPr>
-              <a:t>- transfer (2300 gas, throws error)</a:t>
-            </a:r>
-          </a:p>
-          <a:p>
-            <a:pPr marL="0" indent="0">
-              <a:buNone/>
-            </a:pPr>
-            <a:r>
-              <a:rPr lang="en-US" sz="2000" dirty="0">
-                <a:latin typeface="Arial" panose="020B0604020202020204" pitchFamily="34" charset="0"/>
-                <a:cs typeface="Arial" panose="020B0604020202020204" pitchFamily="34" charset="0"/>
-              </a:rPr>
-              <a:t>- send (2300 gas, returns bool)</a:t>
-            </a:r>
-          </a:p>
-          <a:p>
-            <a:pPr marL="0" indent="0">
-              <a:buNone/>
-            </a:pPr>
-            <a:r>
-              <a:rPr lang="en-US" sz="2000" dirty="0">
-                <a:latin typeface="Arial" panose="020B0604020202020204" pitchFamily="34" charset="0"/>
-                <a:cs typeface="Arial" panose="020B0604020202020204" pitchFamily="34" charset="0"/>
-              </a:rPr>
-              <a:t>- call (forward all gas or set gas, returns bool)</a:t>
-            </a:r>
-          </a:p>
-          <a:p>
-            <a:endParaRPr lang="en-US" sz="2000" dirty="0">
-              <a:latin typeface="Arial" panose="020B0604020202020204" pitchFamily="34" charset="0"/>
-              <a:cs typeface="Arial" panose="020B0604020202020204" pitchFamily="34" charset="0"/>
-            </a:endParaRPr>
-          </a:p>
-          <a:p>
-            <a:pPr marL="0" indent="0">
-              <a:buNone/>
-            </a:pPr>
-            <a:r>
-              <a:rPr lang="en-US" sz="2000" dirty="0">
-                <a:latin typeface="Arial" panose="020B0604020202020204" pitchFamily="34" charset="0"/>
-                <a:cs typeface="Arial" panose="020B0604020202020204" pitchFamily="34" charset="0"/>
-              </a:rPr>
-              <a:t>A contract receiving Ether must have at least one of the functions below :</a:t>
-            </a:r>
-          </a:p>
-          <a:p>
-            <a:pPr marL="0" indent="0">
-              <a:buNone/>
-            </a:pPr>
-            <a:r>
-              <a:rPr lang="en-US" sz="2000" dirty="0">
-                <a:latin typeface="Arial" panose="020B0604020202020204" pitchFamily="34" charset="0"/>
-                <a:cs typeface="Arial" panose="020B0604020202020204" pitchFamily="34" charset="0"/>
-              </a:rPr>
-              <a:t>- receive() external payable</a:t>
-            </a:r>
-          </a:p>
-          <a:p>
-            <a:pPr>
-              <a:buFontTx/>
-              <a:buChar char="-"/>
-            </a:pPr>
-            <a:r>
-              <a:rPr lang="en-US" sz="2000" dirty="0">
-                <a:latin typeface="Arial" panose="020B0604020202020204" pitchFamily="34" charset="0"/>
-                <a:cs typeface="Arial" panose="020B0604020202020204" pitchFamily="34" charset="0"/>
-              </a:rPr>
-              <a:t>fallback() external payable</a:t>
-            </a:r>
-          </a:p>
-          <a:p>
-            <a:pPr marL="0" indent="0">
-              <a:buNone/>
-            </a:pPr>
-            <a:endParaRPr lang="fr-FR" sz="2000" dirty="0">
-              <a:latin typeface="Arial" panose="020B0604020202020204" pitchFamily="34" charset="0"/>
-              <a:cs typeface="Arial" panose="020B0604020202020204" pitchFamily="34" charset="0"/>
-            </a:endParaRPr>
-          </a:p>
-          <a:p>
-            <a:pPr marL="0" indent="0">
-              <a:buNone/>
-            </a:pPr>
-            <a:r>
-              <a:rPr lang="fr-FR" i="0" dirty="0">
-                <a:solidFill>
-                  <a:srgbClr val="0F0F0F"/>
-                </a:solidFill>
-                <a:effectLst/>
-                <a:latin typeface="YouTube Sans"/>
-              </a:rPr>
-              <a:t>faille </a:t>
-            </a:r>
-            <a:r>
-              <a:rPr lang="fr-FR" i="0" dirty="0" err="1">
-                <a:solidFill>
-                  <a:srgbClr val="0F0F0F"/>
-                </a:solidFill>
-                <a:effectLst/>
-                <a:latin typeface="YouTube Sans"/>
-              </a:rPr>
-              <a:t>reentrancy</a:t>
-            </a:r>
-            <a:r>
-              <a:rPr lang="fr-FR" i="0" dirty="0">
-                <a:solidFill>
-                  <a:srgbClr val="0F0F0F"/>
-                </a:solidFill>
-                <a:effectLst/>
-                <a:latin typeface="YouTube Sans"/>
-              </a:rPr>
-              <a:t> : </a:t>
-            </a:r>
-            <a:r>
-              <a:rPr lang="fr-FR" i="0" dirty="0" err="1">
-                <a:solidFill>
-                  <a:srgbClr val="0F0F0F"/>
-                </a:solidFill>
-                <a:effectLst/>
-                <a:latin typeface="YouTube Sans"/>
-              </a:rPr>
-              <a:t>reentrencyGuard</a:t>
-            </a:r>
-            <a:r>
-              <a:rPr lang="fr-FR" i="0" dirty="0">
-                <a:solidFill>
-                  <a:srgbClr val="0F0F0F"/>
-                </a:solidFill>
-                <a:effectLst/>
-                <a:latin typeface="YouTube Sans"/>
-              </a:rPr>
-              <a:t> </a:t>
-            </a:r>
-            <a:r>
-              <a:rPr lang="fr-FR" i="0" dirty="0" err="1">
-                <a:solidFill>
-                  <a:srgbClr val="0F0F0F"/>
-                </a:solidFill>
-                <a:effectLst/>
-                <a:latin typeface="YouTube Sans"/>
-              </a:rPr>
-              <a:t>Openzeppeline</a:t>
-            </a:r>
-            <a:br>
-              <a:rPr lang="fr-FR" i="0" dirty="0">
-                <a:solidFill>
-                  <a:srgbClr val="0F0F0F"/>
-                </a:solidFill>
-                <a:effectLst/>
-                <a:latin typeface="YouTube Sans"/>
-              </a:rPr>
-            </a:br>
-            <a:r>
-              <a:rPr lang="fr-FR" i="0" dirty="0">
-                <a:solidFill>
-                  <a:srgbClr val="0F0F0F"/>
-                </a:solidFill>
-                <a:effectLst/>
-                <a:latin typeface="YouTube Sans"/>
-              </a:rPr>
-              <a:t>modifier </a:t>
-            </a:r>
-            <a:r>
-              <a:rPr lang="fr-FR" i="0" dirty="0" err="1">
-                <a:solidFill>
-                  <a:srgbClr val="0F0F0F"/>
-                </a:solidFill>
-                <a:effectLst/>
-                <a:latin typeface="YouTube Sans"/>
-              </a:rPr>
-              <a:t>nonRentrant</a:t>
-            </a:r>
-            <a:r>
-              <a:rPr lang="fr-FR" i="0" dirty="0">
-                <a:solidFill>
-                  <a:srgbClr val="0F0F0F"/>
-                </a:solidFill>
-                <a:effectLst/>
-                <a:latin typeface="YouTube Sans"/>
-              </a:rPr>
-              <a:t>  (!</a:t>
-            </a:r>
-            <a:r>
-              <a:rPr lang="fr-FR" i="0" dirty="0" err="1">
-                <a:solidFill>
-                  <a:srgbClr val="0F0F0F"/>
-                </a:solidFill>
-                <a:effectLst/>
-                <a:latin typeface="YouTube Sans"/>
-              </a:rPr>
-              <a:t>Defi</a:t>
-            </a:r>
-            <a:r>
-              <a:rPr lang="fr-FR" i="0" dirty="0">
-                <a:solidFill>
-                  <a:srgbClr val="0F0F0F"/>
-                </a:solidFill>
-                <a:effectLst/>
-                <a:latin typeface="YouTube Sans"/>
-              </a:rPr>
-              <a:t>)</a:t>
-            </a:r>
-          </a:p>
-          <a:p>
-            <a:pPr marL="0" indent="0">
-              <a:buNone/>
-            </a:pPr>
-            <a:endParaRPr lang="fr-FR" dirty="0">
-              <a:solidFill>
-                <a:srgbClr val="0F0F0F"/>
-              </a:solidFill>
-              <a:latin typeface="YouTube Sans"/>
-            </a:endParaRPr>
-          </a:p>
-          <a:p>
-            <a:pPr marL="0" indent="0">
-              <a:buNone/>
-            </a:pPr>
-            <a:r>
-              <a:rPr lang="fr-FR" i="0" dirty="0">
-                <a:solidFill>
-                  <a:srgbClr val="0F0F0F"/>
-                </a:solidFill>
-                <a:effectLst/>
-                <a:latin typeface="YouTube Sans"/>
-              </a:rPr>
-              <a:t>Librairie </a:t>
-            </a:r>
-            <a:r>
-              <a:rPr lang="fr-FR" i="0" dirty="0" err="1">
-                <a:solidFill>
-                  <a:srgbClr val="0F0F0F"/>
-                </a:solidFill>
-                <a:effectLst/>
-                <a:latin typeface="YouTube Sans"/>
-              </a:rPr>
-              <a:t>Counters.sol</a:t>
-            </a:r>
-            <a:endParaRPr lang="fr-FR" i="0" dirty="0">
-              <a:solidFill>
-                <a:srgbClr val="0F0F0F"/>
-              </a:solidFill>
-              <a:effectLst/>
-              <a:latin typeface="YouTube Sans"/>
-            </a:endParaRPr>
-          </a:p>
-          <a:p>
-            <a:pPr marL="0" indent="0">
-              <a:buNone/>
-            </a:pPr>
-            <a:endParaRPr lang="fr-FR" sz="2000" dirty="0">
-              <a:latin typeface="Arial" panose="020B0604020202020204" pitchFamily="34" charset="0"/>
-              <a:cs typeface="Arial" panose="020B0604020202020204" pitchFamily="34" charset="0"/>
-            </a:endParaRPr>
-          </a:p>
-        </p:txBody>
-      </p:sp>
+      </p:pic>
     </p:spTree>
     <p:extLst>
       <p:ext uri="{BB962C8B-B14F-4D97-AF65-F5344CB8AC3E}">
-        <p14:creationId xmlns:p14="http://schemas.microsoft.com/office/powerpoint/2010/main" val="1419233875"/>
+        <p14:creationId xmlns:p14="http://schemas.microsoft.com/office/powerpoint/2010/main" val="1961221499"/>
       </p:ext>
     </p:extLst>
   </p:cSld>
@@ -22472,7 +19979,7 @@
 </p:sld>
 </file>
 
-<file path=ppt/slides/slide27.xml><?xml version="1.0" encoding="utf-8"?>
+<file path=ppt/slides/slide23.xml><?xml version="1.0" encoding="utf-8"?>
 <p:sld xmlns:a="http://schemas.openxmlformats.org/drawingml/2006/main" xmlns:r="http://schemas.openxmlformats.org/officeDocument/2006/relationships" xmlns:p="http://schemas.openxmlformats.org/presentationml/2006/main">
   <p:cSld>
     <p:spTree>
@@ -22489,304 +19996,40 @@
           <a:chExt cx="0" cy="0"/>
         </a:xfrm>
       </p:grpSpPr>
-      <p:grpSp>
-        <p:nvGrpSpPr>
-          <p:cNvPr id="5" name="Groupe 4">
+      <p:pic>
+        <p:nvPicPr>
+          <p:cNvPr id="4" name="Image 3">
             <a:extLst>
               <a:ext uri="{FF2B5EF4-FFF2-40B4-BE49-F238E27FC236}">
-                <a16:creationId xmlns:a16="http://schemas.microsoft.com/office/drawing/2014/main" id="{683EB327-9545-2F3C-52EB-91B2E5B1E7E1}"/>
-              </a:ext>
-            </a:extLst>
-          </p:cNvPr>
-          <p:cNvGrpSpPr/>
-          <p:nvPr/>
-        </p:nvGrpSpPr>
-        <p:grpSpPr>
-          <a:xfrm>
-            <a:off x="987245" y="177434"/>
-            <a:ext cx="6278555" cy="774274"/>
-            <a:chOff x="567691" y="386935"/>
-            <a:chExt cx="6278555" cy="774274"/>
-          </a:xfrm>
-        </p:grpSpPr>
-        <p:sp>
-          <p:nvSpPr>
-            <p:cNvPr id="6" name="Rectangle 5">
-              <a:extLst>
-                <a:ext uri="{FF2B5EF4-FFF2-40B4-BE49-F238E27FC236}">
-                  <a16:creationId xmlns:a16="http://schemas.microsoft.com/office/drawing/2014/main" id="{12C5A2F4-1A68-3EFC-7E6E-C845D6D66EB1}"/>
-                </a:ext>
-              </a:extLst>
-            </p:cNvPr>
-            <p:cNvSpPr/>
-            <p:nvPr/>
-          </p:nvSpPr>
-          <p:spPr>
-            <a:xfrm>
-              <a:off x="567691" y="386935"/>
-              <a:ext cx="6278555" cy="774274"/>
-            </a:xfrm>
-            <a:prstGeom prst="rect">
-              <a:avLst/>
-            </a:prstGeom>
-          </p:spPr>
-          <p:style>
-            <a:lnRef idx="2">
-              <a:schemeClr val="lt1">
-                <a:hueOff val="0"/>
-                <a:satOff val="0"/>
-                <a:lumOff val="0"/>
-                <a:alphaOff val="0"/>
-              </a:schemeClr>
-            </a:lnRef>
-            <a:fillRef idx="1">
-              <a:schemeClr val="accent1">
-                <a:hueOff val="0"/>
-                <a:satOff val="0"/>
-                <a:lumOff val="0"/>
-                <a:alphaOff val="0"/>
-              </a:schemeClr>
-            </a:fillRef>
-            <a:effectRef idx="0">
-              <a:schemeClr val="accent1">
-                <a:hueOff val="0"/>
-                <a:satOff val="0"/>
-                <a:lumOff val="0"/>
-                <a:alphaOff val="0"/>
-              </a:schemeClr>
-            </a:effectRef>
-            <a:fontRef idx="minor">
-              <a:schemeClr val="lt1"/>
-            </a:fontRef>
-          </p:style>
-        </p:sp>
-        <p:sp>
-          <p:nvSpPr>
-            <p:cNvPr id="7" name="ZoneTexte 6">
-              <a:extLst>
-                <a:ext uri="{FF2B5EF4-FFF2-40B4-BE49-F238E27FC236}">
-                  <a16:creationId xmlns:a16="http://schemas.microsoft.com/office/drawing/2014/main" id="{FF9E783A-14FF-F7EB-9CC5-4E4DE71E1DA3}"/>
-                </a:ext>
-              </a:extLst>
-            </p:cNvPr>
-            <p:cNvSpPr txBox="1"/>
-            <p:nvPr/>
-          </p:nvSpPr>
-          <p:spPr>
-            <a:xfrm>
-              <a:off x="567691" y="386935"/>
-              <a:ext cx="6278555" cy="774274"/>
-            </a:xfrm>
-            <a:prstGeom prst="rect">
-              <a:avLst/>
-            </a:prstGeom>
-          </p:spPr>
-          <p:style>
-            <a:lnRef idx="0">
-              <a:scrgbClr r="0" g="0" b="0"/>
-            </a:lnRef>
-            <a:fillRef idx="0">
-              <a:scrgbClr r="0" g="0" b="0"/>
-            </a:fillRef>
-            <a:effectRef idx="0">
-              <a:scrgbClr r="0" g="0" b="0"/>
-            </a:effectRef>
-            <a:fontRef idx="minor">
-              <a:schemeClr val="lt1"/>
-            </a:fontRef>
-          </p:style>
-          <p:txBody>
-            <a:bodyPr spcFirstLastPara="0" vert="horz" wrap="square" lIns="614580" tIns="71120" rIns="71120" bIns="71120" numCol="1" spcCol="1270" anchor="ctr" anchorCtr="0">
-              <a:noAutofit/>
-            </a:bodyPr>
-            <a:lstStyle/>
-            <a:p>
-              <a:pPr defTabSz="1244600">
-                <a:lnSpc>
-                  <a:spcPct val="90000"/>
-                </a:lnSpc>
-                <a:spcBef>
-                  <a:spcPct val="0"/>
-                </a:spcBef>
-                <a:spcAft>
-                  <a:spcPct val="35000"/>
-                </a:spcAft>
-              </a:pPr>
-              <a:r>
-                <a:rPr lang="fr-FR" sz="2800" dirty="0"/>
-                <a:t>Notes</a:t>
-              </a:r>
-            </a:p>
-          </p:txBody>
-        </p:sp>
-      </p:grpSp>
-      <p:sp>
-        <p:nvSpPr>
-          <p:cNvPr id="8" name="Ellipse 7">
-            <a:extLst>
-              <a:ext uri="{FF2B5EF4-FFF2-40B4-BE49-F238E27FC236}">
-                <a16:creationId xmlns:a16="http://schemas.microsoft.com/office/drawing/2014/main" id="{A97470D7-CABE-9601-7738-29139EB550C9}"/>
-              </a:ext>
-            </a:extLst>
-          </p:cNvPr>
-          <p:cNvSpPr/>
-          <p:nvPr/>
-        </p:nvSpPr>
-        <p:spPr>
-          <a:xfrm>
-            <a:off x="332880" y="80650"/>
-            <a:ext cx="967842" cy="967842"/>
-          </a:xfrm>
-          <a:prstGeom prst="ellipse">
-            <a:avLst/>
-          </a:prstGeom>
-        </p:spPr>
-        <p:style>
-          <a:lnRef idx="2">
-            <a:schemeClr val="accent1">
-              <a:hueOff val="0"/>
-              <a:satOff val="0"/>
-              <a:lumOff val="0"/>
-              <a:alphaOff val="0"/>
-            </a:schemeClr>
-          </a:lnRef>
-          <a:fillRef idx="1">
-            <a:schemeClr val="lt1">
-              <a:hueOff val="0"/>
-              <a:satOff val="0"/>
-              <a:lumOff val="0"/>
-              <a:alphaOff val="0"/>
-            </a:schemeClr>
-          </a:fillRef>
-          <a:effectRef idx="0">
-            <a:schemeClr val="lt1">
-              <a:hueOff val="0"/>
-              <a:satOff val="0"/>
-              <a:lumOff val="0"/>
-              <a:alphaOff val="0"/>
-            </a:schemeClr>
-          </a:effectRef>
-          <a:fontRef idx="minor">
-            <a:schemeClr val="dk1">
-              <a:hueOff val="0"/>
-              <a:satOff val="0"/>
-              <a:lumOff val="0"/>
-              <a:alphaOff val="0"/>
-            </a:schemeClr>
-          </a:fontRef>
-        </p:style>
-      </p:sp>
-      <p:pic>
-        <p:nvPicPr>
-          <p:cNvPr id="9" name="Picture 2">
-            <a:extLst>
-              <a:ext uri="{FF2B5EF4-FFF2-40B4-BE49-F238E27FC236}">
-                <a16:creationId xmlns:a16="http://schemas.microsoft.com/office/drawing/2014/main" id="{5FC67445-7410-F5FF-B004-2550DF1F8B45}"/>
+                <a16:creationId xmlns:a16="http://schemas.microsoft.com/office/drawing/2014/main" id="{9EB50390-1528-5459-540E-45DD842C4997}"/>
               </a:ext>
             </a:extLst>
           </p:cNvPr>
           <p:cNvPicPr>
-            <a:picLocks noChangeAspect="1" noChangeArrowheads="1"/>
+            <a:picLocks noChangeAspect="1"/>
           </p:cNvPicPr>
           <p:nvPr/>
         </p:nvPicPr>
         <p:blipFill>
-          <a:blip r:embed="rId2">
-            <a:extLst>
-              <a:ext uri="{28A0092B-C50C-407E-A947-70E740481C1C}">
-                <a14:useLocalDpi xmlns:a14="http://schemas.microsoft.com/office/drawing/2010/main" val="0"/>
-              </a:ext>
-            </a:extLst>
-          </a:blip>
-          <a:srcRect/>
+          <a:blip r:embed="rId2"/>
           <a:stretch>
             <a:fillRect/>
           </a:stretch>
         </p:blipFill>
-        <p:spPr bwMode="auto">
+        <p:spPr>
           <a:xfrm>
-            <a:off x="11139855" y="138384"/>
-            <a:ext cx="927136" cy="1050756"/>
+            <a:off x="605314" y="335012"/>
+            <a:ext cx="10981372" cy="6187976"/>
           </a:xfrm>
           <a:prstGeom prst="rect">
             <a:avLst/>
           </a:prstGeom>
-          <a:noFill/>
-          <a:ln>
-            <a:noFill/>
-          </a:ln>
-          <a:extLst>
-            <a:ext uri="{909E8E84-426E-40DD-AFC4-6F175D3DCCD1}">
-              <a14:hiddenFill xmlns:a14="http://schemas.microsoft.com/office/drawing/2010/main">
-                <a:solidFill>
-                  <a:srgbClr val="FFFFFF"/>
-                </a:solidFill>
-              </a14:hiddenFill>
-            </a:ext>
-            <a:ext uri="{91240B29-F687-4F45-9708-019B960494DF}">
-              <a14:hiddenLine xmlns:a14="http://schemas.microsoft.com/office/drawing/2010/main" w="9525">
-                <a:solidFill>
-                  <a:srgbClr val="000000"/>
-                </a:solidFill>
-                <a:miter lim="800000"/>
-                <a:headEnd/>
-                <a:tailEnd/>
-              </a14:hiddenLine>
-            </a:ext>
-          </a:extLst>
-        </p:spPr>
-      </p:pic>
-      <p:pic>
-        <p:nvPicPr>
-          <p:cNvPr id="1032" name="Picture 8" descr="Understanding Blockchain: A Guide to Ethereum Smart Contract Programming">
-            <a:extLst>
-              <a:ext uri="{FF2B5EF4-FFF2-40B4-BE49-F238E27FC236}">
-                <a16:creationId xmlns:a16="http://schemas.microsoft.com/office/drawing/2014/main" id="{C330B3D8-94F5-7ABF-561B-5424615D572D}"/>
-              </a:ext>
-            </a:extLst>
-          </p:cNvPr>
-          <p:cNvPicPr>
-            <a:picLocks noChangeAspect="1" noChangeArrowheads="1"/>
-          </p:cNvPicPr>
-          <p:nvPr/>
-        </p:nvPicPr>
-        <p:blipFill>
-          <a:blip r:embed="rId3">
-            <a:extLst>
-              <a:ext uri="{28A0092B-C50C-407E-A947-70E740481C1C}">
-                <a14:useLocalDpi xmlns:a14="http://schemas.microsoft.com/office/drawing/2010/main" val="0"/>
-              </a:ext>
-            </a:extLst>
-          </a:blip>
-          <a:srcRect/>
-          <a:stretch>
-            <a:fillRect/>
-          </a:stretch>
-        </p:blipFill>
-        <p:spPr bwMode="auto">
-          <a:xfrm>
-            <a:off x="2628900" y="1654204"/>
-            <a:ext cx="4841630" cy="4956362"/>
-          </a:xfrm>
-          <a:prstGeom prst="rect">
-            <a:avLst/>
-          </a:prstGeom>
-          <a:noFill/>
-          <a:extLst>
-            <a:ext uri="{909E8E84-426E-40DD-AFC4-6F175D3DCCD1}">
-              <a14:hiddenFill xmlns:a14="http://schemas.microsoft.com/office/drawing/2010/main">
-                <a:solidFill>
-                  <a:srgbClr val="FFFFFF"/>
-                </a:solidFill>
-              </a14:hiddenFill>
-            </a:ext>
-          </a:extLst>
         </p:spPr>
       </p:pic>
     </p:spTree>
     <p:extLst>
       <p:ext uri="{BB962C8B-B14F-4D97-AF65-F5344CB8AC3E}">
-        <p14:creationId xmlns:p14="http://schemas.microsoft.com/office/powerpoint/2010/main" val="1554496416"/>
+        <p14:creationId xmlns:p14="http://schemas.microsoft.com/office/powerpoint/2010/main" val="4064197565"/>
       </p:ext>
     </p:extLst>
   </p:cSld>
@@ -23386,7 +20629,15 @@
                 <a:ea typeface="Times New Roman" panose="02020603050405020304" pitchFamily="18" charset="0"/>
                 <a:cs typeface="Times New Roman" panose="02020603050405020304" pitchFamily="18" charset="0"/>
               </a:rPr>
-              <a:t> Mumbai</a:t>
+              <a:t> Mumbai </a:t>
+            </a:r>
+            <a:r>
+              <a:rPr lang="fr-FR" sz="1100" b="1" dirty="0">
+                <a:latin typeface="Arial" panose="020B0604020202020204" pitchFamily="34" charset="0"/>
+                <a:ea typeface="Times New Roman" panose="02020603050405020304" pitchFamily="18" charset="0"/>
+                <a:cs typeface="Times New Roman" panose="02020603050405020304" pitchFamily="18" charset="0"/>
+              </a:rPr>
+              <a:t>(0x6143858f106fb78Ea3996BEbb7386C2d0b1d4e48)</a:t>
             </a:r>
           </a:p>
           <a:p>
@@ -24424,6 +21675,97 @@
           </a:prstGeom>
         </p:spPr>
       </p:pic>
+      <p:pic>
+        <p:nvPicPr>
+          <p:cNvPr id="1026" name="Picture 2" descr="InterPlanetary File System (IPFS) | Framalibre">
+            <a:extLst>
+              <a:ext uri="{FF2B5EF4-FFF2-40B4-BE49-F238E27FC236}">
+                <a16:creationId xmlns:a16="http://schemas.microsoft.com/office/drawing/2014/main" id="{2ED6718B-169F-62B5-6F97-324BC8F602C6}"/>
+              </a:ext>
+            </a:extLst>
+          </p:cNvPr>
+          <p:cNvPicPr>
+            <a:picLocks noChangeAspect="1" noChangeArrowheads="1"/>
+          </p:cNvPicPr>
+          <p:nvPr/>
+        </p:nvPicPr>
+        <p:blipFill>
+          <a:blip r:embed="rId4">
+            <a:extLst>
+              <a:ext uri="{28A0092B-C50C-407E-A947-70E740481C1C}">
+                <a14:useLocalDpi xmlns:a14="http://schemas.microsoft.com/office/drawing/2010/main" val="0"/>
+              </a:ext>
+            </a:extLst>
+          </a:blip>
+          <a:srcRect/>
+          <a:stretch>
+            <a:fillRect/>
+          </a:stretch>
+        </p:blipFill>
+        <p:spPr bwMode="auto">
+          <a:xfrm>
+            <a:off x="8880231" y="4498927"/>
+            <a:ext cx="568178" cy="568178"/>
+          </a:xfrm>
+          <a:prstGeom prst="rect">
+            <a:avLst/>
+          </a:prstGeom>
+          <a:noFill/>
+          <a:extLst>
+            <a:ext uri="{909E8E84-426E-40DD-AFC4-6F175D3DCCD1}">
+              <a14:hiddenFill xmlns:a14="http://schemas.microsoft.com/office/drawing/2010/main">
+                <a:solidFill>
+                  <a:srgbClr val="FFFFFF"/>
+                </a:solidFill>
+              </a14:hiddenFill>
+            </a:ext>
+          </a:extLst>
+        </p:spPr>
+      </p:pic>
+      <p:cxnSp>
+        <p:nvCxnSpPr>
+          <p:cNvPr id="4" name="Connecteur droit 3">
+            <a:extLst>
+              <a:ext uri="{FF2B5EF4-FFF2-40B4-BE49-F238E27FC236}">
+                <a16:creationId xmlns:a16="http://schemas.microsoft.com/office/drawing/2014/main" id="{31B702F4-EA14-2F06-5225-F3B211A2E607}"/>
+              </a:ext>
+            </a:extLst>
+          </p:cNvPr>
+          <p:cNvCxnSpPr>
+            <a:cxnSpLocks/>
+            <a:endCxn id="1026" idx="1"/>
+          </p:cNvCxnSpPr>
+          <p:nvPr/>
+        </p:nvCxnSpPr>
+        <p:spPr>
+          <a:xfrm>
+            <a:off x="8396654" y="4783016"/>
+            <a:ext cx="483577" cy="0"/>
+          </a:xfrm>
+          <a:prstGeom prst="line">
+            <a:avLst/>
+          </a:prstGeom>
+          <a:ln>
+            <a:solidFill>
+              <a:schemeClr val="tx1"/>
+            </a:solidFill>
+          </a:ln>
+        </p:spPr>
+        <p:style>
+          <a:lnRef idx="1">
+            <a:schemeClr val="accent1"/>
+          </a:lnRef>
+          <a:fillRef idx="0">
+            <a:schemeClr val="accent1"/>
+          </a:fillRef>
+          <a:effectRef idx="0">
+            <a:schemeClr val="accent1"/>
+          </a:effectRef>
+          <a:fontRef idx="minor">
+            <a:schemeClr val="tx1"/>
+          </a:fontRef>
+        </p:style>
+      </p:cxnSp>
     </p:spTree>
     <p:extLst>
       <p:ext uri="{BB962C8B-B14F-4D97-AF65-F5344CB8AC3E}">
